--- a/Trabalho_FSDE_stats_CT_VB/Wild_Fires_presentation.pptx
+++ b/Trabalho_FSDE_stats_CT_VB/Wild_Fires_presentation.pptx
@@ -16,24 +16,24 @@
     <p:sldId id="271" r:id="rId4"/>
     <p:sldId id="272" r:id="rId5"/>
     <p:sldId id="281" r:id="rId6"/>
-    <p:sldId id="277" r:id="rId7"/>
-    <p:sldId id="279" r:id="rId8"/>
-    <p:sldId id="282" r:id="rId9"/>
-    <p:sldId id="283" r:id="rId10"/>
-    <p:sldId id="284" r:id="rId11"/>
-    <p:sldId id="285" r:id="rId12"/>
-    <p:sldId id="286" r:id="rId13"/>
-    <p:sldId id="287" r:id="rId14"/>
-    <p:sldId id="288" r:id="rId15"/>
-    <p:sldId id="289" r:id="rId16"/>
-    <p:sldId id="274" r:id="rId17"/>
-    <p:sldId id="290" r:id="rId18"/>
-    <p:sldId id="291" r:id="rId19"/>
-    <p:sldId id="292" r:id="rId20"/>
-    <p:sldId id="294" r:id="rId21"/>
-    <p:sldId id="293" r:id="rId22"/>
-    <p:sldId id="275" r:id="rId23"/>
-    <p:sldId id="276" r:id="rId24"/>
+    <p:sldId id="295" r:id="rId7"/>
+    <p:sldId id="284" r:id="rId8"/>
+    <p:sldId id="285" r:id="rId9"/>
+    <p:sldId id="286" r:id="rId10"/>
+    <p:sldId id="287" r:id="rId11"/>
+    <p:sldId id="288" r:id="rId12"/>
+    <p:sldId id="289" r:id="rId13"/>
+    <p:sldId id="274" r:id="rId14"/>
+    <p:sldId id="290" r:id="rId15"/>
+    <p:sldId id="291" r:id="rId16"/>
+    <p:sldId id="292" r:id="rId17"/>
+    <p:sldId id="294" r:id="rId18"/>
+    <p:sldId id="293" r:id="rId19"/>
+    <p:sldId id="275" r:id="rId20"/>
+    <p:sldId id="276" r:id="rId21"/>
+    <p:sldId id="279" r:id="rId22"/>
+    <p:sldId id="282" r:id="rId23"/>
+    <p:sldId id="283" r:id="rId24"/>
   </p:sldIdLst>
   <p:sldSz cx="12192000" cy="6858000"/>
   <p:notesSz cx="6858000" cy="9144000"/>
@@ -826,7 +826,7 @@
     </p:spTree>
     <p:extLst>
       <p:ext uri="{BB962C8B-B14F-4D97-AF65-F5344CB8AC3E}">
-        <p14:creationId xmlns:p14="http://schemas.microsoft.com/office/powerpoint/2010/main" val="2384286842"/>
+        <p14:creationId xmlns:p14="http://schemas.microsoft.com/office/powerpoint/2010/main" val="1070690680"/>
       </p:ext>
     </p:extLst>
   </p:cSld>
@@ -910,7 +910,7 @@
     </p:spTree>
     <p:extLst>
       <p:ext uri="{BB962C8B-B14F-4D97-AF65-F5344CB8AC3E}">
-        <p14:creationId xmlns:p14="http://schemas.microsoft.com/office/powerpoint/2010/main" val="686258541"/>
+        <p14:creationId xmlns:p14="http://schemas.microsoft.com/office/powerpoint/2010/main" val="635642222"/>
       </p:ext>
     </p:extLst>
   </p:cSld>
@@ -994,7 +994,7 @@
     </p:spTree>
     <p:extLst>
       <p:ext uri="{BB962C8B-B14F-4D97-AF65-F5344CB8AC3E}">
-        <p14:creationId xmlns:p14="http://schemas.microsoft.com/office/powerpoint/2010/main" val="494750832"/>
+        <p14:creationId xmlns:p14="http://schemas.microsoft.com/office/powerpoint/2010/main" val="568434310"/>
       </p:ext>
     </p:extLst>
   </p:cSld>
@@ -1078,7 +1078,7 @@
     </p:spTree>
     <p:extLst>
       <p:ext uri="{BB962C8B-B14F-4D97-AF65-F5344CB8AC3E}">
-        <p14:creationId xmlns:p14="http://schemas.microsoft.com/office/powerpoint/2010/main" val="1070690680"/>
+        <p14:creationId xmlns:p14="http://schemas.microsoft.com/office/powerpoint/2010/main" val="59755339"/>
       </p:ext>
     </p:extLst>
   </p:cSld>
@@ -1162,7 +1162,7 @@
     </p:spTree>
     <p:extLst>
       <p:ext uri="{BB962C8B-B14F-4D97-AF65-F5344CB8AC3E}">
-        <p14:creationId xmlns:p14="http://schemas.microsoft.com/office/powerpoint/2010/main" val="635642222"/>
+        <p14:creationId xmlns:p14="http://schemas.microsoft.com/office/powerpoint/2010/main" val="3575415565"/>
       </p:ext>
     </p:extLst>
   </p:cSld>
@@ -1246,7 +1246,7 @@
     </p:spTree>
     <p:extLst>
       <p:ext uri="{BB962C8B-B14F-4D97-AF65-F5344CB8AC3E}">
-        <p14:creationId xmlns:p14="http://schemas.microsoft.com/office/powerpoint/2010/main" val="568434310"/>
+        <p14:creationId xmlns:p14="http://schemas.microsoft.com/office/powerpoint/2010/main" val="1661741600"/>
       </p:ext>
     </p:extLst>
   </p:cSld>
@@ -1330,7 +1330,7 @@
     </p:spTree>
     <p:extLst>
       <p:ext uri="{BB962C8B-B14F-4D97-AF65-F5344CB8AC3E}">
-        <p14:creationId xmlns:p14="http://schemas.microsoft.com/office/powerpoint/2010/main" val="59755339"/>
+        <p14:creationId xmlns:p14="http://schemas.microsoft.com/office/powerpoint/2010/main" val="895484820"/>
       </p:ext>
     </p:extLst>
   </p:cSld>
@@ -1414,7 +1414,7 @@
     </p:spTree>
     <p:extLst>
       <p:ext uri="{BB962C8B-B14F-4D97-AF65-F5344CB8AC3E}">
-        <p14:creationId xmlns:p14="http://schemas.microsoft.com/office/powerpoint/2010/main" val="3575415565"/>
+        <p14:creationId xmlns:p14="http://schemas.microsoft.com/office/powerpoint/2010/main" val="2470176742"/>
       </p:ext>
     </p:extLst>
   </p:cSld>
@@ -1498,7 +1498,7 @@
     </p:spTree>
     <p:extLst>
       <p:ext uri="{BB962C8B-B14F-4D97-AF65-F5344CB8AC3E}">
-        <p14:creationId xmlns:p14="http://schemas.microsoft.com/office/powerpoint/2010/main" val="1661741600"/>
+        <p14:creationId xmlns:p14="http://schemas.microsoft.com/office/powerpoint/2010/main" val="4019231313"/>
       </p:ext>
     </p:extLst>
   </p:cSld>
@@ -1582,7 +1582,7 @@
     </p:spTree>
     <p:extLst>
       <p:ext uri="{BB962C8B-B14F-4D97-AF65-F5344CB8AC3E}">
-        <p14:creationId xmlns:p14="http://schemas.microsoft.com/office/powerpoint/2010/main" val="895484820"/>
+        <p14:creationId xmlns:p14="http://schemas.microsoft.com/office/powerpoint/2010/main" val="1054870150"/>
       </p:ext>
     </p:extLst>
   </p:cSld>
@@ -1750,7 +1750,7 @@
     </p:spTree>
     <p:extLst>
       <p:ext uri="{BB962C8B-B14F-4D97-AF65-F5344CB8AC3E}">
-        <p14:creationId xmlns:p14="http://schemas.microsoft.com/office/powerpoint/2010/main" val="2470176742"/>
+        <p14:creationId xmlns:p14="http://schemas.microsoft.com/office/powerpoint/2010/main" val="4267283911"/>
       </p:ext>
     </p:extLst>
   </p:cSld>
@@ -1834,7 +1834,7 @@
     </p:spTree>
     <p:extLst>
       <p:ext uri="{BB962C8B-B14F-4D97-AF65-F5344CB8AC3E}">
-        <p14:creationId xmlns:p14="http://schemas.microsoft.com/office/powerpoint/2010/main" val="4019231313"/>
+        <p14:creationId xmlns:p14="http://schemas.microsoft.com/office/powerpoint/2010/main" val="4240387639"/>
       </p:ext>
     </p:extLst>
   </p:cSld>
@@ -1918,7 +1918,7 @@
     </p:spTree>
     <p:extLst>
       <p:ext uri="{BB962C8B-B14F-4D97-AF65-F5344CB8AC3E}">
-        <p14:creationId xmlns:p14="http://schemas.microsoft.com/office/powerpoint/2010/main" val="1054870150"/>
+        <p14:creationId xmlns:p14="http://schemas.microsoft.com/office/powerpoint/2010/main" val="2740183298"/>
       </p:ext>
     </p:extLst>
   </p:cSld>
@@ -2170,7 +2170,7 @@
     </p:spTree>
     <p:extLst>
       <p:ext uri="{BB962C8B-B14F-4D97-AF65-F5344CB8AC3E}">
-        <p14:creationId xmlns:p14="http://schemas.microsoft.com/office/powerpoint/2010/main" val="3296404231"/>
+        <p14:creationId xmlns:p14="http://schemas.microsoft.com/office/powerpoint/2010/main" val="1354730230"/>
       </p:ext>
     </p:extLst>
   </p:cSld>
@@ -2254,7 +2254,7 @@
     </p:spTree>
     <p:extLst>
       <p:ext uri="{BB962C8B-B14F-4D97-AF65-F5344CB8AC3E}">
-        <p14:creationId xmlns:p14="http://schemas.microsoft.com/office/powerpoint/2010/main" val="4267283911"/>
+        <p14:creationId xmlns:p14="http://schemas.microsoft.com/office/powerpoint/2010/main" val="2706818877"/>
       </p:ext>
     </p:extLst>
   </p:cSld>
@@ -2338,7 +2338,7 @@
     </p:spTree>
     <p:extLst>
       <p:ext uri="{BB962C8B-B14F-4D97-AF65-F5344CB8AC3E}">
-        <p14:creationId xmlns:p14="http://schemas.microsoft.com/office/powerpoint/2010/main" val="4240387639"/>
+        <p14:creationId xmlns:p14="http://schemas.microsoft.com/office/powerpoint/2010/main" val="2384286842"/>
       </p:ext>
     </p:extLst>
   </p:cSld>
@@ -2422,7 +2422,7 @@
     </p:spTree>
     <p:extLst>
       <p:ext uri="{BB962C8B-B14F-4D97-AF65-F5344CB8AC3E}">
-        <p14:creationId xmlns:p14="http://schemas.microsoft.com/office/powerpoint/2010/main" val="2740183298"/>
+        <p14:creationId xmlns:p14="http://schemas.microsoft.com/office/powerpoint/2010/main" val="686258541"/>
       </p:ext>
     </p:extLst>
   </p:cSld>
@@ -2506,7 +2506,7 @@
     </p:spTree>
     <p:extLst>
       <p:ext uri="{BB962C8B-B14F-4D97-AF65-F5344CB8AC3E}">
-        <p14:creationId xmlns:p14="http://schemas.microsoft.com/office/powerpoint/2010/main" val="2706818877"/>
+        <p14:creationId xmlns:p14="http://schemas.microsoft.com/office/powerpoint/2010/main" val="494750832"/>
       </p:ext>
     </p:extLst>
   </p:cSld>
@@ -17835,39 +17835,6 @@
       </p:grpSpPr>
       <p:sp>
         <p:nvSpPr>
-          <p:cNvPr id="3" name="Content Placeholder 2"/>
-          <p:cNvSpPr>
-            <a:spLocks noGrp="1"/>
-          </p:cNvSpPr>
-          <p:nvPr>
-            <p:ph idx="1"/>
-          </p:nvPr>
-        </p:nvSpPr>
-        <p:spPr/>
-        <p:txBody>
-          <a:bodyPr/>
-          <a:lstStyle/>
-          <a:p>
-            <a:r>
-              <a:rPr lang="en-US" dirty="0"/>
-              <a:t>Box plots – </a:t>
-            </a:r>
-            <a:r>
-              <a:rPr lang="en-US" dirty="0" err="1"/>
-              <a:t>AA_total</a:t>
-            </a:r>
-            <a:r>
-              <a:rPr lang="en-US" dirty="0"/>
-              <a:t> by groups</a:t>
-            </a:r>
-          </a:p>
-          <a:p>
-            <a:endParaRPr lang="en-US" dirty="0"/>
-          </a:p>
-        </p:txBody>
-      </p:sp>
-      <p:sp>
-        <p:nvSpPr>
           <p:cNvPr id="4" name="Footer Placeholder 3">
             <a:extLst>
               <a:ext uri="{FF2B5EF4-FFF2-40B4-BE49-F238E27FC236}">
@@ -17919,1264 +17886,6 @@
             <a:fld id="{E31375A4-56A4-47D6-9801-1991572033F7}" type="slidenum">
               <a:rPr lang="en-US" smtClean="0"/>
               <a:t>10</a:t>
-            </a:fld>
-            <a:endParaRPr lang="en-US"/>
-          </a:p>
-        </p:txBody>
-      </p:sp>
-      <p:graphicFrame>
-        <p:nvGraphicFramePr>
-          <p:cNvPr id="6" name="Table 7">
-            <a:extLst>
-              <a:ext uri="{FF2B5EF4-FFF2-40B4-BE49-F238E27FC236}">
-                <a16:creationId xmlns:a16="http://schemas.microsoft.com/office/drawing/2014/main" id="{DEEC4797-DBEC-062B-927D-F7D1B245D253}"/>
-              </a:ext>
-            </a:extLst>
-          </p:cNvPr>
-          <p:cNvGraphicFramePr>
-            <a:graphicFrameLocks noGrp="1"/>
-          </p:cNvGraphicFramePr>
-          <p:nvPr>
-            <p:extLst>
-              <p:ext uri="{D42A27DB-BD31-4B8C-83A1-F6EECF244321}">
-                <p14:modId xmlns:p14="http://schemas.microsoft.com/office/powerpoint/2010/main" val="3915677729"/>
-              </p:ext>
-            </p:extLst>
-          </p:nvPr>
-        </p:nvGraphicFramePr>
-        <p:xfrm>
-          <a:off x="1295400" y="3014320"/>
-          <a:ext cx="9931842" cy="2885547"/>
-        </p:xfrm>
-        <a:graphic>
-          <a:graphicData uri="http://schemas.openxmlformats.org/drawingml/2006/table">
-            <a:tbl>
-              <a:tblPr firstRow="1" bandRow="1">
-                <a:tableStyleId>{BC89EF96-8CEA-46FF-86C4-4CE0E7609802}</a:tableStyleId>
-              </a:tblPr>
-              <a:tblGrid>
-                <a:gridCol w="4965921">
-                  <a:extLst>
-                    <a:ext uri="{9D8B030D-6E8A-4147-A177-3AD203B41FA5}">
-                      <a16:colId xmlns:a16="http://schemas.microsoft.com/office/drawing/2014/main" val="1207011899"/>
-                    </a:ext>
-                  </a:extLst>
-                </a:gridCol>
-                <a:gridCol w="4965921">
-                  <a:extLst>
-                    <a:ext uri="{9D8B030D-6E8A-4147-A177-3AD203B41FA5}">
-                      <a16:colId xmlns:a16="http://schemas.microsoft.com/office/drawing/2014/main" val="121277048"/>
-                    </a:ext>
-                  </a:extLst>
-                </a:gridCol>
-              </a:tblGrid>
-              <a:tr h="418629">
-                <a:tc>
-                  <a:txBody>
-                    <a:bodyPr/>
-                    <a:lstStyle/>
-                    <a:p>
-                      <a:pPr marL="0" marR="0" lvl="0" indent="0" algn="ctr" defTabSz="914400" rtl="0" eaLnBrk="1" fontAlgn="auto" latinLnBrk="0" hangingPunct="1">
-                        <a:lnSpc>
-                          <a:spcPct val="100000"/>
-                        </a:lnSpc>
-                        <a:spcBef>
-                          <a:spcPts val="0"/>
-                        </a:spcBef>
-                        <a:spcAft>
-                          <a:spcPts val="0"/>
-                        </a:spcAft>
-                        <a:buClrTx/>
-                        <a:buSzTx/>
-                        <a:buFontTx/>
-                        <a:buNone/>
-                        <a:tabLst/>
-                        <a:defRPr/>
-                      </a:pPr>
-                      <a:r>
-                        <a:rPr lang="en-US" sz="1800" dirty="0"/>
-                        <a:t>Coastal proximity</a:t>
-                      </a:r>
-                    </a:p>
-                  </a:txBody>
-                  <a:tcPr/>
-                </a:tc>
-                <a:tc>
-                  <a:txBody>
-                    <a:bodyPr/>
-                    <a:lstStyle/>
-                    <a:p>
-                      <a:pPr algn="ctr"/>
-                      <a:r>
-                        <a:rPr lang="en-US" dirty="0"/>
-                        <a:t>Occurrences number (per district)</a:t>
-                      </a:r>
-                    </a:p>
-                  </a:txBody>
-                  <a:tcPr/>
-                </a:tc>
-                <a:extLst>
-                  <a:ext uri="{0D108BD9-81ED-4DB2-BD59-A6C34878D82A}">
-                    <a16:rowId xmlns:a16="http://schemas.microsoft.com/office/drawing/2014/main" val="55689116"/>
-                  </a:ext>
-                </a:extLst>
-              </a:tr>
-              <a:tr h="2466918">
-                <a:tc>
-                  <a:txBody>
-                    <a:bodyPr/>
-                    <a:lstStyle/>
-                    <a:p>
-                      <a:endParaRPr lang="en-US" dirty="0"/>
-                    </a:p>
-                  </a:txBody>
-                  <a:tcPr>
-                    <a:solidFill>
-                      <a:schemeClr val="bg1">
-                        <a:alpha val="20000"/>
-                      </a:schemeClr>
-                    </a:solidFill>
-                  </a:tcPr>
-                </a:tc>
-                <a:tc>
-                  <a:txBody>
-                    <a:bodyPr/>
-                    <a:lstStyle/>
-                    <a:p>
-                      <a:endParaRPr lang="en-US" dirty="0"/>
-                    </a:p>
-                  </a:txBody>
-                  <a:tcPr>
-                    <a:solidFill>
-                      <a:schemeClr val="bg1">
-                        <a:alpha val="20000"/>
-                      </a:schemeClr>
-                    </a:solidFill>
-                  </a:tcPr>
-                </a:tc>
-                <a:extLst>
-                  <a:ext uri="{0D108BD9-81ED-4DB2-BD59-A6C34878D82A}">
-                    <a16:rowId xmlns:a16="http://schemas.microsoft.com/office/drawing/2014/main" val="1977309317"/>
-                  </a:ext>
-                </a:extLst>
-              </a:tr>
-            </a:tbl>
-          </a:graphicData>
-        </a:graphic>
-      </p:graphicFrame>
-      <p:pic>
-        <p:nvPicPr>
-          <p:cNvPr id="2054" name="Picture 6">
-            <a:extLst>
-              <a:ext uri="{FF2B5EF4-FFF2-40B4-BE49-F238E27FC236}">
-                <a16:creationId xmlns:a16="http://schemas.microsoft.com/office/drawing/2014/main" id="{7D4F3BEC-35AA-1D92-8DD4-168F4969FE51}"/>
-              </a:ext>
-            </a:extLst>
-          </p:cNvPr>
-          <p:cNvPicPr>
-            <a:picLocks noChangeAspect="1" noChangeArrowheads="1"/>
-          </p:cNvPicPr>
-          <p:nvPr/>
-        </p:nvPicPr>
-        <p:blipFill>
-          <a:blip r:embed="rId3">
-            <a:extLst>
-              <a:ext uri="{28A0092B-C50C-407E-A947-70E740481C1C}">
-                <a14:useLocalDpi xmlns:a14="http://schemas.microsoft.com/office/drawing/2010/main" val="0"/>
-              </a:ext>
-            </a:extLst>
-          </a:blip>
-          <a:srcRect/>
-          <a:stretch>
-            <a:fillRect/>
-          </a:stretch>
-        </p:blipFill>
-        <p:spPr bwMode="auto">
-          <a:xfrm>
-            <a:off x="6442514" y="3577612"/>
-            <a:ext cx="4619407" cy="2353745"/>
-          </a:xfrm>
-          <a:prstGeom prst="rect">
-            <a:avLst/>
-          </a:prstGeom>
-          <a:noFill/>
-          <a:extLst>
-            <a:ext uri="{909E8E84-426E-40DD-AFC4-6F175D3DCCD1}">
-              <a14:hiddenFill xmlns:a14="http://schemas.microsoft.com/office/drawing/2010/main">
-                <a:solidFill>
-                  <a:srgbClr val="FFFFFF"/>
-                </a:solidFill>
-              </a14:hiddenFill>
-            </a:ext>
-          </a:extLst>
-        </p:spPr>
-      </p:pic>
-      <p:sp>
-        <p:nvSpPr>
-          <p:cNvPr id="15" name="Title 1">
-            <a:extLst>
-              <a:ext uri="{FF2B5EF4-FFF2-40B4-BE49-F238E27FC236}">
-                <a16:creationId xmlns:a16="http://schemas.microsoft.com/office/drawing/2014/main" id="{9B21CCA9-D6AF-9496-8B40-C59DF4F99807}"/>
-              </a:ext>
-            </a:extLst>
-          </p:cNvPr>
-          <p:cNvSpPr txBox="1">
-            <a:spLocks/>
-          </p:cNvSpPr>
-          <p:nvPr/>
-        </p:nvSpPr>
-        <p:spPr>
-          <a:xfrm>
-            <a:off x="94753" y="-571193"/>
-            <a:ext cx="9601200" cy="1142385"/>
-          </a:xfrm>
-          <a:prstGeom prst="rect">
-            <a:avLst/>
-          </a:prstGeom>
-        </p:spPr>
-        <p:txBody>
-          <a:bodyPr vert="horz" lIns="91440" tIns="45720" rIns="91440" bIns="45720" rtlCol="0" anchor="b">
-            <a:normAutofit/>
-          </a:bodyPr>
-          <a:lstStyle>
-            <a:lvl1pPr algn="l" defTabSz="914400" rtl="0" eaLnBrk="1" latinLnBrk="0" hangingPunct="1">
-              <a:lnSpc>
-                <a:spcPct val="90000"/>
-              </a:lnSpc>
-              <a:spcBef>
-                <a:spcPct val="0"/>
-              </a:spcBef>
-              <a:buNone/>
-              <a:defRPr sz="3200" b="1" kern="1200">
-                <a:solidFill>
-                  <a:schemeClr val="accent1">
-                    <a:lumMod val="75000"/>
-                  </a:schemeClr>
-                </a:solidFill>
-                <a:latin typeface="+mj-lt"/>
-                <a:ea typeface="+mj-ea"/>
-                <a:cs typeface="+mj-cs"/>
-              </a:defRPr>
-            </a:lvl1pPr>
-          </a:lstStyle>
-          <a:p>
-            <a:r>
-              <a:rPr lang="en-US" dirty="0"/>
-              <a:t>3. Data Exploration</a:t>
-            </a:r>
-          </a:p>
-        </p:txBody>
-      </p:sp>
-      <p:pic>
-        <p:nvPicPr>
-          <p:cNvPr id="2056" name="Picture 8">
-            <a:extLst>
-              <a:ext uri="{FF2B5EF4-FFF2-40B4-BE49-F238E27FC236}">
-                <a16:creationId xmlns:a16="http://schemas.microsoft.com/office/drawing/2014/main" id="{700F8A66-321C-8D23-6C72-6C95579EBE9D}"/>
-              </a:ext>
-            </a:extLst>
-          </p:cNvPr>
-          <p:cNvPicPr>
-            <a:picLocks noChangeAspect="1" noChangeArrowheads="1"/>
-          </p:cNvPicPr>
-          <p:nvPr/>
-        </p:nvPicPr>
-        <p:blipFill>
-          <a:blip r:embed="rId4">
-            <a:extLst>
-              <a:ext uri="{28A0092B-C50C-407E-A947-70E740481C1C}">
-                <a14:useLocalDpi xmlns:a14="http://schemas.microsoft.com/office/drawing/2010/main" val="0"/>
-              </a:ext>
-            </a:extLst>
-          </a:blip>
-          <a:srcRect/>
-          <a:stretch>
-            <a:fillRect/>
-          </a:stretch>
-        </p:blipFill>
-        <p:spPr bwMode="auto">
-          <a:xfrm>
-            <a:off x="1425716" y="3561867"/>
-            <a:ext cx="4629032" cy="2353745"/>
-          </a:xfrm>
-          <a:prstGeom prst="rect">
-            <a:avLst/>
-          </a:prstGeom>
-          <a:noFill/>
-          <a:extLst>
-            <a:ext uri="{909E8E84-426E-40DD-AFC4-6F175D3DCCD1}">
-              <a14:hiddenFill xmlns:a14="http://schemas.microsoft.com/office/drawing/2010/main">
-                <a:solidFill>
-                  <a:srgbClr val="FFFFFF"/>
-                </a:solidFill>
-              </a14:hiddenFill>
-            </a:ext>
-          </a:extLst>
-        </p:spPr>
-      </p:pic>
-    </p:spTree>
-    <p:extLst>
-      <p:ext uri="{BB962C8B-B14F-4D97-AF65-F5344CB8AC3E}">
-        <p14:creationId xmlns:p14="http://schemas.microsoft.com/office/powerpoint/2010/main" val="3102960630"/>
-      </p:ext>
-    </p:extLst>
-  </p:cSld>
-  <p:clrMapOvr>
-    <a:masterClrMapping/>
-  </p:clrMapOvr>
-  <mc:AlternateContent xmlns:mc="http://schemas.openxmlformats.org/markup-compatibility/2006">
-    <mc:Choice xmlns:p14="http://schemas.microsoft.com/office/powerpoint/2010/main" Requires="p14">
-      <p:transition spd="med" p14:dur="700">
-        <p:fade/>
-      </p:transition>
-    </mc:Choice>
-    <mc:Fallback>
-      <p:transition spd="med">
-        <p:fade/>
-      </p:transition>
-    </mc:Fallback>
-  </mc:AlternateContent>
-</p:sld>
-</file>
-
-<file path=ppt/slides/slide11.xml><?xml version="1.0" encoding="utf-8"?>
-<p:sld xmlns:a="http://schemas.openxmlformats.org/drawingml/2006/main" xmlns:r="http://schemas.openxmlformats.org/officeDocument/2006/relationships" xmlns:p="http://schemas.openxmlformats.org/presentationml/2006/main">
-  <p:cSld>
-    <p:spTree>
-      <p:nvGrpSpPr>
-        <p:cNvPr id="1" name=""/>
-        <p:cNvGrpSpPr/>
-        <p:nvPr/>
-      </p:nvGrpSpPr>
-      <p:grpSpPr>
-        <a:xfrm>
-          <a:off x="0" y="0"/>
-          <a:ext cx="0" cy="0"/>
-          <a:chOff x="0" y="0"/>
-          <a:chExt cx="0" cy="0"/>
-        </a:xfrm>
-      </p:grpSpPr>
-      <p:sp>
-        <p:nvSpPr>
-          <p:cNvPr id="3" name="Content Placeholder 2"/>
-          <p:cNvSpPr>
-            <a:spLocks noGrp="1"/>
-          </p:cNvSpPr>
-          <p:nvPr>
-            <p:ph idx="1"/>
-          </p:nvPr>
-        </p:nvSpPr>
-        <p:spPr/>
-        <p:txBody>
-          <a:bodyPr/>
-          <a:lstStyle/>
-          <a:p>
-            <a:r>
-              <a:rPr lang="en-US" dirty="0"/>
-              <a:t>Box plots – Tempo de </a:t>
-            </a:r>
-            <a:r>
-              <a:rPr lang="en-US" dirty="0" err="1"/>
-              <a:t>Extinção</a:t>
-            </a:r>
-            <a:r>
-              <a:rPr lang="en-US" dirty="0"/>
-              <a:t> by group</a:t>
-            </a:r>
-          </a:p>
-          <a:p>
-            <a:pPr lvl="1"/>
-            <a:endParaRPr lang="en-US" dirty="0"/>
-          </a:p>
-          <a:p>
-            <a:endParaRPr lang="en-US" dirty="0"/>
-          </a:p>
-        </p:txBody>
-      </p:sp>
-      <p:sp>
-        <p:nvSpPr>
-          <p:cNvPr id="4" name="Footer Placeholder 3">
-            <a:extLst>
-              <a:ext uri="{FF2B5EF4-FFF2-40B4-BE49-F238E27FC236}">
-                <a16:creationId xmlns:a16="http://schemas.microsoft.com/office/drawing/2014/main" id="{B30FF8F9-83BA-C8AB-FE8E-45B0E7F1C8AE}"/>
-              </a:ext>
-            </a:extLst>
-          </p:cNvPr>
-          <p:cNvSpPr>
-            <a:spLocks noGrp="1"/>
-          </p:cNvSpPr>
-          <p:nvPr>
-            <p:ph type="ftr" sz="quarter" idx="11"/>
-          </p:nvPr>
-        </p:nvSpPr>
-        <p:spPr/>
-        <p:txBody>
-          <a:bodyPr/>
-          <a:lstStyle/>
-          <a:p>
-            <a:r>
-              <a:rPr lang="en-US"/>
-              <a:t>FEUP</a:t>
-            </a:r>
-            <a:endParaRPr lang="en-US" dirty="0"/>
-          </a:p>
-        </p:txBody>
-      </p:sp>
-      <p:sp>
-        <p:nvSpPr>
-          <p:cNvPr id="5" name="Slide Number Placeholder 4">
-            <a:extLst>
-              <a:ext uri="{FF2B5EF4-FFF2-40B4-BE49-F238E27FC236}">
-                <a16:creationId xmlns:a16="http://schemas.microsoft.com/office/drawing/2014/main" id="{888A9355-2654-63AD-176A-C9347C7BAE55}"/>
-              </a:ext>
-            </a:extLst>
-          </p:cNvPr>
-          <p:cNvSpPr>
-            <a:spLocks noGrp="1"/>
-          </p:cNvSpPr>
-          <p:nvPr>
-            <p:ph type="sldNum" sz="quarter" idx="12"/>
-          </p:nvPr>
-        </p:nvSpPr>
-        <p:spPr/>
-        <p:txBody>
-          <a:bodyPr/>
-          <a:lstStyle/>
-          <a:p>
-            <a:fld id="{E31375A4-56A4-47D6-9801-1991572033F7}" type="slidenum">
-              <a:rPr lang="en-US" smtClean="0"/>
-              <a:t>11</a:t>
-            </a:fld>
-            <a:endParaRPr lang="en-US"/>
-          </a:p>
-        </p:txBody>
-      </p:sp>
-      <p:graphicFrame>
-        <p:nvGraphicFramePr>
-          <p:cNvPr id="6" name="Table 7">
-            <a:extLst>
-              <a:ext uri="{FF2B5EF4-FFF2-40B4-BE49-F238E27FC236}">
-                <a16:creationId xmlns:a16="http://schemas.microsoft.com/office/drawing/2014/main" id="{DEEC4797-DBEC-062B-927D-F7D1B245D253}"/>
-              </a:ext>
-            </a:extLst>
-          </p:cNvPr>
-          <p:cNvGraphicFramePr>
-            <a:graphicFrameLocks noGrp="1"/>
-          </p:cNvGraphicFramePr>
-          <p:nvPr>
-            <p:extLst>
-              <p:ext uri="{D42A27DB-BD31-4B8C-83A1-F6EECF244321}">
-                <p14:modId xmlns:p14="http://schemas.microsoft.com/office/powerpoint/2010/main" val="3377276418"/>
-              </p:ext>
-            </p:extLst>
-          </p:nvPr>
-        </p:nvGraphicFramePr>
-        <p:xfrm>
-          <a:off x="1295400" y="3014320"/>
-          <a:ext cx="9931842" cy="2885547"/>
-        </p:xfrm>
-        <a:graphic>
-          <a:graphicData uri="http://schemas.openxmlformats.org/drawingml/2006/table">
-            <a:tbl>
-              <a:tblPr firstRow="1" bandRow="1">
-                <a:tableStyleId>{BC89EF96-8CEA-46FF-86C4-4CE0E7609802}</a:tableStyleId>
-              </a:tblPr>
-              <a:tblGrid>
-                <a:gridCol w="4965921">
-                  <a:extLst>
-                    <a:ext uri="{9D8B030D-6E8A-4147-A177-3AD203B41FA5}">
-                      <a16:colId xmlns:a16="http://schemas.microsoft.com/office/drawing/2014/main" val="1207011899"/>
-                    </a:ext>
-                  </a:extLst>
-                </a:gridCol>
-                <a:gridCol w="4965921">
-                  <a:extLst>
-                    <a:ext uri="{9D8B030D-6E8A-4147-A177-3AD203B41FA5}">
-                      <a16:colId xmlns:a16="http://schemas.microsoft.com/office/drawing/2014/main" val="121277048"/>
-                    </a:ext>
-                  </a:extLst>
-                </a:gridCol>
-              </a:tblGrid>
-              <a:tr h="418629">
-                <a:tc>
-                  <a:txBody>
-                    <a:bodyPr/>
-                    <a:lstStyle/>
-                    <a:p>
-                      <a:pPr marL="0" marR="0" lvl="0" indent="0" algn="ctr" defTabSz="914400" rtl="0" eaLnBrk="1" fontAlgn="auto" latinLnBrk="0" hangingPunct="1">
-                        <a:lnSpc>
-                          <a:spcPct val="100000"/>
-                        </a:lnSpc>
-                        <a:spcBef>
-                          <a:spcPts val="0"/>
-                        </a:spcBef>
-                        <a:spcAft>
-                          <a:spcPts val="0"/>
-                        </a:spcAft>
-                        <a:buClrTx/>
-                        <a:buSzTx/>
-                        <a:buFontTx/>
-                        <a:buNone/>
-                        <a:tabLst/>
-                        <a:defRPr/>
-                      </a:pPr>
-                      <a:r>
-                        <a:rPr lang="en-US" sz="1800" dirty="0"/>
-                        <a:t>Coastal proximity</a:t>
-                      </a:r>
-                    </a:p>
-                  </a:txBody>
-                  <a:tcPr/>
-                </a:tc>
-                <a:tc>
-                  <a:txBody>
-                    <a:bodyPr/>
-                    <a:lstStyle/>
-                    <a:p>
-                      <a:pPr marL="0" marR="0" lvl="0" indent="0" algn="ctr" defTabSz="914400" rtl="0" eaLnBrk="1" fontAlgn="auto" latinLnBrk="0" hangingPunct="1">
-                        <a:lnSpc>
-                          <a:spcPct val="100000"/>
-                        </a:lnSpc>
-                        <a:spcBef>
-                          <a:spcPts val="0"/>
-                        </a:spcBef>
-                        <a:spcAft>
-                          <a:spcPts val="0"/>
-                        </a:spcAft>
-                        <a:buClrTx/>
-                        <a:buSzTx/>
-                        <a:buFontTx/>
-                        <a:buNone/>
-                        <a:tabLst/>
-                        <a:defRPr/>
-                      </a:pPr>
-                      <a:r>
-                        <a:rPr lang="en-US" dirty="0"/>
-                        <a:t>Occurrences number (per district)</a:t>
-                      </a:r>
-                    </a:p>
-                  </a:txBody>
-                  <a:tcPr/>
-                </a:tc>
-                <a:extLst>
-                  <a:ext uri="{0D108BD9-81ED-4DB2-BD59-A6C34878D82A}">
-                    <a16:rowId xmlns:a16="http://schemas.microsoft.com/office/drawing/2014/main" val="55689116"/>
-                  </a:ext>
-                </a:extLst>
-              </a:tr>
-              <a:tr h="2466918">
-                <a:tc>
-                  <a:txBody>
-                    <a:bodyPr/>
-                    <a:lstStyle/>
-                    <a:p>
-                      <a:endParaRPr lang="en-US" dirty="0"/>
-                    </a:p>
-                  </a:txBody>
-                  <a:tcPr>
-                    <a:solidFill>
-                      <a:schemeClr val="bg1">
-                        <a:alpha val="20000"/>
-                      </a:schemeClr>
-                    </a:solidFill>
-                  </a:tcPr>
-                </a:tc>
-                <a:tc>
-                  <a:txBody>
-                    <a:bodyPr/>
-                    <a:lstStyle/>
-                    <a:p>
-                      <a:endParaRPr lang="en-US" dirty="0"/>
-                    </a:p>
-                  </a:txBody>
-                  <a:tcPr>
-                    <a:solidFill>
-                      <a:schemeClr val="bg1">
-                        <a:alpha val="20000"/>
-                      </a:schemeClr>
-                    </a:solidFill>
-                  </a:tcPr>
-                </a:tc>
-                <a:extLst>
-                  <a:ext uri="{0D108BD9-81ED-4DB2-BD59-A6C34878D82A}">
-                    <a16:rowId xmlns:a16="http://schemas.microsoft.com/office/drawing/2014/main" val="1977309317"/>
-                  </a:ext>
-                </a:extLst>
-              </a:tr>
-            </a:tbl>
-          </a:graphicData>
-        </a:graphic>
-      </p:graphicFrame>
-      <p:pic>
-        <p:nvPicPr>
-          <p:cNvPr id="9" name="Picture 8">
-            <a:extLst>
-              <a:ext uri="{FF2B5EF4-FFF2-40B4-BE49-F238E27FC236}">
-                <a16:creationId xmlns:a16="http://schemas.microsoft.com/office/drawing/2014/main" id="{300FF118-6914-11B6-D95F-C02AE21A3D67}"/>
-              </a:ext>
-            </a:extLst>
-          </p:cNvPr>
-          <p:cNvPicPr>
-            <a:picLocks noChangeAspect="1"/>
-          </p:cNvPicPr>
-          <p:nvPr/>
-        </p:nvPicPr>
-        <p:blipFill>
-          <a:blip r:embed="rId3"/>
-          <a:stretch>
-            <a:fillRect/>
-          </a:stretch>
-        </p:blipFill>
-        <p:spPr>
-          <a:xfrm>
-            <a:off x="1443924" y="3573829"/>
-            <a:ext cx="4652076" cy="2326038"/>
-          </a:xfrm>
-          <a:prstGeom prst="rect">
-            <a:avLst/>
-          </a:prstGeom>
-        </p:spPr>
-      </p:pic>
-      <p:pic>
-        <p:nvPicPr>
-          <p:cNvPr id="3078" name="Picture 6">
-            <a:extLst>
-              <a:ext uri="{FF2B5EF4-FFF2-40B4-BE49-F238E27FC236}">
-                <a16:creationId xmlns:a16="http://schemas.microsoft.com/office/drawing/2014/main" id="{222FBBE0-6EAE-F38A-092B-A58452236373}"/>
-              </a:ext>
-            </a:extLst>
-          </p:cNvPr>
-          <p:cNvPicPr>
-            <a:picLocks noChangeAspect="1" noChangeArrowheads="1"/>
-          </p:cNvPicPr>
-          <p:nvPr/>
-        </p:nvPicPr>
-        <p:blipFill>
-          <a:blip r:embed="rId4">
-            <a:extLst>
-              <a:ext uri="{28A0092B-C50C-407E-A947-70E740481C1C}">
-                <a14:useLocalDpi xmlns:a14="http://schemas.microsoft.com/office/drawing/2010/main" val="0"/>
-              </a:ext>
-            </a:extLst>
-          </a:blip>
-          <a:srcRect/>
-          <a:stretch>
-            <a:fillRect/>
-          </a:stretch>
-        </p:blipFill>
-        <p:spPr bwMode="auto">
-          <a:xfrm>
-            <a:off x="6261321" y="3577399"/>
-            <a:ext cx="4635279" cy="2322468"/>
-          </a:xfrm>
-          <a:prstGeom prst="rect">
-            <a:avLst/>
-          </a:prstGeom>
-          <a:noFill/>
-          <a:extLst>
-            <a:ext uri="{909E8E84-426E-40DD-AFC4-6F175D3DCCD1}">
-              <a14:hiddenFill xmlns:a14="http://schemas.microsoft.com/office/drawing/2010/main">
-                <a:solidFill>
-                  <a:srgbClr val="FFFFFF"/>
-                </a:solidFill>
-              </a14:hiddenFill>
-            </a:ext>
-          </a:extLst>
-        </p:spPr>
-      </p:pic>
-      <p:sp>
-        <p:nvSpPr>
-          <p:cNvPr id="13" name="Title 1">
-            <a:extLst>
-              <a:ext uri="{FF2B5EF4-FFF2-40B4-BE49-F238E27FC236}">
-                <a16:creationId xmlns:a16="http://schemas.microsoft.com/office/drawing/2014/main" id="{775F486D-9BDE-F0B1-5E1B-278841326D87}"/>
-              </a:ext>
-            </a:extLst>
-          </p:cNvPr>
-          <p:cNvSpPr txBox="1">
-            <a:spLocks/>
-          </p:cNvSpPr>
-          <p:nvPr/>
-        </p:nvSpPr>
-        <p:spPr>
-          <a:xfrm>
-            <a:off x="94753" y="-571193"/>
-            <a:ext cx="9601200" cy="1142385"/>
-          </a:xfrm>
-          <a:prstGeom prst="rect">
-            <a:avLst/>
-          </a:prstGeom>
-        </p:spPr>
-        <p:txBody>
-          <a:bodyPr vert="horz" lIns="91440" tIns="45720" rIns="91440" bIns="45720" rtlCol="0" anchor="b">
-            <a:normAutofit/>
-          </a:bodyPr>
-          <a:lstStyle>
-            <a:lvl1pPr algn="l" defTabSz="914400" rtl="0" eaLnBrk="1" latinLnBrk="0" hangingPunct="1">
-              <a:lnSpc>
-                <a:spcPct val="90000"/>
-              </a:lnSpc>
-              <a:spcBef>
-                <a:spcPct val="0"/>
-              </a:spcBef>
-              <a:buNone/>
-              <a:defRPr sz="3200" b="1" kern="1200">
-                <a:solidFill>
-                  <a:schemeClr val="accent1">
-                    <a:lumMod val="75000"/>
-                  </a:schemeClr>
-                </a:solidFill>
-                <a:latin typeface="+mj-lt"/>
-                <a:ea typeface="+mj-ea"/>
-                <a:cs typeface="+mj-cs"/>
-              </a:defRPr>
-            </a:lvl1pPr>
-          </a:lstStyle>
-          <a:p>
-            <a:r>
-              <a:rPr lang="en-US" dirty="0"/>
-              <a:t>3. Data Exploration</a:t>
-            </a:r>
-          </a:p>
-        </p:txBody>
-      </p:sp>
-    </p:spTree>
-    <p:extLst>
-      <p:ext uri="{BB962C8B-B14F-4D97-AF65-F5344CB8AC3E}">
-        <p14:creationId xmlns:p14="http://schemas.microsoft.com/office/powerpoint/2010/main" val="3676722564"/>
-      </p:ext>
-    </p:extLst>
-  </p:cSld>
-  <p:clrMapOvr>
-    <a:masterClrMapping/>
-  </p:clrMapOvr>
-  <mc:AlternateContent xmlns:mc="http://schemas.openxmlformats.org/markup-compatibility/2006">
-    <mc:Choice xmlns:p14="http://schemas.microsoft.com/office/powerpoint/2010/main" Requires="p14">
-      <p:transition spd="med" p14:dur="700">
-        <p:fade/>
-      </p:transition>
-    </mc:Choice>
-    <mc:Fallback>
-      <p:transition spd="med">
-        <p:fade/>
-      </p:transition>
-    </mc:Fallback>
-  </mc:AlternateContent>
-</p:sld>
-</file>
-
-<file path=ppt/slides/slide12.xml><?xml version="1.0" encoding="utf-8"?>
-<p:sld xmlns:a="http://schemas.openxmlformats.org/drawingml/2006/main" xmlns:r="http://schemas.openxmlformats.org/officeDocument/2006/relationships" xmlns:p="http://schemas.openxmlformats.org/presentationml/2006/main">
-  <p:cSld>
-    <p:spTree>
-      <p:nvGrpSpPr>
-        <p:cNvPr id="1" name=""/>
-        <p:cNvGrpSpPr/>
-        <p:nvPr/>
-      </p:nvGrpSpPr>
-      <p:grpSpPr>
-        <a:xfrm>
-          <a:off x="0" y="0"/>
-          <a:ext cx="0" cy="0"/>
-          <a:chOff x="0" y="0"/>
-          <a:chExt cx="0" cy="0"/>
-        </a:xfrm>
-      </p:grpSpPr>
-      <p:sp>
-        <p:nvSpPr>
-          <p:cNvPr id="3" name="Content Placeholder 2"/>
-          <p:cNvSpPr>
-            <a:spLocks noGrp="1"/>
-          </p:cNvSpPr>
-          <p:nvPr>
-            <p:ph idx="1"/>
-          </p:nvPr>
-        </p:nvSpPr>
-        <p:spPr/>
-        <p:txBody>
-          <a:bodyPr/>
-          <a:lstStyle/>
-          <a:p>
-            <a:r>
-              <a:rPr lang="en-US" dirty="0"/>
-              <a:t>Box plots – Tempo de </a:t>
-            </a:r>
-            <a:r>
-              <a:rPr lang="en-US" dirty="0" err="1"/>
-              <a:t>intervenção</a:t>
-            </a:r>
-            <a:r>
-              <a:rPr lang="en-US" dirty="0"/>
-              <a:t> by group</a:t>
-            </a:r>
-          </a:p>
-          <a:p>
-            <a:endParaRPr lang="en-US" dirty="0"/>
-          </a:p>
-        </p:txBody>
-      </p:sp>
-      <p:sp>
-        <p:nvSpPr>
-          <p:cNvPr id="4" name="Footer Placeholder 3">
-            <a:extLst>
-              <a:ext uri="{FF2B5EF4-FFF2-40B4-BE49-F238E27FC236}">
-                <a16:creationId xmlns:a16="http://schemas.microsoft.com/office/drawing/2014/main" id="{B30FF8F9-83BA-C8AB-FE8E-45B0E7F1C8AE}"/>
-              </a:ext>
-            </a:extLst>
-          </p:cNvPr>
-          <p:cNvSpPr>
-            <a:spLocks noGrp="1"/>
-          </p:cNvSpPr>
-          <p:nvPr>
-            <p:ph type="ftr" sz="quarter" idx="11"/>
-          </p:nvPr>
-        </p:nvSpPr>
-        <p:spPr/>
-        <p:txBody>
-          <a:bodyPr/>
-          <a:lstStyle/>
-          <a:p>
-            <a:r>
-              <a:rPr lang="en-US"/>
-              <a:t>FEUP</a:t>
-            </a:r>
-            <a:endParaRPr lang="en-US" dirty="0"/>
-          </a:p>
-        </p:txBody>
-      </p:sp>
-      <p:sp>
-        <p:nvSpPr>
-          <p:cNvPr id="5" name="Slide Number Placeholder 4">
-            <a:extLst>
-              <a:ext uri="{FF2B5EF4-FFF2-40B4-BE49-F238E27FC236}">
-                <a16:creationId xmlns:a16="http://schemas.microsoft.com/office/drawing/2014/main" id="{888A9355-2654-63AD-176A-C9347C7BAE55}"/>
-              </a:ext>
-            </a:extLst>
-          </p:cNvPr>
-          <p:cNvSpPr>
-            <a:spLocks noGrp="1"/>
-          </p:cNvSpPr>
-          <p:nvPr>
-            <p:ph type="sldNum" sz="quarter" idx="12"/>
-          </p:nvPr>
-        </p:nvSpPr>
-        <p:spPr/>
-        <p:txBody>
-          <a:bodyPr/>
-          <a:lstStyle/>
-          <a:p>
-            <a:fld id="{E31375A4-56A4-47D6-9801-1991572033F7}" type="slidenum">
-              <a:rPr lang="en-US" smtClean="0"/>
-              <a:t>12</a:t>
-            </a:fld>
-            <a:endParaRPr lang="en-US"/>
-          </a:p>
-        </p:txBody>
-      </p:sp>
-      <p:graphicFrame>
-        <p:nvGraphicFramePr>
-          <p:cNvPr id="6" name="Table 7">
-            <a:extLst>
-              <a:ext uri="{FF2B5EF4-FFF2-40B4-BE49-F238E27FC236}">
-                <a16:creationId xmlns:a16="http://schemas.microsoft.com/office/drawing/2014/main" id="{DEEC4797-DBEC-062B-927D-F7D1B245D253}"/>
-              </a:ext>
-            </a:extLst>
-          </p:cNvPr>
-          <p:cNvGraphicFramePr>
-            <a:graphicFrameLocks noGrp="1"/>
-          </p:cNvGraphicFramePr>
-          <p:nvPr>
-            <p:extLst>
-              <p:ext uri="{D42A27DB-BD31-4B8C-83A1-F6EECF244321}">
-                <p14:modId xmlns:p14="http://schemas.microsoft.com/office/powerpoint/2010/main" val="1737559408"/>
-              </p:ext>
-            </p:extLst>
-          </p:nvPr>
-        </p:nvGraphicFramePr>
-        <p:xfrm>
-          <a:off x="1295400" y="3014320"/>
-          <a:ext cx="9931842" cy="2901450"/>
-        </p:xfrm>
-        <a:graphic>
-          <a:graphicData uri="http://schemas.openxmlformats.org/drawingml/2006/table">
-            <a:tbl>
-              <a:tblPr firstRow="1" bandRow="1">
-                <a:tableStyleId>{BC89EF96-8CEA-46FF-86C4-4CE0E7609802}</a:tableStyleId>
-              </a:tblPr>
-              <a:tblGrid>
-                <a:gridCol w="4965921">
-                  <a:extLst>
-                    <a:ext uri="{9D8B030D-6E8A-4147-A177-3AD203B41FA5}">
-                      <a16:colId xmlns:a16="http://schemas.microsoft.com/office/drawing/2014/main" val="1207011899"/>
-                    </a:ext>
-                  </a:extLst>
-                </a:gridCol>
-                <a:gridCol w="4965921">
-                  <a:extLst>
-                    <a:ext uri="{9D8B030D-6E8A-4147-A177-3AD203B41FA5}">
-                      <a16:colId xmlns:a16="http://schemas.microsoft.com/office/drawing/2014/main" val="121277048"/>
-                    </a:ext>
-                  </a:extLst>
-                </a:gridCol>
-              </a:tblGrid>
-              <a:tr h="374640">
-                <a:tc>
-                  <a:txBody>
-                    <a:bodyPr/>
-                    <a:lstStyle/>
-                    <a:p>
-                      <a:pPr algn="ctr"/>
-                      <a:r>
-                        <a:rPr lang="en-US" sz="1800" b="1" kern="1200" dirty="0">
-                          <a:solidFill>
-                            <a:schemeClr val="tx1"/>
-                          </a:solidFill>
-                          <a:latin typeface="+mn-lt"/>
-                          <a:ea typeface="+mn-ea"/>
-                          <a:cs typeface="+mn-cs"/>
-                        </a:rPr>
-                        <a:t>Coastal proximity</a:t>
-                      </a:r>
-                    </a:p>
-                  </a:txBody>
-                  <a:tcPr/>
-                </a:tc>
-                <a:tc>
-                  <a:txBody>
-                    <a:bodyPr/>
-                    <a:lstStyle/>
-                    <a:p>
-                      <a:pPr marL="0" marR="0" lvl="0" indent="0" algn="ctr" defTabSz="914400" rtl="0" eaLnBrk="1" fontAlgn="auto" latinLnBrk="0" hangingPunct="1">
-                        <a:lnSpc>
-                          <a:spcPct val="100000"/>
-                        </a:lnSpc>
-                        <a:spcBef>
-                          <a:spcPts val="0"/>
-                        </a:spcBef>
-                        <a:spcAft>
-                          <a:spcPts val="0"/>
-                        </a:spcAft>
-                        <a:buClrTx/>
-                        <a:buSzTx/>
-                        <a:buFontTx/>
-                        <a:buNone/>
-                        <a:tabLst/>
-                        <a:defRPr/>
-                      </a:pPr>
-                      <a:r>
-                        <a:rPr lang="en-US" dirty="0"/>
-                        <a:t>Occurrences number (per district)</a:t>
-                      </a:r>
-                    </a:p>
-                  </a:txBody>
-                  <a:tcPr/>
-                </a:tc>
-                <a:extLst>
-                  <a:ext uri="{0D108BD9-81ED-4DB2-BD59-A6C34878D82A}">
-                    <a16:rowId xmlns:a16="http://schemas.microsoft.com/office/drawing/2014/main" val="55689116"/>
-                  </a:ext>
-                </a:extLst>
-              </a:tr>
-              <a:tr h="2526810">
-                <a:tc>
-                  <a:txBody>
-                    <a:bodyPr/>
-                    <a:lstStyle/>
-                    <a:p>
-                      <a:endParaRPr lang="en-US" dirty="0"/>
-                    </a:p>
-                  </a:txBody>
-                  <a:tcPr>
-                    <a:solidFill>
-                      <a:schemeClr val="bg1">
-                        <a:alpha val="20000"/>
-                      </a:schemeClr>
-                    </a:solidFill>
-                  </a:tcPr>
-                </a:tc>
-                <a:tc>
-                  <a:txBody>
-                    <a:bodyPr/>
-                    <a:lstStyle/>
-                    <a:p>
-                      <a:endParaRPr lang="en-US" b="1" dirty="0"/>
-                    </a:p>
-                  </a:txBody>
-                  <a:tcPr>
-                    <a:solidFill>
-                      <a:schemeClr val="bg1">
-                        <a:alpha val="20000"/>
-                      </a:schemeClr>
-                    </a:solidFill>
-                  </a:tcPr>
-                </a:tc>
-                <a:extLst>
-                  <a:ext uri="{0D108BD9-81ED-4DB2-BD59-A6C34878D82A}">
-                    <a16:rowId xmlns:a16="http://schemas.microsoft.com/office/drawing/2014/main" val="1977309317"/>
-                  </a:ext>
-                </a:extLst>
-              </a:tr>
-            </a:tbl>
-          </a:graphicData>
-        </a:graphic>
-      </p:graphicFrame>
-      <p:pic>
-        <p:nvPicPr>
-          <p:cNvPr id="9" name="Picture 8">
-            <a:extLst>
-              <a:ext uri="{FF2B5EF4-FFF2-40B4-BE49-F238E27FC236}">
-                <a16:creationId xmlns:a16="http://schemas.microsoft.com/office/drawing/2014/main" id="{E9FE78CF-16FE-3259-00E9-9D366C407983}"/>
-              </a:ext>
-            </a:extLst>
-          </p:cNvPr>
-          <p:cNvPicPr>
-            <a:picLocks noChangeAspect="1"/>
-          </p:cNvPicPr>
-          <p:nvPr/>
-        </p:nvPicPr>
-        <p:blipFill>
-          <a:blip r:embed="rId3"/>
-          <a:stretch>
-            <a:fillRect/>
-          </a:stretch>
-        </p:blipFill>
-        <p:spPr>
-          <a:xfrm>
-            <a:off x="1415077" y="3570406"/>
-            <a:ext cx="4656526" cy="2345364"/>
-          </a:xfrm>
-          <a:prstGeom prst="rect">
-            <a:avLst/>
-          </a:prstGeom>
-        </p:spPr>
-      </p:pic>
-      <p:pic>
-        <p:nvPicPr>
-          <p:cNvPr id="4098" name="Picture 2">
-            <a:extLst>
-              <a:ext uri="{FF2B5EF4-FFF2-40B4-BE49-F238E27FC236}">
-                <a16:creationId xmlns:a16="http://schemas.microsoft.com/office/drawing/2014/main" id="{6344B241-71B6-722C-B1F7-EA3EA7472506}"/>
-              </a:ext>
-            </a:extLst>
-          </p:cNvPr>
-          <p:cNvPicPr>
-            <a:picLocks noChangeAspect="1" noChangeArrowheads="1"/>
-          </p:cNvPicPr>
-          <p:nvPr/>
-        </p:nvPicPr>
-        <p:blipFill>
-          <a:blip r:embed="rId4">
-            <a:extLst>
-              <a:ext uri="{28A0092B-C50C-407E-A947-70E740481C1C}">
-                <a14:useLocalDpi xmlns:a14="http://schemas.microsoft.com/office/drawing/2010/main" val="0"/>
-              </a:ext>
-            </a:extLst>
-          </a:blip>
-          <a:srcRect/>
-          <a:stretch>
-            <a:fillRect/>
-          </a:stretch>
-        </p:blipFill>
-        <p:spPr bwMode="auto">
-          <a:xfrm>
-            <a:off x="6359751" y="3570406"/>
-            <a:ext cx="4656526" cy="2350251"/>
-          </a:xfrm>
-          <a:prstGeom prst="rect">
-            <a:avLst/>
-          </a:prstGeom>
-          <a:noFill/>
-          <a:extLst>
-            <a:ext uri="{909E8E84-426E-40DD-AFC4-6F175D3DCCD1}">
-              <a14:hiddenFill xmlns:a14="http://schemas.microsoft.com/office/drawing/2010/main">
-                <a:solidFill>
-                  <a:srgbClr val="FFFFFF"/>
-                </a:solidFill>
-              </a14:hiddenFill>
-            </a:ext>
-          </a:extLst>
-        </p:spPr>
-      </p:pic>
-      <p:sp>
-        <p:nvSpPr>
-          <p:cNvPr id="10" name="Title 1">
-            <a:extLst>
-              <a:ext uri="{FF2B5EF4-FFF2-40B4-BE49-F238E27FC236}">
-                <a16:creationId xmlns:a16="http://schemas.microsoft.com/office/drawing/2014/main" id="{29F3B28F-6F4A-5549-B5A2-C70B31EBD405}"/>
-              </a:ext>
-            </a:extLst>
-          </p:cNvPr>
-          <p:cNvSpPr txBox="1">
-            <a:spLocks/>
-          </p:cNvSpPr>
-          <p:nvPr/>
-        </p:nvSpPr>
-        <p:spPr>
-          <a:xfrm>
-            <a:off x="94753" y="-571193"/>
-            <a:ext cx="9601200" cy="1142385"/>
-          </a:xfrm>
-          <a:prstGeom prst="rect">
-            <a:avLst/>
-          </a:prstGeom>
-        </p:spPr>
-        <p:txBody>
-          <a:bodyPr vert="horz" lIns="91440" tIns="45720" rIns="91440" bIns="45720" rtlCol="0" anchor="b">
-            <a:normAutofit/>
-          </a:bodyPr>
-          <a:lstStyle>
-            <a:lvl1pPr algn="l" defTabSz="914400" rtl="0" eaLnBrk="1" latinLnBrk="0" hangingPunct="1">
-              <a:lnSpc>
-                <a:spcPct val="90000"/>
-              </a:lnSpc>
-              <a:spcBef>
-                <a:spcPct val="0"/>
-              </a:spcBef>
-              <a:buNone/>
-              <a:defRPr sz="3200" b="1" kern="1200">
-                <a:solidFill>
-                  <a:schemeClr val="accent1">
-                    <a:lumMod val="75000"/>
-                  </a:schemeClr>
-                </a:solidFill>
-                <a:latin typeface="+mj-lt"/>
-                <a:ea typeface="+mj-ea"/>
-                <a:cs typeface="+mj-cs"/>
-              </a:defRPr>
-            </a:lvl1pPr>
-          </a:lstStyle>
-          <a:p>
-            <a:r>
-              <a:rPr lang="en-US" dirty="0"/>
-              <a:t>3. Data Exploration</a:t>
-            </a:r>
-          </a:p>
-        </p:txBody>
-      </p:sp>
-    </p:spTree>
-    <p:extLst>
-      <p:ext uri="{BB962C8B-B14F-4D97-AF65-F5344CB8AC3E}">
-        <p14:creationId xmlns:p14="http://schemas.microsoft.com/office/powerpoint/2010/main" val="1023574434"/>
-      </p:ext>
-    </p:extLst>
-  </p:cSld>
-  <p:clrMapOvr>
-    <a:masterClrMapping/>
-  </p:clrMapOvr>
-  <mc:AlternateContent xmlns:mc="http://schemas.openxmlformats.org/markup-compatibility/2006">
-    <mc:Choice xmlns:p14="http://schemas.microsoft.com/office/powerpoint/2010/main" Requires="p14">
-      <p:transition spd="med" p14:dur="700">
-        <p:fade/>
-      </p:transition>
-    </mc:Choice>
-    <mc:Fallback>
-      <p:transition spd="med">
-        <p:fade/>
-      </p:transition>
-    </mc:Fallback>
-  </mc:AlternateContent>
-</p:sld>
-</file>
-
-<file path=ppt/slides/slide13.xml><?xml version="1.0" encoding="utf-8"?>
-<p:sld xmlns:a="http://schemas.openxmlformats.org/drawingml/2006/main" xmlns:r="http://schemas.openxmlformats.org/officeDocument/2006/relationships" xmlns:p="http://schemas.openxmlformats.org/presentationml/2006/main">
-  <p:cSld>
-    <p:spTree>
-      <p:nvGrpSpPr>
-        <p:cNvPr id="1" name=""/>
-        <p:cNvGrpSpPr/>
-        <p:nvPr/>
-      </p:nvGrpSpPr>
-      <p:grpSpPr>
-        <a:xfrm>
-          <a:off x="0" y="0"/>
-          <a:ext cx="0" cy="0"/>
-          <a:chOff x="0" y="0"/>
-          <a:chExt cx="0" cy="0"/>
-        </a:xfrm>
-      </p:grpSpPr>
-      <p:sp>
-        <p:nvSpPr>
-          <p:cNvPr id="3" name="Content Placeholder 2"/>
-          <p:cNvSpPr>
-            <a:spLocks noGrp="1"/>
-          </p:cNvSpPr>
-          <p:nvPr>
-            <p:ph idx="1"/>
-          </p:nvPr>
-        </p:nvSpPr>
-        <p:spPr/>
-        <p:txBody>
-          <a:bodyPr/>
-          <a:lstStyle/>
-          <a:p>
-            <a:r>
-              <a:rPr lang="en-US" dirty="0"/>
-              <a:t>Scatterplots – Extinction time vs total burnt area</a:t>
-            </a:r>
-          </a:p>
-          <a:p>
-            <a:pPr lvl="1"/>
-            <a:endParaRPr lang="en-US" dirty="0"/>
-          </a:p>
-          <a:p>
-            <a:endParaRPr lang="en-US" dirty="0"/>
-          </a:p>
-        </p:txBody>
-      </p:sp>
-      <p:sp>
-        <p:nvSpPr>
-          <p:cNvPr id="4" name="Footer Placeholder 3">
-            <a:extLst>
-              <a:ext uri="{FF2B5EF4-FFF2-40B4-BE49-F238E27FC236}">
-                <a16:creationId xmlns:a16="http://schemas.microsoft.com/office/drawing/2014/main" id="{B30FF8F9-83BA-C8AB-FE8E-45B0E7F1C8AE}"/>
-              </a:ext>
-            </a:extLst>
-          </p:cNvPr>
-          <p:cNvSpPr>
-            <a:spLocks noGrp="1"/>
-          </p:cNvSpPr>
-          <p:nvPr>
-            <p:ph type="ftr" sz="quarter" idx="11"/>
-          </p:nvPr>
-        </p:nvSpPr>
-        <p:spPr/>
-        <p:txBody>
-          <a:bodyPr/>
-          <a:lstStyle/>
-          <a:p>
-            <a:r>
-              <a:rPr lang="en-US"/>
-              <a:t>FEUP</a:t>
-            </a:r>
-            <a:endParaRPr lang="en-US" dirty="0"/>
-          </a:p>
-        </p:txBody>
-      </p:sp>
-      <p:sp>
-        <p:nvSpPr>
-          <p:cNvPr id="5" name="Slide Number Placeholder 4">
-            <a:extLst>
-              <a:ext uri="{FF2B5EF4-FFF2-40B4-BE49-F238E27FC236}">
-                <a16:creationId xmlns:a16="http://schemas.microsoft.com/office/drawing/2014/main" id="{888A9355-2654-63AD-176A-C9347C7BAE55}"/>
-              </a:ext>
-            </a:extLst>
-          </p:cNvPr>
-          <p:cNvSpPr>
-            <a:spLocks noGrp="1"/>
-          </p:cNvSpPr>
-          <p:nvPr>
-            <p:ph type="sldNum" sz="quarter" idx="12"/>
-          </p:nvPr>
-        </p:nvSpPr>
-        <p:spPr/>
-        <p:txBody>
-          <a:bodyPr/>
-          <a:lstStyle/>
-          <a:p>
-            <a:fld id="{E31375A4-56A4-47D6-9801-1991572033F7}" type="slidenum">
-              <a:rPr lang="en-US" smtClean="0"/>
-              <a:t>13</a:t>
             </a:fld>
             <a:endParaRPr lang="en-US"/>
           </a:p>
@@ -19456,6 +18165,286 @@
           </a:p>
         </p:txBody>
       </p:sp>
+      <p:sp>
+        <p:nvSpPr>
+          <p:cNvPr id="2" name="Content Placeholder 2">
+            <a:extLst>
+              <a:ext uri="{FF2B5EF4-FFF2-40B4-BE49-F238E27FC236}">
+                <a16:creationId xmlns:a16="http://schemas.microsoft.com/office/drawing/2014/main" id="{72A39239-9A68-2A19-2A77-A00EE2751162}"/>
+              </a:ext>
+            </a:extLst>
+          </p:cNvPr>
+          <p:cNvSpPr txBox="1">
+            <a:spLocks/>
+          </p:cNvSpPr>
+          <p:nvPr/>
+        </p:nvSpPr>
+        <p:spPr>
+          <a:xfrm>
+            <a:off x="420757" y="571192"/>
+            <a:ext cx="9601200" cy="3809999"/>
+          </a:xfrm>
+          <a:prstGeom prst="rect">
+            <a:avLst/>
+          </a:prstGeom>
+        </p:spPr>
+        <p:txBody>
+          <a:bodyPr vert="horz" lIns="91440" tIns="45720" rIns="91440" bIns="45720" rtlCol="0">
+            <a:normAutofit/>
+          </a:bodyPr>
+          <a:lstStyle>
+            <a:lvl1pPr marL="228600" indent="-228600" algn="l" defTabSz="914400" rtl="0" eaLnBrk="1" latinLnBrk="0" hangingPunct="1">
+              <a:lnSpc>
+                <a:spcPct val="90000"/>
+              </a:lnSpc>
+              <a:spcBef>
+                <a:spcPts val="1800"/>
+              </a:spcBef>
+              <a:buClr>
+                <a:schemeClr val="accent1">
+                  <a:lumMod val="75000"/>
+                </a:schemeClr>
+              </a:buClr>
+              <a:buSzPct val="100000"/>
+              <a:buFont typeface="Arial" pitchFamily="34" charset="0"/>
+              <a:buChar char="▪"/>
+              <a:defRPr sz="2000" kern="1200">
+                <a:solidFill>
+                  <a:schemeClr val="tx1"/>
+                </a:solidFill>
+                <a:latin typeface="+mn-lt"/>
+                <a:ea typeface="+mn-ea"/>
+                <a:cs typeface="+mn-cs"/>
+              </a:defRPr>
+            </a:lvl1pPr>
+            <a:lvl2pPr marL="457200" indent="-182880" algn="l" defTabSz="914400" rtl="0" eaLnBrk="1" latinLnBrk="0" hangingPunct="1">
+              <a:lnSpc>
+                <a:spcPct val="90000"/>
+              </a:lnSpc>
+              <a:spcBef>
+                <a:spcPts val="1200"/>
+              </a:spcBef>
+              <a:buClr>
+                <a:schemeClr val="accent1">
+                  <a:lumMod val="75000"/>
+                </a:schemeClr>
+              </a:buClr>
+              <a:buSzPct val="100000"/>
+              <a:buFont typeface="Arial" pitchFamily="34" charset="0"/>
+              <a:buChar char="▪"/>
+              <a:defRPr sz="1800" kern="1200">
+                <a:solidFill>
+                  <a:schemeClr val="tx1"/>
+                </a:solidFill>
+                <a:latin typeface="+mn-lt"/>
+                <a:ea typeface="+mn-ea"/>
+                <a:cs typeface="+mn-cs"/>
+              </a:defRPr>
+            </a:lvl2pPr>
+            <a:lvl3pPr marL="685800" indent="-179388" algn="l" defTabSz="914400" rtl="0" eaLnBrk="1" latinLnBrk="0" hangingPunct="1">
+              <a:lnSpc>
+                <a:spcPct val="90000"/>
+              </a:lnSpc>
+              <a:spcBef>
+                <a:spcPts val="800"/>
+              </a:spcBef>
+              <a:buClr>
+                <a:schemeClr val="accent1">
+                  <a:lumMod val="75000"/>
+                </a:schemeClr>
+              </a:buClr>
+              <a:buSzPct val="100000"/>
+              <a:buFont typeface="Arial" pitchFamily="34" charset="0"/>
+              <a:buChar char="▪"/>
+              <a:defRPr sz="1600" kern="1200">
+                <a:solidFill>
+                  <a:schemeClr val="tx1"/>
+                </a:solidFill>
+                <a:latin typeface="+mn-lt"/>
+                <a:ea typeface="+mn-ea"/>
+                <a:cs typeface="+mn-cs"/>
+              </a:defRPr>
+            </a:lvl3pPr>
+            <a:lvl4pPr marL="914400" indent="-182880" algn="l" defTabSz="914400" rtl="0" eaLnBrk="1" latinLnBrk="0" hangingPunct="1">
+              <a:lnSpc>
+                <a:spcPct val="90000"/>
+              </a:lnSpc>
+              <a:spcBef>
+                <a:spcPts val="800"/>
+              </a:spcBef>
+              <a:buClr>
+                <a:schemeClr val="accent1">
+                  <a:lumMod val="75000"/>
+                </a:schemeClr>
+              </a:buClr>
+              <a:buSzPct val="100000"/>
+              <a:buFont typeface="Arial" pitchFamily="34" charset="0"/>
+              <a:buChar char="▪"/>
+              <a:defRPr sz="1400" kern="1200">
+                <a:solidFill>
+                  <a:schemeClr val="tx1"/>
+                </a:solidFill>
+                <a:latin typeface="+mn-lt"/>
+                <a:ea typeface="+mn-ea"/>
+                <a:cs typeface="+mn-cs"/>
+              </a:defRPr>
+            </a:lvl4pPr>
+            <a:lvl5pPr marL="1143000" indent="-179388" algn="l" defTabSz="914400" rtl="0" eaLnBrk="1" latinLnBrk="0" hangingPunct="1">
+              <a:lnSpc>
+                <a:spcPct val="90000"/>
+              </a:lnSpc>
+              <a:spcBef>
+                <a:spcPts val="600"/>
+              </a:spcBef>
+              <a:buClr>
+                <a:schemeClr val="accent1">
+                  <a:lumMod val="75000"/>
+                </a:schemeClr>
+              </a:buClr>
+              <a:buSzPct val="100000"/>
+              <a:buFont typeface="Arial" pitchFamily="34" charset="0"/>
+              <a:buChar char="▪"/>
+              <a:defRPr sz="1400" kern="1200">
+                <a:solidFill>
+                  <a:schemeClr val="tx1"/>
+                </a:solidFill>
+                <a:latin typeface="+mn-lt"/>
+                <a:ea typeface="+mn-ea"/>
+                <a:cs typeface="+mn-cs"/>
+              </a:defRPr>
+            </a:lvl5pPr>
+            <a:lvl6pPr marL="1371600" indent="-182880" algn="l" defTabSz="914400" rtl="0" eaLnBrk="1" latinLnBrk="0" hangingPunct="1">
+              <a:lnSpc>
+                <a:spcPct val="90000"/>
+              </a:lnSpc>
+              <a:spcBef>
+                <a:spcPts val="600"/>
+              </a:spcBef>
+              <a:buClr>
+                <a:schemeClr val="accent1">
+                  <a:lumMod val="75000"/>
+                </a:schemeClr>
+              </a:buClr>
+              <a:buSzPct val="100000"/>
+              <a:buFont typeface="Arial" pitchFamily="34" charset="0"/>
+              <a:buChar char="▪"/>
+              <a:defRPr sz="1400" kern="1200">
+                <a:solidFill>
+                  <a:schemeClr val="tx1"/>
+                </a:solidFill>
+                <a:latin typeface="+mn-lt"/>
+                <a:ea typeface="+mn-ea"/>
+                <a:cs typeface="+mn-cs"/>
+              </a:defRPr>
+            </a:lvl6pPr>
+            <a:lvl7pPr marL="1600200" indent="-179388" algn="l" defTabSz="914400" rtl="0" eaLnBrk="1" latinLnBrk="0" hangingPunct="1">
+              <a:lnSpc>
+                <a:spcPct val="90000"/>
+              </a:lnSpc>
+              <a:spcBef>
+                <a:spcPts val="600"/>
+              </a:spcBef>
+              <a:buClr>
+                <a:schemeClr val="accent1">
+                  <a:lumMod val="75000"/>
+                </a:schemeClr>
+              </a:buClr>
+              <a:buSzPct val="100000"/>
+              <a:buFont typeface="Arial" pitchFamily="34" charset="0"/>
+              <a:buChar char="▪"/>
+              <a:defRPr sz="1400" kern="1200">
+                <a:solidFill>
+                  <a:schemeClr val="tx1"/>
+                </a:solidFill>
+                <a:latin typeface="+mn-lt"/>
+                <a:ea typeface="+mn-ea"/>
+                <a:cs typeface="+mn-cs"/>
+              </a:defRPr>
+            </a:lvl7pPr>
+            <a:lvl8pPr marL="1828800" indent="-182880" algn="l" defTabSz="914400" rtl="0" eaLnBrk="1" latinLnBrk="0" hangingPunct="1">
+              <a:lnSpc>
+                <a:spcPct val="90000"/>
+              </a:lnSpc>
+              <a:spcBef>
+                <a:spcPts val="600"/>
+              </a:spcBef>
+              <a:buClr>
+                <a:schemeClr val="accent1">
+                  <a:lumMod val="75000"/>
+                </a:schemeClr>
+              </a:buClr>
+              <a:buSzPct val="100000"/>
+              <a:buFont typeface="Arial" pitchFamily="34" charset="0"/>
+              <a:buChar char="▪"/>
+              <a:defRPr sz="1400" kern="1200">
+                <a:solidFill>
+                  <a:schemeClr val="tx1"/>
+                </a:solidFill>
+                <a:latin typeface="+mn-lt"/>
+                <a:ea typeface="+mn-ea"/>
+                <a:cs typeface="+mn-cs"/>
+              </a:defRPr>
+            </a:lvl8pPr>
+            <a:lvl9pPr marL="1878012" indent="0" algn="l" defTabSz="914400" rtl="0" eaLnBrk="1" latinLnBrk="0" hangingPunct="1">
+              <a:lnSpc>
+                <a:spcPct val="90000"/>
+              </a:lnSpc>
+              <a:spcBef>
+                <a:spcPts val="600"/>
+              </a:spcBef>
+              <a:buClr>
+                <a:schemeClr val="accent1">
+                  <a:lumMod val="75000"/>
+                </a:schemeClr>
+              </a:buClr>
+              <a:buSzPct val="100000"/>
+              <a:buFont typeface="Arial" pitchFamily="34" charset="0"/>
+              <a:buNone/>
+              <a:defRPr sz="1400" kern="1200">
+                <a:solidFill>
+                  <a:schemeClr val="tx1"/>
+                </a:solidFill>
+                <a:latin typeface="+mn-lt"/>
+                <a:ea typeface="+mn-ea"/>
+                <a:cs typeface="+mn-cs"/>
+              </a:defRPr>
+            </a:lvl9pPr>
+          </a:lstStyle>
+          <a:p>
+            <a:r>
+              <a:rPr lang="en-US" b="1" dirty="0"/>
+              <a:t>Scatterplot Extinction time vs Total burnt area</a:t>
+            </a:r>
+          </a:p>
+          <a:p>
+            <a:endParaRPr lang="en-US" b="1" dirty="0"/>
+          </a:p>
+          <a:p>
+            <a:pPr lvl="1"/>
+            <a:r>
+              <a:rPr lang="en-US" dirty="0"/>
+              <a:t>Data seems to not have a linear relationship.</a:t>
+            </a:r>
+          </a:p>
+          <a:p>
+            <a:pPr marL="274320" lvl="1" indent="0">
+              <a:buFont typeface="Arial" pitchFamily="34" charset="0"/>
+              <a:buNone/>
+            </a:pPr>
+            <a:r>
+              <a:rPr lang="en-US" b="1" dirty="0"/>
+              <a:t> </a:t>
+            </a:r>
+          </a:p>
+          <a:p>
+            <a:pPr lvl="1"/>
+            <a:endParaRPr lang="en-US" dirty="0"/>
+          </a:p>
+          <a:p>
+            <a:endParaRPr lang="en-US" dirty="0"/>
+          </a:p>
+        </p:txBody>
+      </p:sp>
     </p:spTree>
     <p:extLst>
       <p:ext uri="{BB962C8B-B14F-4D97-AF65-F5344CB8AC3E}">
@@ -19466,13 +18455,13 @@
   <p:clrMapOvr>
     <a:masterClrMapping/>
   </p:clrMapOvr>
-  <mc:AlternateContent xmlns:mc="http://schemas.openxmlformats.org/markup-compatibility/2006">
-    <mc:Choice xmlns:p14="http://schemas.microsoft.com/office/powerpoint/2010/main" Requires="p14">
+  <mc:AlternateContent xmlns:mc="http://schemas.openxmlformats.org/markup-compatibility/2006" xmlns:p14="http://schemas.microsoft.com/office/powerpoint/2010/main">
+    <mc:Choice Requires="p14">
       <p:transition spd="med" p14:dur="700">
         <p:fade/>
       </p:transition>
     </mc:Choice>
-    <mc:Fallback>
+    <mc:Fallback xmlns="">
       <p:transition spd="med">
         <p:fade/>
       </p:transition>
@@ -19481,7 +18470,7 @@
 </p:sld>
 </file>
 
-<file path=ppt/slides/slide14.xml><?xml version="1.0" encoding="utf-8"?>
+<file path=ppt/slides/slide11.xml><?xml version="1.0" encoding="utf-8"?>
 <p:sld xmlns:a="http://schemas.openxmlformats.org/drawingml/2006/main" xmlns:r="http://schemas.openxmlformats.org/officeDocument/2006/relationships" xmlns:p="http://schemas.openxmlformats.org/presentationml/2006/main">
   <p:cSld>
     <p:spTree>
@@ -19498,35 +18487,6 @@
           <a:chExt cx="0" cy="0"/>
         </a:xfrm>
       </p:grpSpPr>
-      <p:sp>
-        <p:nvSpPr>
-          <p:cNvPr id="3" name="Content Placeholder 2"/>
-          <p:cNvSpPr>
-            <a:spLocks noGrp="1"/>
-          </p:cNvSpPr>
-          <p:nvPr>
-            <p:ph idx="1"/>
-          </p:nvPr>
-        </p:nvSpPr>
-        <p:spPr/>
-        <p:txBody>
-          <a:bodyPr/>
-          <a:lstStyle/>
-          <a:p>
-            <a:r>
-              <a:rPr lang="en-US" dirty="0"/>
-              <a:t>Scatterplots –Intervention time vs total burnt area</a:t>
-            </a:r>
-          </a:p>
-          <a:p>
-            <a:pPr lvl="1"/>
-            <a:endParaRPr lang="en-US" dirty="0"/>
-          </a:p>
-          <a:p>
-            <a:endParaRPr lang="en-US" dirty="0"/>
-          </a:p>
-        </p:txBody>
-      </p:sp>
       <p:sp>
         <p:nvSpPr>
           <p:cNvPr id="4" name="Footer Placeholder 3">
@@ -19579,7 +18539,7 @@
           <a:p>
             <a:fld id="{E31375A4-56A4-47D6-9801-1991572033F7}" type="slidenum">
               <a:rPr lang="en-US" smtClean="0"/>
-              <a:t>14</a:t>
+              <a:t>11</a:t>
             </a:fld>
             <a:endParaRPr lang="en-US"/>
           </a:p>
@@ -19891,6 +18851,286 @@
           </a:p>
         </p:txBody>
       </p:sp>
+      <p:sp>
+        <p:nvSpPr>
+          <p:cNvPr id="2" name="Content Placeholder 2">
+            <a:extLst>
+              <a:ext uri="{FF2B5EF4-FFF2-40B4-BE49-F238E27FC236}">
+                <a16:creationId xmlns:a16="http://schemas.microsoft.com/office/drawing/2014/main" id="{AF6B79B9-095B-F1FF-A8AB-CF5D11246F4F}"/>
+              </a:ext>
+            </a:extLst>
+          </p:cNvPr>
+          <p:cNvSpPr txBox="1">
+            <a:spLocks/>
+          </p:cNvSpPr>
+          <p:nvPr/>
+        </p:nvSpPr>
+        <p:spPr>
+          <a:xfrm>
+            <a:off x="420757" y="571192"/>
+            <a:ext cx="9601200" cy="3809999"/>
+          </a:xfrm>
+          <a:prstGeom prst="rect">
+            <a:avLst/>
+          </a:prstGeom>
+        </p:spPr>
+        <p:txBody>
+          <a:bodyPr vert="horz" lIns="91440" tIns="45720" rIns="91440" bIns="45720" rtlCol="0">
+            <a:normAutofit/>
+          </a:bodyPr>
+          <a:lstStyle>
+            <a:lvl1pPr marL="228600" indent="-228600" algn="l" defTabSz="914400" rtl="0" eaLnBrk="1" latinLnBrk="0" hangingPunct="1">
+              <a:lnSpc>
+                <a:spcPct val="90000"/>
+              </a:lnSpc>
+              <a:spcBef>
+                <a:spcPts val="1800"/>
+              </a:spcBef>
+              <a:buClr>
+                <a:schemeClr val="accent1">
+                  <a:lumMod val="75000"/>
+                </a:schemeClr>
+              </a:buClr>
+              <a:buSzPct val="100000"/>
+              <a:buFont typeface="Arial" pitchFamily="34" charset="0"/>
+              <a:buChar char="▪"/>
+              <a:defRPr sz="2000" kern="1200">
+                <a:solidFill>
+                  <a:schemeClr val="tx1"/>
+                </a:solidFill>
+                <a:latin typeface="+mn-lt"/>
+                <a:ea typeface="+mn-ea"/>
+                <a:cs typeface="+mn-cs"/>
+              </a:defRPr>
+            </a:lvl1pPr>
+            <a:lvl2pPr marL="457200" indent="-182880" algn="l" defTabSz="914400" rtl="0" eaLnBrk="1" latinLnBrk="0" hangingPunct="1">
+              <a:lnSpc>
+                <a:spcPct val="90000"/>
+              </a:lnSpc>
+              <a:spcBef>
+                <a:spcPts val="1200"/>
+              </a:spcBef>
+              <a:buClr>
+                <a:schemeClr val="accent1">
+                  <a:lumMod val="75000"/>
+                </a:schemeClr>
+              </a:buClr>
+              <a:buSzPct val="100000"/>
+              <a:buFont typeface="Arial" pitchFamily="34" charset="0"/>
+              <a:buChar char="▪"/>
+              <a:defRPr sz="1800" kern="1200">
+                <a:solidFill>
+                  <a:schemeClr val="tx1"/>
+                </a:solidFill>
+                <a:latin typeface="+mn-lt"/>
+                <a:ea typeface="+mn-ea"/>
+                <a:cs typeface="+mn-cs"/>
+              </a:defRPr>
+            </a:lvl2pPr>
+            <a:lvl3pPr marL="685800" indent="-179388" algn="l" defTabSz="914400" rtl="0" eaLnBrk="1" latinLnBrk="0" hangingPunct="1">
+              <a:lnSpc>
+                <a:spcPct val="90000"/>
+              </a:lnSpc>
+              <a:spcBef>
+                <a:spcPts val="800"/>
+              </a:spcBef>
+              <a:buClr>
+                <a:schemeClr val="accent1">
+                  <a:lumMod val="75000"/>
+                </a:schemeClr>
+              </a:buClr>
+              <a:buSzPct val="100000"/>
+              <a:buFont typeface="Arial" pitchFamily="34" charset="0"/>
+              <a:buChar char="▪"/>
+              <a:defRPr sz="1600" kern="1200">
+                <a:solidFill>
+                  <a:schemeClr val="tx1"/>
+                </a:solidFill>
+                <a:latin typeface="+mn-lt"/>
+                <a:ea typeface="+mn-ea"/>
+                <a:cs typeface="+mn-cs"/>
+              </a:defRPr>
+            </a:lvl3pPr>
+            <a:lvl4pPr marL="914400" indent="-182880" algn="l" defTabSz="914400" rtl="0" eaLnBrk="1" latinLnBrk="0" hangingPunct="1">
+              <a:lnSpc>
+                <a:spcPct val="90000"/>
+              </a:lnSpc>
+              <a:spcBef>
+                <a:spcPts val="800"/>
+              </a:spcBef>
+              <a:buClr>
+                <a:schemeClr val="accent1">
+                  <a:lumMod val="75000"/>
+                </a:schemeClr>
+              </a:buClr>
+              <a:buSzPct val="100000"/>
+              <a:buFont typeface="Arial" pitchFamily="34" charset="0"/>
+              <a:buChar char="▪"/>
+              <a:defRPr sz="1400" kern="1200">
+                <a:solidFill>
+                  <a:schemeClr val="tx1"/>
+                </a:solidFill>
+                <a:latin typeface="+mn-lt"/>
+                <a:ea typeface="+mn-ea"/>
+                <a:cs typeface="+mn-cs"/>
+              </a:defRPr>
+            </a:lvl4pPr>
+            <a:lvl5pPr marL="1143000" indent="-179388" algn="l" defTabSz="914400" rtl="0" eaLnBrk="1" latinLnBrk="0" hangingPunct="1">
+              <a:lnSpc>
+                <a:spcPct val="90000"/>
+              </a:lnSpc>
+              <a:spcBef>
+                <a:spcPts val="600"/>
+              </a:spcBef>
+              <a:buClr>
+                <a:schemeClr val="accent1">
+                  <a:lumMod val="75000"/>
+                </a:schemeClr>
+              </a:buClr>
+              <a:buSzPct val="100000"/>
+              <a:buFont typeface="Arial" pitchFamily="34" charset="0"/>
+              <a:buChar char="▪"/>
+              <a:defRPr sz="1400" kern="1200">
+                <a:solidFill>
+                  <a:schemeClr val="tx1"/>
+                </a:solidFill>
+                <a:latin typeface="+mn-lt"/>
+                <a:ea typeface="+mn-ea"/>
+                <a:cs typeface="+mn-cs"/>
+              </a:defRPr>
+            </a:lvl5pPr>
+            <a:lvl6pPr marL="1371600" indent="-182880" algn="l" defTabSz="914400" rtl="0" eaLnBrk="1" latinLnBrk="0" hangingPunct="1">
+              <a:lnSpc>
+                <a:spcPct val="90000"/>
+              </a:lnSpc>
+              <a:spcBef>
+                <a:spcPts val="600"/>
+              </a:spcBef>
+              <a:buClr>
+                <a:schemeClr val="accent1">
+                  <a:lumMod val="75000"/>
+                </a:schemeClr>
+              </a:buClr>
+              <a:buSzPct val="100000"/>
+              <a:buFont typeface="Arial" pitchFamily="34" charset="0"/>
+              <a:buChar char="▪"/>
+              <a:defRPr sz="1400" kern="1200">
+                <a:solidFill>
+                  <a:schemeClr val="tx1"/>
+                </a:solidFill>
+                <a:latin typeface="+mn-lt"/>
+                <a:ea typeface="+mn-ea"/>
+                <a:cs typeface="+mn-cs"/>
+              </a:defRPr>
+            </a:lvl6pPr>
+            <a:lvl7pPr marL="1600200" indent="-179388" algn="l" defTabSz="914400" rtl="0" eaLnBrk="1" latinLnBrk="0" hangingPunct="1">
+              <a:lnSpc>
+                <a:spcPct val="90000"/>
+              </a:lnSpc>
+              <a:spcBef>
+                <a:spcPts val="600"/>
+              </a:spcBef>
+              <a:buClr>
+                <a:schemeClr val="accent1">
+                  <a:lumMod val="75000"/>
+                </a:schemeClr>
+              </a:buClr>
+              <a:buSzPct val="100000"/>
+              <a:buFont typeface="Arial" pitchFamily="34" charset="0"/>
+              <a:buChar char="▪"/>
+              <a:defRPr sz="1400" kern="1200">
+                <a:solidFill>
+                  <a:schemeClr val="tx1"/>
+                </a:solidFill>
+                <a:latin typeface="+mn-lt"/>
+                <a:ea typeface="+mn-ea"/>
+                <a:cs typeface="+mn-cs"/>
+              </a:defRPr>
+            </a:lvl7pPr>
+            <a:lvl8pPr marL="1828800" indent="-182880" algn="l" defTabSz="914400" rtl="0" eaLnBrk="1" latinLnBrk="0" hangingPunct="1">
+              <a:lnSpc>
+                <a:spcPct val="90000"/>
+              </a:lnSpc>
+              <a:spcBef>
+                <a:spcPts val="600"/>
+              </a:spcBef>
+              <a:buClr>
+                <a:schemeClr val="accent1">
+                  <a:lumMod val="75000"/>
+                </a:schemeClr>
+              </a:buClr>
+              <a:buSzPct val="100000"/>
+              <a:buFont typeface="Arial" pitchFamily="34" charset="0"/>
+              <a:buChar char="▪"/>
+              <a:defRPr sz="1400" kern="1200">
+                <a:solidFill>
+                  <a:schemeClr val="tx1"/>
+                </a:solidFill>
+                <a:latin typeface="+mn-lt"/>
+                <a:ea typeface="+mn-ea"/>
+                <a:cs typeface="+mn-cs"/>
+              </a:defRPr>
+            </a:lvl8pPr>
+            <a:lvl9pPr marL="1878012" indent="0" algn="l" defTabSz="914400" rtl="0" eaLnBrk="1" latinLnBrk="0" hangingPunct="1">
+              <a:lnSpc>
+                <a:spcPct val="90000"/>
+              </a:lnSpc>
+              <a:spcBef>
+                <a:spcPts val="600"/>
+              </a:spcBef>
+              <a:buClr>
+                <a:schemeClr val="accent1">
+                  <a:lumMod val="75000"/>
+                </a:schemeClr>
+              </a:buClr>
+              <a:buSzPct val="100000"/>
+              <a:buFont typeface="Arial" pitchFamily="34" charset="0"/>
+              <a:buNone/>
+              <a:defRPr sz="1400" kern="1200">
+                <a:solidFill>
+                  <a:schemeClr val="tx1"/>
+                </a:solidFill>
+                <a:latin typeface="+mn-lt"/>
+                <a:ea typeface="+mn-ea"/>
+                <a:cs typeface="+mn-cs"/>
+              </a:defRPr>
+            </a:lvl9pPr>
+          </a:lstStyle>
+          <a:p>
+            <a:r>
+              <a:rPr lang="en-US" b="1" dirty="0"/>
+              <a:t>Scatterplot Intervention time vs Total burnt area</a:t>
+            </a:r>
+          </a:p>
+          <a:p>
+            <a:endParaRPr lang="en-US" b="1" dirty="0"/>
+          </a:p>
+          <a:p>
+            <a:pPr lvl="1"/>
+            <a:r>
+              <a:rPr lang="en-US" dirty="0"/>
+              <a:t>Data seems to not have a linear relationship.</a:t>
+            </a:r>
+          </a:p>
+          <a:p>
+            <a:pPr marL="274320" lvl="1" indent="0">
+              <a:buFont typeface="Arial" pitchFamily="34" charset="0"/>
+              <a:buNone/>
+            </a:pPr>
+            <a:r>
+              <a:rPr lang="en-US" b="1" dirty="0"/>
+              <a:t> </a:t>
+            </a:r>
+          </a:p>
+          <a:p>
+            <a:pPr lvl="1"/>
+            <a:endParaRPr lang="en-US" dirty="0"/>
+          </a:p>
+          <a:p>
+            <a:endParaRPr lang="en-US" dirty="0"/>
+          </a:p>
+        </p:txBody>
+      </p:sp>
     </p:spTree>
     <p:extLst>
       <p:ext uri="{BB962C8B-B14F-4D97-AF65-F5344CB8AC3E}">
@@ -19901,13 +19141,13 @@
   <p:clrMapOvr>
     <a:masterClrMapping/>
   </p:clrMapOvr>
-  <mc:AlternateContent xmlns:mc="http://schemas.openxmlformats.org/markup-compatibility/2006">
-    <mc:Choice xmlns:p14="http://schemas.microsoft.com/office/powerpoint/2010/main" Requires="p14">
+  <mc:AlternateContent xmlns:mc="http://schemas.openxmlformats.org/markup-compatibility/2006" xmlns:p14="http://schemas.microsoft.com/office/powerpoint/2010/main">
+    <mc:Choice Requires="p14">
       <p:transition spd="med" p14:dur="700">
         <p:fade/>
       </p:transition>
     </mc:Choice>
-    <mc:Fallback>
+    <mc:Fallback xmlns="">
       <p:transition spd="med">
         <p:fade/>
       </p:transition>
@@ -19916,7 +19156,7 @@
 </p:sld>
 </file>
 
-<file path=ppt/slides/slide15.xml><?xml version="1.0" encoding="utf-8"?>
+<file path=ppt/slides/slide12.xml><?xml version="1.0" encoding="utf-8"?>
 <p:sld xmlns:a="http://schemas.openxmlformats.org/drawingml/2006/main" xmlns:r="http://schemas.openxmlformats.org/officeDocument/2006/relationships" xmlns:p="http://schemas.openxmlformats.org/presentationml/2006/main">
   <p:cSld>
     <p:spTree>
@@ -19933,31 +19173,6 @@
           <a:chExt cx="0" cy="0"/>
         </a:xfrm>
       </p:grpSpPr>
-      <p:sp>
-        <p:nvSpPr>
-          <p:cNvPr id="3" name="Content Placeholder 2"/>
-          <p:cNvSpPr>
-            <a:spLocks noGrp="1"/>
-          </p:cNvSpPr>
-          <p:nvPr>
-            <p:ph idx="1"/>
-          </p:nvPr>
-        </p:nvSpPr>
-        <p:spPr/>
-        <p:txBody>
-          <a:bodyPr/>
-          <a:lstStyle/>
-          <a:p>
-            <a:r>
-              <a:rPr lang="en-US" dirty="0"/>
-              <a:t>Scatterplots – Extinction time vs Intervention Time</a:t>
-            </a:r>
-          </a:p>
-          <a:p>
-            <a:endParaRPr lang="en-US" dirty="0"/>
-          </a:p>
-        </p:txBody>
-      </p:sp>
       <p:sp>
         <p:nvSpPr>
           <p:cNvPr id="4" name="Footer Placeholder 3">
@@ -20010,7 +19225,7 @@
           <a:p>
             <a:fld id="{E31375A4-56A4-47D6-9801-1991572033F7}" type="slidenum">
               <a:rPr lang="en-US" smtClean="0"/>
-              <a:t>15</a:t>
+              <a:t>12</a:t>
             </a:fld>
             <a:endParaRPr lang="en-US"/>
           </a:p>
@@ -20322,6 +19537,286 @@
           </a:p>
         </p:txBody>
       </p:sp>
+      <p:sp>
+        <p:nvSpPr>
+          <p:cNvPr id="2" name="Content Placeholder 2">
+            <a:extLst>
+              <a:ext uri="{FF2B5EF4-FFF2-40B4-BE49-F238E27FC236}">
+                <a16:creationId xmlns:a16="http://schemas.microsoft.com/office/drawing/2014/main" id="{A6D60B32-A4FA-03F2-84E9-F0B89B6D5DBF}"/>
+              </a:ext>
+            </a:extLst>
+          </p:cNvPr>
+          <p:cNvSpPr txBox="1">
+            <a:spLocks/>
+          </p:cNvSpPr>
+          <p:nvPr/>
+        </p:nvSpPr>
+        <p:spPr>
+          <a:xfrm>
+            <a:off x="420757" y="571192"/>
+            <a:ext cx="9601200" cy="3809999"/>
+          </a:xfrm>
+          <a:prstGeom prst="rect">
+            <a:avLst/>
+          </a:prstGeom>
+        </p:spPr>
+        <p:txBody>
+          <a:bodyPr vert="horz" lIns="91440" tIns="45720" rIns="91440" bIns="45720" rtlCol="0">
+            <a:normAutofit/>
+          </a:bodyPr>
+          <a:lstStyle>
+            <a:lvl1pPr marL="228600" indent="-228600" algn="l" defTabSz="914400" rtl="0" eaLnBrk="1" latinLnBrk="0" hangingPunct="1">
+              <a:lnSpc>
+                <a:spcPct val="90000"/>
+              </a:lnSpc>
+              <a:spcBef>
+                <a:spcPts val="1800"/>
+              </a:spcBef>
+              <a:buClr>
+                <a:schemeClr val="accent1">
+                  <a:lumMod val="75000"/>
+                </a:schemeClr>
+              </a:buClr>
+              <a:buSzPct val="100000"/>
+              <a:buFont typeface="Arial" pitchFamily="34" charset="0"/>
+              <a:buChar char="▪"/>
+              <a:defRPr sz="2000" kern="1200">
+                <a:solidFill>
+                  <a:schemeClr val="tx1"/>
+                </a:solidFill>
+                <a:latin typeface="+mn-lt"/>
+                <a:ea typeface="+mn-ea"/>
+                <a:cs typeface="+mn-cs"/>
+              </a:defRPr>
+            </a:lvl1pPr>
+            <a:lvl2pPr marL="457200" indent="-182880" algn="l" defTabSz="914400" rtl="0" eaLnBrk="1" latinLnBrk="0" hangingPunct="1">
+              <a:lnSpc>
+                <a:spcPct val="90000"/>
+              </a:lnSpc>
+              <a:spcBef>
+                <a:spcPts val="1200"/>
+              </a:spcBef>
+              <a:buClr>
+                <a:schemeClr val="accent1">
+                  <a:lumMod val="75000"/>
+                </a:schemeClr>
+              </a:buClr>
+              <a:buSzPct val="100000"/>
+              <a:buFont typeface="Arial" pitchFamily="34" charset="0"/>
+              <a:buChar char="▪"/>
+              <a:defRPr sz="1800" kern="1200">
+                <a:solidFill>
+                  <a:schemeClr val="tx1"/>
+                </a:solidFill>
+                <a:latin typeface="+mn-lt"/>
+                <a:ea typeface="+mn-ea"/>
+                <a:cs typeface="+mn-cs"/>
+              </a:defRPr>
+            </a:lvl2pPr>
+            <a:lvl3pPr marL="685800" indent="-179388" algn="l" defTabSz="914400" rtl="0" eaLnBrk="1" latinLnBrk="0" hangingPunct="1">
+              <a:lnSpc>
+                <a:spcPct val="90000"/>
+              </a:lnSpc>
+              <a:spcBef>
+                <a:spcPts val="800"/>
+              </a:spcBef>
+              <a:buClr>
+                <a:schemeClr val="accent1">
+                  <a:lumMod val="75000"/>
+                </a:schemeClr>
+              </a:buClr>
+              <a:buSzPct val="100000"/>
+              <a:buFont typeface="Arial" pitchFamily="34" charset="0"/>
+              <a:buChar char="▪"/>
+              <a:defRPr sz="1600" kern="1200">
+                <a:solidFill>
+                  <a:schemeClr val="tx1"/>
+                </a:solidFill>
+                <a:latin typeface="+mn-lt"/>
+                <a:ea typeface="+mn-ea"/>
+                <a:cs typeface="+mn-cs"/>
+              </a:defRPr>
+            </a:lvl3pPr>
+            <a:lvl4pPr marL="914400" indent="-182880" algn="l" defTabSz="914400" rtl="0" eaLnBrk="1" latinLnBrk="0" hangingPunct="1">
+              <a:lnSpc>
+                <a:spcPct val="90000"/>
+              </a:lnSpc>
+              <a:spcBef>
+                <a:spcPts val="800"/>
+              </a:spcBef>
+              <a:buClr>
+                <a:schemeClr val="accent1">
+                  <a:lumMod val="75000"/>
+                </a:schemeClr>
+              </a:buClr>
+              <a:buSzPct val="100000"/>
+              <a:buFont typeface="Arial" pitchFamily="34" charset="0"/>
+              <a:buChar char="▪"/>
+              <a:defRPr sz="1400" kern="1200">
+                <a:solidFill>
+                  <a:schemeClr val="tx1"/>
+                </a:solidFill>
+                <a:latin typeface="+mn-lt"/>
+                <a:ea typeface="+mn-ea"/>
+                <a:cs typeface="+mn-cs"/>
+              </a:defRPr>
+            </a:lvl4pPr>
+            <a:lvl5pPr marL="1143000" indent="-179388" algn="l" defTabSz="914400" rtl="0" eaLnBrk="1" latinLnBrk="0" hangingPunct="1">
+              <a:lnSpc>
+                <a:spcPct val="90000"/>
+              </a:lnSpc>
+              <a:spcBef>
+                <a:spcPts val="600"/>
+              </a:spcBef>
+              <a:buClr>
+                <a:schemeClr val="accent1">
+                  <a:lumMod val="75000"/>
+                </a:schemeClr>
+              </a:buClr>
+              <a:buSzPct val="100000"/>
+              <a:buFont typeface="Arial" pitchFamily="34" charset="0"/>
+              <a:buChar char="▪"/>
+              <a:defRPr sz="1400" kern="1200">
+                <a:solidFill>
+                  <a:schemeClr val="tx1"/>
+                </a:solidFill>
+                <a:latin typeface="+mn-lt"/>
+                <a:ea typeface="+mn-ea"/>
+                <a:cs typeface="+mn-cs"/>
+              </a:defRPr>
+            </a:lvl5pPr>
+            <a:lvl6pPr marL="1371600" indent="-182880" algn="l" defTabSz="914400" rtl="0" eaLnBrk="1" latinLnBrk="0" hangingPunct="1">
+              <a:lnSpc>
+                <a:spcPct val="90000"/>
+              </a:lnSpc>
+              <a:spcBef>
+                <a:spcPts val="600"/>
+              </a:spcBef>
+              <a:buClr>
+                <a:schemeClr val="accent1">
+                  <a:lumMod val="75000"/>
+                </a:schemeClr>
+              </a:buClr>
+              <a:buSzPct val="100000"/>
+              <a:buFont typeface="Arial" pitchFamily="34" charset="0"/>
+              <a:buChar char="▪"/>
+              <a:defRPr sz="1400" kern="1200">
+                <a:solidFill>
+                  <a:schemeClr val="tx1"/>
+                </a:solidFill>
+                <a:latin typeface="+mn-lt"/>
+                <a:ea typeface="+mn-ea"/>
+                <a:cs typeface="+mn-cs"/>
+              </a:defRPr>
+            </a:lvl6pPr>
+            <a:lvl7pPr marL="1600200" indent="-179388" algn="l" defTabSz="914400" rtl="0" eaLnBrk="1" latinLnBrk="0" hangingPunct="1">
+              <a:lnSpc>
+                <a:spcPct val="90000"/>
+              </a:lnSpc>
+              <a:spcBef>
+                <a:spcPts val="600"/>
+              </a:spcBef>
+              <a:buClr>
+                <a:schemeClr val="accent1">
+                  <a:lumMod val="75000"/>
+                </a:schemeClr>
+              </a:buClr>
+              <a:buSzPct val="100000"/>
+              <a:buFont typeface="Arial" pitchFamily="34" charset="0"/>
+              <a:buChar char="▪"/>
+              <a:defRPr sz="1400" kern="1200">
+                <a:solidFill>
+                  <a:schemeClr val="tx1"/>
+                </a:solidFill>
+                <a:latin typeface="+mn-lt"/>
+                <a:ea typeface="+mn-ea"/>
+                <a:cs typeface="+mn-cs"/>
+              </a:defRPr>
+            </a:lvl7pPr>
+            <a:lvl8pPr marL="1828800" indent="-182880" algn="l" defTabSz="914400" rtl="0" eaLnBrk="1" latinLnBrk="0" hangingPunct="1">
+              <a:lnSpc>
+                <a:spcPct val="90000"/>
+              </a:lnSpc>
+              <a:spcBef>
+                <a:spcPts val="600"/>
+              </a:spcBef>
+              <a:buClr>
+                <a:schemeClr val="accent1">
+                  <a:lumMod val="75000"/>
+                </a:schemeClr>
+              </a:buClr>
+              <a:buSzPct val="100000"/>
+              <a:buFont typeface="Arial" pitchFamily="34" charset="0"/>
+              <a:buChar char="▪"/>
+              <a:defRPr sz="1400" kern="1200">
+                <a:solidFill>
+                  <a:schemeClr val="tx1"/>
+                </a:solidFill>
+                <a:latin typeface="+mn-lt"/>
+                <a:ea typeface="+mn-ea"/>
+                <a:cs typeface="+mn-cs"/>
+              </a:defRPr>
+            </a:lvl8pPr>
+            <a:lvl9pPr marL="1878012" indent="0" algn="l" defTabSz="914400" rtl="0" eaLnBrk="1" latinLnBrk="0" hangingPunct="1">
+              <a:lnSpc>
+                <a:spcPct val="90000"/>
+              </a:lnSpc>
+              <a:spcBef>
+                <a:spcPts val="600"/>
+              </a:spcBef>
+              <a:buClr>
+                <a:schemeClr val="accent1">
+                  <a:lumMod val="75000"/>
+                </a:schemeClr>
+              </a:buClr>
+              <a:buSzPct val="100000"/>
+              <a:buFont typeface="Arial" pitchFamily="34" charset="0"/>
+              <a:buNone/>
+              <a:defRPr sz="1400" kern="1200">
+                <a:solidFill>
+                  <a:schemeClr val="tx1"/>
+                </a:solidFill>
+                <a:latin typeface="+mn-lt"/>
+                <a:ea typeface="+mn-ea"/>
+                <a:cs typeface="+mn-cs"/>
+              </a:defRPr>
+            </a:lvl9pPr>
+          </a:lstStyle>
+          <a:p>
+            <a:r>
+              <a:rPr lang="en-US" b="1" dirty="0"/>
+              <a:t>Scatterplot Extinction time vs Total burnt area</a:t>
+            </a:r>
+          </a:p>
+          <a:p>
+            <a:endParaRPr lang="en-US" b="1" dirty="0"/>
+          </a:p>
+          <a:p>
+            <a:pPr lvl="1"/>
+            <a:r>
+              <a:rPr lang="en-US" dirty="0"/>
+              <a:t>Data seems to not have a linear relationship.</a:t>
+            </a:r>
+          </a:p>
+          <a:p>
+            <a:pPr marL="274320" lvl="1" indent="0">
+              <a:buFont typeface="Arial" pitchFamily="34" charset="0"/>
+              <a:buNone/>
+            </a:pPr>
+            <a:r>
+              <a:rPr lang="en-US" b="1" dirty="0"/>
+              <a:t> </a:t>
+            </a:r>
+          </a:p>
+          <a:p>
+            <a:pPr lvl="1"/>
+            <a:endParaRPr lang="en-US" dirty="0"/>
+          </a:p>
+          <a:p>
+            <a:endParaRPr lang="en-US" dirty="0"/>
+          </a:p>
+        </p:txBody>
+      </p:sp>
     </p:spTree>
     <p:extLst>
       <p:ext uri="{BB962C8B-B14F-4D97-AF65-F5344CB8AC3E}">
@@ -20332,13 +19827,13 @@
   <p:clrMapOvr>
     <a:masterClrMapping/>
   </p:clrMapOvr>
-  <mc:AlternateContent xmlns:mc="http://schemas.openxmlformats.org/markup-compatibility/2006">
-    <mc:Choice xmlns:p14="http://schemas.microsoft.com/office/powerpoint/2010/main" Requires="p14">
+  <mc:AlternateContent xmlns:mc="http://schemas.openxmlformats.org/markup-compatibility/2006" xmlns:p14="http://schemas.microsoft.com/office/powerpoint/2010/main">
+    <mc:Choice Requires="p14">
       <p:transition spd="med" p14:dur="700">
         <p:fade/>
       </p:transition>
     </mc:Choice>
-    <mc:Fallback>
+    <mc:Fallback xmlns="">
       <p:transition spd="med">
         <p:fade/>
       </p:transition>
@@ -20347,7 +19842,7 @@
 </p:sld>
 </file>
 
-<file path=ppt/slides/slide16.xml><?xml version="1.0" encoding="utf-8"?>
+<file path=ppt/slides/slide13.xml><?xml version="1.0" encoding="utf-8"?>
 <p:sld xmlns:a="http://schemas.openxmlformats.org/drawingml/2006/main" xmlns:r="http://schemas.openxmlformats.org/officeDocument/2006/relationships" xmlns:p="http://schemas.openxmlformats.org/presentationml/2006/main">
   <p:cSld>
     <p:spTree>
@@ -20376,7 +19871,7 @@
         </p:nvSpPr>
         <p:spPr>
           <a:xfrm>
-            <a:off x="1390816" y="1804945"/>
+            <a:off x="1382865" y="1431233"/>
             <a:ext cx="9601200" cy="4190338"/>
           </a:xfrm>
         </p:spPr>
@@ -20495,7 +19990,7 @@
           <a:p>
             <a:fld id="{E31375A4-56A4-47D6-9801-1991572033F7}" type="slidenum">
               <a:rPr lang="en-US" smtClean="0"/>
-              <a:t>16</a:t>
+              <a:t>13</a:t>
             </a:fld>
             <a:endParaRPr lang="en-US"/>
           </a:p>
@@ -20582,7 +20077,7 @@
 </p:sld>
 </file>
 
-<file path=ppt/slides/slide17.xml><?xml version="1.0" encoding="utf-8"?>
+<file path=ppt/slides/slide14.xml><?xml version="1.0" encoding="utf-8"?>
 <p:sld xmlns:a="http://schemas.openxmlformats.org/drawingml/2006/main" xmlns:r="http://schemas.openxmlformats.org/officeDocument/2006/relationships" xmlns:p="http://schemas.openxmlformats.org/presentationml/2006/main">
   <p:cSld>
     <p:spTree>
@@ -20622,7 +20117,7 @@
           <a:lstStyle/>
           <a:p>
             <a:r>
-              <a:rPr lang="en-US" dirty="0"/>
+              <a:rPr lang="en-US" b="1" dirty="0"/>
               <a:t>Do our variables follow a normal distribution?</a:t>
             </a:r>
           </a:p>
@@ -20712,7 +20207,7 @@
           <a:p>
             <a:fld id="{E31375A4-56A4-47D6-9801-1991572033F7}" type="slidenum">
               <a:rPr lang="en-US" smtClean="0"/>
-              <a:t>17</a:t>
+              <a:t>14</a:t>
             </a:fld>
             <a:endParaRPr lang="en-US"/>
           </a:p>
@@ -21152,6 +20647,53 @@
           </a:p>
         </p:txBody>
       </p:sp>
+      <p:sp>
+        <p:nvSpPr>
+          <p:cNvPr id="2" name="Rectangle 1">
+            <a:extLst>
+              <a:ext uri="{FF2B5EF4-FFF2-40B4-BE49-F238E27FC236}">
+                <a16:creationId xmlns:a16="http://schemas.microsoft.com/office/drawing/2014/main" id="{6CF0C6E8-FEAE-5E9B-B75E-1E0A73ED0B4B}"/>
+              </a:ext>
+            </a:extLst>
+          </p:cNvPr>
+          <p:cNvSpPr/>
+          <p:nvPr/>
+        </p:nvSpPr>
+        <p:spPr>
+          <a:xfrm>
+            <a:off x="2099143" y="2728813"/>
+            <a:ext cx="4230095" cy="2497832"/>
+          </a:xfrm>
+          <a:prstGeom prst="rect">
+            <a:avLst/>
+          </a:prstGeom>
+          <a:noFill/>
+        </p:spPr>
+        <p:style>
+          <a:lnRef idx="2">
+            <a:schemeClr val="accent1">
+              <a:shade val="50000"/>
+            </a:schemeClr>
+          </a:lnRef>
+          <a:fillRef idx="1">
+            <a:schemeClr val="accent1"/>
+          </a:fillRef>
+          <a:effectRef idx="0">
+            <a:schemeClr val="accent1"/>
+          </a:effectRef>
+          <a:fontRef idx="minor">
+            <a:schemeClr val="lt1"/>
+          </a:fontRef>
+        </p:style>
+        <p:txBody>
+          <a:bodyPr rtlCol="0" anchor="ctr"/>
+          <a:lstStyle/>
+          <a:p>
+            <a:pPr algn="ctr"/>
+            <a:endParaRPr lang="en-US"/>
+          </a:p>
+        </p:txBody>
+      </p:sp>
     </p:spTree>
     <p:extLst>
       <p:ext uri="{BB962C8B-B14F-4D97-AF65-F5344CB8AC3E}">
@@ -21162,13 +20704,13 @@
   <p:clrMapOvr>
     <a:masterClrMapping/>
   </p:clrMapOvr>
-  <mc:AlternateContent xmlns:mc="http://schemas.openxmlformats.org/markup-compatibility/2006">
-    <mc:Choice xmlns:p14="http://schemas.microsoft.com/office/powerpoint/2010/main" Requires="p14">
+  <mc:AlternateContent xmlns:mc="http://schemas.openxmlformats.org/markup-compatibility/2006" xmlns:p14="http://schemas.microsoft.com/office/powerpoint/2010/main">
+    <mc:Choice Requires="p14">
       <p:transition spd="med" p14:dur="700">
         <p:fade/>
       </p:transition>
     </mc:Choice>
-    <mc:Fallback>
+    <mc:Fallback xmlns="">
       <p:transition spd="med">
         <p:fade/>
       </p:transition>
@@ -21177,7 +20719,7 @@
 </p:sld>
 </file>
 
-<file path=ppt/slides/slide18.xml><?xml version="1.0" encoding="utf-8"?>
+<file path=ppt/slides/slide15.xml><?xml version="1.0" encoding="utf-8"?>
 <p:sld xmlns:a="http://schemas.openxmlformats.org/drawingml/2006/main" xmlns:r="http://schemas.openxmlformats.org/officeDocument/2006/relationships" xmlns:p="http://schemas.openxmlformats.org/presentationml/2006/main">
   <p:cSld>
     <p:spTree>
@@ -21217,7 +20759,7 @@
           <a:lstStyle/>
           <a:p>
             <a:r>
-              <a:rPr lang="en-US" dirty="0"/>
+              <a:rPr lang="en-US" b="1" dirty="0"/>
               <a:t>Is there a significant relationship between our two categorical groups in terms of number of occurrences per group?</a:t>
             </a:r>
           </a:p>
@@ -21311,7 +20853,7 @@
           <a:p>
             <a:fld id="{E31375A4-56A4-47D6-9801-1991572033F7}" type="slidenum">
               <a:rPr lang="en-US" smtClean="0"/>
-              <a:t>18</a:t>
+              <a:t>15</a:t>
             </a:fld>
             <a:endParaRPr lang="en-US"/>
           </a:p>
@@ -21332,13 +20874,13 @@
           <p:nvPr>
             <p:extLst>
               <p:ext uri="{D42A27DB-BD31-4B8C-83A1-F6EECF244321}">
-                <p14:modId xmlns:p14="http://schemas.microsoft.com/office/powerpoint/2010/main" val="1869443342"/>
+                <p14:modId xmlns:p14="http://schemas.microsoft.com/office/powerpoint/2010/main" val="1925866595"/>
               </p:ext>
             </p:extLst>
           </p:nvPr>
         </p:nvGraphicFramePr>
         <p:xfrm>
-          <a:off x="7394989" y="3281227"/>
+          <a:off x="7394989" y="3334195"/>
           <a:ext cx="3817549" cy="1653618"/>
         </p:xfrm>
         <a:graphic>
@@ -21825,6 +21367,53 @@
           </a:p>
         </p:txBody>
       </p:sp>
+      <p:sp>
+        <p:nvSpPr>
+          <p:cNvPr id="2" name="Rectangle 1">
+            <a:extLst>
+              <a:ext uri="{FF2B5EF4-FFF2-40B4-BE49-F238E27FC236}">
+                <a16:creationId xmlns:a16="http://schemas.microsoft.com/office/drawing/2014/main" id="{374FF640-DC26-4FED-26F0-F5129BC8B86F}"/>
+              </a:ext>
+            </a:extLst>
+          </p:cNvPr>
+          <p:cNvSpPr/>
+          <p:nvPr/>
+        </p:nvSpPr>
+        <p:spPr>
+          <a:xfrm>
+            <a:off x="1509207" y="2919643"/>
+            <a:ext cx="5535649" cy="2815099"/>
+          </a:xfrm>
+          <a:prstGeom prst="rect">
+            <a:avLst/>
+          </a:prstGeom>
+          <a:noFill/>
+        </p:spPr>
+        <p:style>
+          <a:lnRef idx="2">
+            <a:schemeClr val="accent1">
+              <a:shade val="50000"/>
+            </a:schemeClr>
+          </a:lnRef>
+          <a:fillRef idx="1">
+            <a:schemeClr val="accent1"/>
+          </a:fillRef>
+          <a:effectRef idx="0">
+            <a:schemeClr val="accent1"/>
+          </a:effectRef>
+          <a:fontRef idx="minor">
+            <a:schemeClr val="lt1"/>
+          </a:fontRef>
+        </p:style>
+        <p:txBody>
+          <a:bodyPr rtlCol="0" anchor="ctr"/>
+          <a:lstStyle/>
+          <a:p>
+            <a:pPr algn="ctr"/>
+            <a:endParaRPr lang="en-US"/>
+          </a:p>
+        </p:txBody>
+      </p:sp>
     </p:spTree>
     <p:extLst>
       <p:ext uri="{BB962C8B-B14F-4D97-AF65-F5344CB8AC3E}">
@@ -21835,13 +21424,13 @@
   <p:clrMapOvr>
     <a:masterClrMapping/>
   </p:clrMapOvr>
-  <mc:AlternateContent xmlns:mc="http://schemas.openxmlformats.org/markup-compatibility/2006">
-    <mc:Choice xmlns:p14="http://schemas.microsoft.com/office/powerpoint/2010/main" Requires="p14">
+  <mc:AlternateContent xmlns:mc="http://schemas.openxmlformats.org/markup-compatibility/2006" xmlns:p14="http://schemas.microsoft.com/office/powerpoint/2010/main">
+    <mc:Choice Requires="p14">
       <p:transition spd="med" p14:dur="700">
         <p:fade/>
       </p:transition>
     </mc:Choice>
-    <mc:Fallback>
+    <mc:Fallback xmlns="">
       <p:transition spd="med">
         <p:fade/>
       </p:transition>
@@ -21850,7 +21439,7 @@
 </p:sld>
 </file>
 
-<file path=ppt/slides/slide19.xml><?xml version="1.0" encoding="utf-8"?>
+<file path=ppt/slides/slide16.xml><?xml version="1.0" encoding="utf-8"?>
 <p:sld xmlns:a="http://schemas.openxmlformats.org/drawingml/2006/main" xmlns:r="http://schemas.openxmlformats.org/officeDocument/2006/relationships" xmlns:p="http://schemas.openxmlformats.org/presentationml/2006/main">
   <p:cSld>
     <p:spTree>
@@ -21890,7 +21479,7 @@
           <a:lstStyle/>
           <a:p>
             <a:r>
-              <a:rPr lang="en-US" dirty="0"/>
+              <a:rPr lang="en-US" b="1" dirty="0"/>
               <a:t>Given there is a relationship between our two categorical groups, how strong is this relationship?</a:t>
             </a:r>
           </a:p>
@@ -21981,7 +21570,7 @@
           <a:p>
             <a:fld id="{E31375A4-56A4-47D6-9801-1991572033F7}" type="slidenum">
               <a:rPr lang="en-US" smtClean="0"/>
-              <a:t>19</a:t>
+              <a:t>16</a:t>
             </a:fld>
             <a:endParaRPr lang="en-US"/>
           </a:p>
@@ -22002,13 +21591,13 @@
           <p:nvPr>
             <p:extLst>
               <p:ext uri="{D42A27DB-BD31-4B8C-83A1-F6EECF244321}">
-                <p14:modId xmlns:p14="http://schemas.microsoft.com/office/powerpoint/2010/main" val="3273400494"/>
+                <p14:modId xmlns:p14="http://schemas.microsoft.com/office/powerpoint/2010/main" val="3042100544"/>
               </p:ext>
             </p:extLst>
           </p:nvPr>
         </p:nvGraphicFramePr>
         <p:xfrm>
-          <a:off x="6737631" y="3132127"/>
+          <a:off x="6737631" y="3045350"/>
           <a:ext cx="3817549" cy="2148840"/>
         </p:xfrm>
         <a:graphic>
@@ -22608,212 +22197,49 @@
           </a:p>
         </p:txBody>
       </p:sp>
-    </p:spTree>
-    <p:extLst>
-      <p:ext uri="{BB962C8B-B14F-4D97-AF65-F5344CB8AC3E}">
-        <p14:creationId xmlns:p14="http://schemas.microsoft.com/office/powerpoint/2010/main" val="1069387781"/>
-      </p:ext>
-    </p:extLst>
-  </p:cSld>
-  <p:clrMapOvr>
-    <a:masterClrMapping/>
-  </p:clrMapOvr>
-  <mc:AlternateContent xmlns:mc="http://schemas.openxmlformats.org/markup-compatibility/2006">
-    <mc:Choice xmlns:p14="http://schemas.microsoft.com/office/powerpoint/2010/main" Requires="p14">
-      <p:transition spd="med" p14:dur="700">
-        <p:fade/>
-      </p:transition>
-    </mc:Choice>
-    <mc:Fallback>
-      <p:transition spd="med">
-        <p:fade/>
-      </p:transition>
-    </mc:Fallback>
-  </mc:AlternateContent>
-</p:sld>
-</file>
-
-<file path=ppt/slides/slide2.xml><?xml version="1.0" encoding="utf-8"?>
-<p:sld xmlns:a="http://schemas.openxmlformats.org/drawingml/2006/main" xmlns:r="http://schemas.openxmlformats.org/officeDocument/2006/relationships" xmlns:p="http://schemas.openxmlformats.org/presentationml/2006/main">
-  <p:cSld>
-    <p:spTree>
-      <p:nvGrpSpPr>
-        <p:cNvPr id="1" name=""/>
-        <p:cNvGrpSpPr/>
-        <p:nvPr/>
-      </p:nvGrpSpPr>
-      <p:grpSpPr>
-        <a:xfrm>
-          <a:off x="0" y="0"/>
-          <a:ext cx="0" cy="0"/>
-          <a:chOff x="0" y="0"/>
-          <a:chExt cx="0" cy="0"/>
-        </a:xfrm>
-      </p:grpSpPr>
       <p:sp>
         <p:nvSpPr>
-          <p:cNvPr id="2" name="Title 1"/>
-          <p:cNvSpPr>
-            <a:spLocks noGrp="1"/>
-          </p:cNvSpPr>
-          <p:nvPr>
-            <p:ph type="title"/>
-          </p:nvPr>
+          <p:cNvPr id="2" name="Rectangle 1">
+            <a:extLst>
+              <a:ext uri="{FF2B5EF4-FFF2-40B4-BE49-F238E27FC236}">
+                <a16:creationId xmlns:a16="http://schemas.microsoft.com/office/drawing/2014/main" id="{C1815709-18CE-BFAF-ADE5-3DB26CCC3B32}"/>
+              </a:ext>
+            </a:extLst>
+          </p:cNvPr>
+          <p:cNvSpPr/>
+          <p:nvPr/>
         </p:nvSpPr>
         <p:spPr>
           <a:xfrm>
-            <a:off x="103367" y="0"/>
-            <a:ext cx="9601200" cy="660276"/>
+            <a:off x="2130950" y="3045350"/>
+            <a:ext cx="3705308" cy="2091194"/>
           </a:xfrm>
+          <a:prstGeom prst="rect">
+            <a:avLst/>
+          </a:prstGeom>
+          <a:noFill/>
         </p:spPr>
+        <p:style>
+          <a:lnRef idx="2">
+            <a:schemeClr val="accent1">
+              <a:shade val="50000"/>
+            </a:schemeClr>
+          </a:lnRef>
+          <a:fillRef idx="1">
+            <a:schemeClr val="accent1"/>
+          </a:fillRef>
+          <a:effectRef idx="0">
+            <a:schemeClr val="accent1"/>
+          </a:effectRef>
+          <a:fontRef idx="minor">
+            <a:schemeClr val="lt1"/>
+          </a:fontRef>
+        </p:style>
         <p:txBody>
-          <a:bodyPr/>
+          <a:bodyPr rtlCol="0" anchor="ctr"/>
           <a:lstStyle/>
           <a:p>
-            <a:r>
-              <a:rPr lang="en-US" dirty="0"/>
-              <a:t>Agenda</a:t>
-            </a:r>
-          </a:p>
-        </p:txBody>
-      </p:sp>
-      <p:sp>
-        <p:nvSpPr>
-          <p:cNvPr id="3" name="Content Placeholder 2"/>
-          <p:cNvSpPr>
-            <a:spLocks noGrp="1"/>
-          </p:cNvSpPr>
-          <p:nvPr>
-            <p:ph idx="1"/>
-          </p:nvPr>
-        </p:nvSpPr>
-        <p:spPr>
-          <a:xfrm>
-            <a:off x="1223839" y="1368951"/>
-            <a:ext cx="9601200" cy="3809999"/>
-          </a:xfrm>
-        </p:spPr>
-        <p:txBody>
-          <a:bodyPr/>
-          <a:lstStyle/>
-          <a:p>
-            <a:pPr marL="457200" indent="-457200">
-              <a:buFont typeface="+mj-lt"/>
-              <a:buAutoNum type="arabicPeriod"/>
-            </a:pPr>
-            <a:r>
-              <a:rPr lang="en-US" dirty="0"/>
-              <a:t>Research Question</a:t>
-            </a:r>
-          </a:p>
-          <a:p>
-            <a:pPr marL="457200" indent="-457200">
-              <a:buFont typeface="+mj-lt"/>
-              <a:buAutoNum type="arabicPeriod"/>
-            </a:pPr>
-            <a:r>
-              <a:rPr lang="en-US" dirty="0"/>
-              <a:t>Data Source</a:t>
-            </a:r>
-          </a:p>
-          <a:p>
-            <a:pPr marL="457200" indent="-457200">
-              <a:buFont typeface="+mj-lt"/>
-              <a:buAutoNum type="arabicPeriod"/>
-            </a:pPr>
-            <a:r>
-              <a:rPr lang="en-US" dirty="0"/>
-              <a:t>Data Exploration</a:t>
-            </a:r>
-          </a:p>
-          <a:p>
-            <a:pPr marL="457200" indent="-457200">
-              <a:buFont typeface="+mj-lt"/>
-              <a:buAutoNum type="arabicPeriod"/>
-            </a:pPr>
-            <a:r>
-              <a:rPr lang="en-US" dirty="0"/>
-              <a:t>Inferences</a:t>
-            </a:r>
-          </a:p>
-          <a:p>
-            <a:pPr marL="457200" indent="-457200">
-              <a:buFont typeface="+mj-lt"/>
-              <a:buAutoNum type="arabicPeriod"/>
-            </a:pPr>
-            <a:r>
-              <a:rPr lang="en-US" dirty="0"/>
-              <a:t>Conclusions</a:t>
-            </a:r>
-          </a:p>
-          <a:p>
-            <a:pPr marL="457200" indent="-457200">
-              <a:buFont typeface="+mj-lt"/>
-              <a:buAutoNum type="arabicPeriod"/>
-            </a:pPr>
-            <a:r>
-              <a:rPr lang="en-US" dirty="0"/>
-              <a:t>Look back and ahead</a:t>
-            </a:r>
-          </a:p>
-          <a:p>
-            <a:endParaRPr lang="en-US" dirty="0"/>
-          </a:p>
-        </p:txBody>
-      </p:sp>
-      <p:sp>
-        <p:nvSpPr>
-          <p:cNvPr id="4" name="Footer Placeholder 3">
-            <a:extLst>
-              <a:ext uri="{FF2B5EF4-FFF2-40B4-BE49-F238E27FC236}">
-                <a16:creationId xmlns:a16="http://schemas.microsoft.com/office/drawing/2014/main" id="{9F1184C7-D25A-7FD6-CE2E-B36975A9A003}"/>
-              </a:ext>
-            </a:extLst>
-          </p:cNvPr>
-          <p:cNvSpPr>
-            <a:spLocks noGrp="1"/>
-          </p:cNvSpPr>
-          <p:nvPr>
-            <p:ph type="ftr" sz="quarter" idx="11"/>
-          </p:nvPr>
-        </p:nvSpPr>
-        <p:spPr/>
-        <p:txBody>
-          <a:bodyPr/>
-          <a:lstStyle/>
-          <a:p>
-            <a:r>
-              <a:rPr lang="en-US" dirty="0"/>
-              <a:t>FEUP</a:t>
-            </a:r>
-          </a:p>
-        </p:txBody>
-      </p:sp>
-      <p:sp>
-        <p:nvSpPr>
-          <p:cNvPr id="5" name="Slide Number Placeholder 4">
-            <a:extLst>
-              <a:ext uri="{FF2B5EF4-FFF2-40B4-BE49-F238E27FC236}">
-                <a16:creationId xmlns:a16="http://schemas.microsoft.com/office/drawing/2014/main" id="{4239C259-0E8F-1058-1C6D-F1F08D49DE33}"/>
-              </a:ext>
-            </a:extLst>
-          </p:cNvPr>
-          <p:cNvSpPr>
-            <a:spLocks noGrp="1"/>
-          </p:cNvSpPr>
-          <p:nvPr>
-            <p:ph type="sldNum" sz="quarter" idx="12"/>
-          </p:nvPr>
-        </p:nvSpPr>
-        <p:spPr/>
-        <p:txBody>
-          <a:bodyPr/>
-          <a:lstStyle/>
-          <a:p>
-            <a:fld id="{E31375A4-56A4-47D6-9801-1991572033F7}" type="slidenum">
-              <a:rPr lang="en-US" smtClean="0"/>
-              <a:t>2</a:t>
-            </a:fld>
+            <a:pPr algn="ctr"/>
             <a:endParaRPr lang="en-US"/>
           </a:p>
         </p:txBody>
@@ -22821,7 +22247,7 @@
     </p:spTree>
     <p:extLst>
       <p:ext uri="{BB962C8B-B14F-4D97-AF65-F5344CB8AC3E}">
-        <p14:creationId xmlns:p14="http://schemas.microsoft.com/office/powerpoint/2010/main" val="3984617762"/>
+        <p14:creationId xmlns:p14="http://schemas.microsoft.com/office/powerpoint/2010/main" val="1069387781"/>
       </p:ext>
     </p:extLst>
   </p:cSld>
@@ -22843,7 +22269,7 @@
 </p:sld>
 </file>
 
-<file path=ppt/slides/slide20.xml><?xml version="1.0" encoding="utf-8"?>
+<file path=ppt/slides/slide17.xml><?xml version="1.0" encoding="utf-8"?>
 <p:sld xmlns:a="http://schemas.openxmlformats.org/drawingml/2006/main" xmlns:r="http://schemas.openxmlformats.org/officeDocument/2006/relationships" xmlns:p="http://schemas.openxmlformats.org/presentationml/2006/main">
   <p:cSld>
     <p:spTree>
@@ -22883,7 +22309,7 @@
           <a:lstStyle/>
           <a:p>
             <a:r>
-              <a:rPr lang="en-US" dirty="0"/>
+              <a:rPr lang="en-US" b="1" dirty="0"/>
               <a:t>Is there a significant statistical difference between burnt areas according to our categorical groups?</a:t>
             </a:r>
           </a:p>
@@ -22971,7 +22397,7 @@
           <a:p>
             <a:fld id="{E31375A4-56A4-47D6-9801-1991572033F7}" type="slidenum">
               <a:rPr lang="en-US" smtClean="0"/>
-              <a:t>20</a:t>
+              <a:t>17</a:t>
             </a:fld>
             <a:endParaRPr lang="en-US"/>
           </a:p>
@@ -23499,7 +22925,7 @@
         </p:nvCxnSpPr>
         <p:spPr>
           <a:xfrm>
-            <a:off x="4382502" y="3635146"/>
+            <a:off x="4402396" y="3566815"/>
             <a:ext cx="0" cy="173924"/>
           </a:xfrm>
           <a:prstGeom prst="straightConnector1">
@@ -23581,7 +23007,7 @@
         </p:nvSpPr>
         <p:spPr>
           <a:xfrm>
-            <a:off x="2545847" y="3050371"/>
+            <a:off x="2561750" y="2982040"/>
             <a:ext cx="4479767" cy="584775"/>
           </a:xfrm>
           <a:prstGeom prst="rect">
@@ -23699,6 +23125,53 @@
           </a:p>
         </p:txBody>
       </p:sp>
+      <p:sp>
+        <p:nvSpPr>
+          <p:cNvPr id="2" name="Rectangle 1">
+            <a:extLst>
+              <a:ext uri="{FF2B5EF4-FFF2-40B4-BE49-F238E27FC236}">
+                <a16:creationId xmlns:a16="http://schemas.microsoft.com/office/drawing/2014/main" id="{07CFBE54-838A-77D7-1E25-60F0040AC92D}"/>
+              </a:ext>
+            </a:extLst>
+          </p:cNvPr>
+          <p:cNvSpPr/>
+          <p:nvPr/>
+        </p:nvSpPr>
+        <p:spPr>
+          <a:xfrm>
+            <a:off x="1509207" y="2919643"/>
+            <a:ext cx="6036581" cy="2815099"/>
+          </a:xfrm>
+          <a:prstGeom prst="rect">
+            <a:avLst/>
+          </a:prstGeom>
+          <a:noFill/>
+        </p:spPr>
+        <p:style>
+          <a:lnRef idx="2">
+            <a:schemeClr val="accent1">
+              <a:shade val="50000"/>
+            </a:schemeClr>
+          </a:lnRef>
+          <a:fillRef idx="1">
+            <a:schemeClr val="accent1"/>
+          </a:fillRef>
+          <a:effectRef idx="0">
+            <a:schemeClr val="accent1"/>
+          </a:effectRef>
+          <a:fontRef idx="minor">
+            <a:schemeClr val="lt1"/>
+          </a:fontRef>
+        </p:style>
+        <p:txBody>
+          <a:bodyPr rtlCol="0" anchor="ctr"/>
+          <a:lstStyle/>
+          <a:p>
+            <a:pPr algn="ctr"/>
+            <a:endParaRPr lang="en-US"/>
+          </a:p>
+        </p:txBody>
+      </p:sp>
     </p:spTree>
     <p:extLst>
       <p:ext uri="{BB962C8B-B14F-4D97-AF65-F5344CB8AC3E}">
@@ -23709,13 +23182,13 @@
   <p:clrMapOvr>
     <a:masterClrMapping/>
   </p:clrMapOvr>
-  <mc:AlternateContent xmlns:mc="http://schemas.openxmlformats.org/markup-compatibility/2006">
-    <mc:Choice xmlns:p14="http://schemas.microsoft.com/office/powerpoint/2010/main" Requires="p14">
+  <mc:AlternateContent xmlns:mc="http://schemas.openxmlformats.org/markup-compatibility/2006" xmlns:p14="http://schemas.microsoft.com/office/powerpoint/2010/main">
+    <mc:Choice Requires="p14">
       <p:transition spd="med" p14:dur="700">
         <p:fade/>
       </p:transition>
     </mc:Choice>
-    <mc:Fallback>
+    <mc:Fallback xmlns="">
       <p:transition spd="med">
         <p:fade/>
       </p:transition>
@@ -23724,7 +23197,7 @@
 </p:sld>
 </file>
 
-<file path=ppt/slides/slide21.xml><?xml version="1.0" encoding="utf-8"?>
+<file path=ppt/slides/slide18.xml><?xml version="1.0" encoding="utf-8"?>
 <p:sld xmlns:a="http://schemas.openxmlformats.org/drawingml/2006/main" xmlns:r="http://schemas.openxmlformats.org/officeDocument/2006/relationships" xmlns:p="http://schemas.openxmlformats.org/presentationml/2006/main">
   <p:cSld>
     <p:spTree>
@@ -23764,7 +23237,7 @@
           <a:lstStyle/>
           <a:p>
             <a:r>
-              <a:rPr lang="en-US" dirty="0"/>
+              <a:rPr lang="en-US" b="1" dirty="0"/>
               <a:t>Is there a correlation between our variables of interest?</a:t>
             </a:r>
           </a:p>
@@ -23782,20 +23255,7 @@
                 <a:effectLst/>
                 <a:latin typeface="Arial" panose="020B0604020202020204" pitchFamily="34" charset="0"/>
               </a:rPr>
-              <a:t>H0: There is no (monotonic</a:t>
-            </a:r>
-            <a:r>
-              <a:rPr lang="en-US" dirty="0">
-                <a:latin typeface="Arial" panose="020B0604020202020204" pitchFamily="34" charset="0"/>
-              </a:rPr>
-              <a:t>)</a:t>
-            </a:r>
-            <a:r>
-              <a:rPr lang="en-US" b="0" i="0" dirty="0">
-                <a:effectLst/>
-                <a:latin typeface="Arial" panose="020B0604020202020204" pitchFamily="34" charset="0"/>
-              </a:rPr>
-              <a:t> association between the two variables </a:t>
+              <a:t>H0: There is no (monotonic) association between the two variables </a:t>
             </a:r>
             <a:endParaRPr lang="en-US" dirty="0"/>
           </a:p>
@@ -23804,6 +23264,9 @@
               <a:buNone/>
             </a:pPr>
             <a:endParaRPr lang="en-US" sz="1400" dirty="0"/>
+          </a:p>
+          <a:p>
+            <a:endParaRPr lang="en-US" dirty="0"/>
           </a:p>
           <a:p>
             <a:endParaRPr lang="en-US" dirty="0"/>
@@ -23871,7 +23334,7 @@
           <a:p>
             <a:fld id="{E31375A4-56A4-47D6-9801-1991572033F7}" type="slidenum">
               <a:rPr lang="en-US" smtClean="0"/>
-              <a:t>21</a:t>
+              <a:t>18</a:t>
             </a:fld>
             <a:endParaRPr lang="en-US"/>
           </a:p>
@@ -24325,235 +23788,6 @@
   <p:clrMapOvr>
     <a:masterClrMapping/>
   </p:clrMapOvr>
-  <mc:AlternateContent xmlns:mc="http://schemas.openxmlformats.org/markup-compatibility/2006">
-    <mc:Choice xmlns:p14="http://schemas.microsoft.com/office/powerpoint/2010/main" Requires="p14">
-      <p:transition spd="med" p14:dur="700">
-        <p:fade/>
-      </p:transition>
-    </mc:Choice>
-    <mc:Fallback>
-      <p:transition spd="med">
-        <p:fade/>
-      </p:transition>
-    </mc:Fallback>
-  </mc:AlternateContent>
-</p:sld>
-</file>
-
-<file path=ppt/slides/slide22.xml><?xml version="1.0" encoding="utf-8"?>
-<p:sld xmlns:a="http://schemas.openxmlformats.org/drawingml/2006/main" xmlns:r="http://schemas.openxmlformats.org/officeDocument/2006/relationships" xmlns:p="http://schemas.openxmlformats.org/presentationml/2006/main">
-  <p:cSld>
-    <p:spTree>
-      <p:nvGrpSpPr>
-        <p:cNvPr id="1" name=""/>
-        <p:cNvGrpSpPr/>
-        <p:nvPr/>
-      </p:nvGrpSpPr>
-      <p:grpSpPr>
-        <a:xfrm>
-          <a:off x="0" y="0"/>
-          <a:ext cx="0" cy="0"/>
-          <a:chOff x="0" y="0"/>
-          <a:chExt cx="0" cy="0"/>
-        </a:xfrm>
-      </p:grpSpPr>
-      <p:sp>
-        <p:nvSpPr>
-          <p:cNvPr id="2" name="Title 1"/>
-          <p:cNvSpPr>
-            <a:spLocks noGrp="1"/>
-          </p:cNvSpPr>
-          <p:nvPr>
-            <p:ph type="title"/>
-          </p:nvPr>
-        </p:nvSpPr>
-        <p:spPr/>
-        <p:txBody>
-          <a:bodyPr/>
-          <a:lstStyle/>
-          <a:p>
-            <a:r>
-              <a:rPr lang="en-US" dirty="0"/>
-              <a:t>5. Conclusions</a:t>
-            </a:r>
-          </a:p>
-        </p:txBody>
-      </p:sp>
-      <p:sp>
-        <p:nvSpPr>
-          <p:cNvPr id="3" name="Content Placeholder 2"/>
-          <p:cNvSpPr>
-            <a:spLocks noGrp="1"/>
-          </p:cNvSpPr>
-          <p:nvPr>
-            <p:ph idx="1"/>
-          </p:nvPr>
-        </p:nvSpPr>
-        <p:spPr/>
-        <p:txBody>
-          <a:bodyPr>
-            <a:normAutofit fontScale="85000" lnSpcReduction="10000"/>
-          </a:bodyPr>
-          <a:lstStyle/>
-          <a:p>
-            <a:r>
-              <a:rPr lang="en-US" sz="2000" dirty="0"/>
-              <a:t>Our variables of interest do not follow a normal distribution</a:t>
-            </a:r>
-          </a:p>
-          <a:p>
-            <a:r>
-              <a:rPr lang="en-US" sz="2000" dirty="0"/>
-              <a:t>Coastal proximity occurrences’ number is related with number of occurrences of re-ignition fires higher and lower districts group.</a:t>
-            </a:r>
-          </a:p>
-          <a:p>
-            <a:pPr algn="just"/>
-            <a:r>
-              <a:rPr lang="en-US" sz="2000" dirty="0"/>
-              <a:t>The relation of occurrences frequency between our categorical variable is very weak.</a:t>
-            </a:r>
-          </a:p>
-          <a:p>
-            <a:pPr algn="just"/>
-            <a:r>
-              <a:rPr lang="en-US" dirty="0"/>
-              <a:t>N</a:t>
-            </a:r>
-            <a:r>
-              <a:rPr lang="en-US" sz="2000" dirty="0"/>
-              <a:t>o evidence to say burnt area of coastal group is different from burnt area of interior group.</a:t>
-            </a:r>
-          </a:p>
-          <a:p>
-            <a:pPr algn="just"/>
-            <a:r>
-              <a:rPr lang="en-US" dirty="0"/>
-              <a:t>N</a:t>
-            </a:r>
-            <a:r>
-              <a:rPr lang="en-US" sz="2000" dirty="0"/>
-              <a:t>o evidence to say burnt area of higher occurrence districts group and lower occurrence districts group.</a:t>
-            </a:r>
-          </a:p>
-          <a:p>
-            <a:r>
-              <a:rPr lang="en-US" sz="2000" dirty="0"/>
-              <a:t>Burnt area + Extinction time: positive correlation</a:t>
-            </a:r>
-          </a:p>
-          <a:p>
-            <a:r>
-              <a:rPr lang="en-US" sz="2000" kern="1200" dirty="0">
-                <a:solidFill>
-                  <a:schemeClr val="tx1"/>
-                </a:solidFill>
-                <a:latin typeface="+mn-lt"/>
-                <a:ea typeface="+mn-ea"/>
-                <a:cs typeface="+mn-cs"/>
-              </a:rPr>
-              <a:t>Burnt area + Intervention time: positive weak correlation</a:t>
-            </a:r>
-          </a:p>
-          <a:p>
-            <a:r>
-              <a:rPr lang="en-US" sz="2000" kern="1200" dirty="0">
-                <a:solidFill>
-                  <a:schemeClr val="tx1"/>
-                </a:solidFill>
-                <a:latin typeface="+mn-lt"/>
-                <a:ea typeface="+mn-ea"/>
-                <a:cs typeface="+mn-cs"/>
-              </a:rPr>
-              <a:t>Extinction time + Intervention time positive very weak correlation</a:t>
-            </a:r>
-          </a:p>
-          <a:p>
-            <a:endParaRPr lang="en-US" sz="2000" b="1" kern="1200" dirty="0">
-              <a:solidFill>
-                <a:schemeClr val="tx1"/>
-              </a:solidFill>
-              <a:latin typeface="+mn-lt"/>
-              <a:ea typeface="+mn-ea"/>
-              <a:cs typeface="+mn-cs"/>
-            </a:endParaRPr>
-          </a:p>
-          <a:p>
-            <a:endParaRPr lang="en-US" sz="2000" dirty="0"/>
-          </a:p>
-          <a:p>
-            <a:endParaRPr lang="en-US" dirty="0"/>
-          </a:p>
-        </p:txBody>
-      </p:sp>
-      <p:sp>
-        <p:nvSpPr>
-          <p:cNvPr id="4" name="Footer Placeholder 3">
-            <a:extLst>
-              <a:ext uri="{FF2B5EF4-FFF2-40B4-BE49-F238E27FC236}">
-                <a16:creationId xmlns:a16="http://schemas.microsoft.com/office/drawing/2014/main" id="{8A321040-9C3F-03A3-6141-C14A83E2EC28}"/>
-              </a:ext>
-            </a:extLst>
-          </p:cNvPr>
-          <p:cNvSpPr>
-            <a:spLocks noGrp="1"/>
-          </p:cNvSpPr>
-          <p:nvPr>
-            <p:ph type="ftr" sz="quarter" idx="11"/>
-          </p:nvPr>
-        </p:nvSpPr>
-        <p:spPr/>
-        <p:txBody>
-          <a:bodyPr/>
-          <a:lstStyle/>
-          <a:p>
-            <a:r>
-              <a:rPr lang="en-US"/>
-              <a:t>FEUP</a:t>
-            </a:r>
-            <a:endParaRPr lang="en-US" dirty="0"/>
-          </a:p>
-        </p:txBody>
-      </p:sp>
-      <p:sp>
-        <p:nvSpPr>
-          <p:cNvPr id="5" name="Slide Number Placeholder 4">
-            <a:extLst>
-              <a:ext uri="{FF2B5EF4-FFF2-40B4-BE49-F238E27FC236}">
-                <a16:creationId xmlns:a16="http://schemas.microsoft.com/office/drawing/2014/main" id="{E10AD571-27FA-8CB7-F6E7-ADF511765685}"/>
-              </a:ext>
-            </a:extLst>
-          </p:cNvPr>
-          <p:cNvSpPr>
-            <a:spLocks noGrp="1"/>
-          </p:cNvSpPr>
-          <p:nvPr>
-            <p:ph type="sldNum" sz="quarter" idx="12"/>
-          </p:nvPr>
-        </p:nvSpPr>
-        <p:spPr/>
-        <p:txBody>
-          <a:bodyPr/>
-          <a:lstStyle/>
-          <a:p>
-            <a:fld id="{E31375A4-56A4-47D6-9801-1991572033F7}" type="slidenum">
-              <a:rPr lang="en-US" smtClean="0"/>
-              <a:t>22</a:t>
-            </a:fld>
-            <a:endParaRPr lang="en-US"/>
-          </a:p>
-        </p:txBody>
-      </p:sp>
-    </p:spTree>
-    <p:extLst>
-      <p:ext uri="{BB962C8B-B14F-4D97-AF65-F5344CB8AC3E}">
-        <p14:creationId xmlns:p14="http://schemas.microsoft.com/office/powerpoint/2010/main" val="1538319046"/>
-      </p:ext>
-    </p:extLst>
-  </p:cSld>
-  <p:clrMapOvr>
-    <a:masterClrMapping/>
-  </p:clrMapOvr>
   <mc:AlternateContent xmlns:mc="http://schemas.openxmlformats.org/markup-compatibility/2006" xmlns:p14="http://schemas.microsoft.com/office/powerpoint/2010/main">
     <mc:Choice Requires="p14">
       <p:transition spd="med" p14:dur="700">
@@ -24569,674 +23803,7 @@
 </p:sld>
 </file>
 
-<file path=ppt/slides/slide23.xml><?xml version="1.0" encoding="utf-8"?>
-<p:sld xmlns:a="http://schemas.openxmlformats.org/drawingml/2006/main" xmlns:r="http://schemas.openxmlformats.org/officeDocument/2006/relationships" xmlns:p="http://schemas.openxmlformats.org/presentationml/2006/main">
-  <p:cSld>
-    <p:spTree>
-      <p:nvGrpSpPr>
-        <p:cNvPr id="1" name=""/>
-        <p:cNvGrpSpPr/>
-        <p:nvPr/>
-      </p:nvGrpSpPr>
-      <p:grpSpPr>
-        <a:xfrm>
-          <a:off x="0" y="0"/>
-          <a:ext cx="0" cy="0"/>
-          <a:chOff x="0" y="0"/>
-          <a:chExt cx="0" cy="0"/>
-        </a:xfrm>
-      </p:grpSpPr>
-      <p:sp>
-        <p:nvSpPr>
-          <p:cNvPr id="2" name="Title 1"/>
-          <p:cNvSpPr>
-            <a:spLocks noGrp="1"/>
-          </p:cNvSpPr>
-          <p:nvPr>
-            <p:ph type="title"/>
-          </p:nvPr>
-        </p:nvSpPr>
-        <p:spPr/>
-        <p:txBody>
-          <a:bodyPr/>
-          <a:lstStyle/>
-          <a:p>
-            <a:r>
-              <a:rPr lang="en-US" dirty="0"/>
-              <a:t>6. Look back and ahead</a:t>
-            </a:r>
-          </a:p>
-        </p:txBody>
-      </p:sp>
-      <p:sp>
-        <p:nvSpPr>
-          <p:cNvPr id="3" name="Content Placeholder 2"/>
-          <p:cNvSpPr>
-            <a:spLocks noGrp="1"/>
-          </p:cNvSpPr>
-          <p:nvPr>
-            <p:ph idx="1"/>
-          </p:nvPr>
-        </p:nvSpPr>
-        <p:spPr/>
-        <p:txBody>
-          <a:bodyPr/>
-          <a:lstStyle/>
-          <a:p>
-            <a:r>
-              <a:rPr lang="en-US" dirty="0"/>
-              <a:t>Research Question</a:t>
-            </a:r>
-          </a:p>
-          <a:p>
-            <a:r>
-              <a:rPr lang="en-US" dirty="0"/>
-              <a:t>Add your second bullet point here</a:t>
-            </a:r>
-          </a:p>
-          <a:p>
-            <a:r>
-              <a:rPr lang="en-US" dirty="0"/>
-              <a:t>Data Exploration</a:t>
-            </a:r>
-          </a:p>
-          <a:p>
-            <a:r>
-              <a:rPr lang="en-US" dirty="0"/>
-              <a:t>Inferences</a:t>
-            </a:r>
-          </a:p>
-          <a:p>
-            <a:r>
-              <a:rPr lang="en-US" dirty="0"/>
-              <a:t>Conclusion</a:t>
-            </a:r>
-          </a:p>
-          <a:p>
-            <a:r>
-              <a:rPr lang="en-US" dirty="0"/>
-              <a:t>Look back and ahead</a:t>
-            </a:r>
-          </a:p>
-          <a:p>
-            <a:endParaRPr lang="en-US" dirty="0"/>
-          </a:p>
-        </p:txBody>
-      </p:sp>
-      <p:sp>
-        <p:nvSpPr>
-          <p:cNvPr id="4" name="Footer Placeholder 3">
-            <a:extLst>
-              <a:ext uri="{FF2B5EF4-FFF2-40B4-BE49-F238E27FC236}">
-                <a16:creationId xmlns:a16="http://schemas.microsoft.com/office/drawing/2014/main" id="{8CE45956-E4AF-7EA0-4FF1-52C5B7D15DB0}"/>
-              </a:ext>
-            </a:extLst>
-          </p:cNvPr>
-          <p:cNvSpPr>
-            <a:spLocks noGrp="1"/>
-          </p:cNvSpPr>
-          <p:nvPr>
-            <p:ph type="ftr" sz="quarter" idx="11"/>
-          </p:nvPr>
-        </p:nvSpPr>
-        <p:spPr/>
-        <p:txBody>
-          <a:bodyPr/>
-          <a:lstStyle/>
-          <a:p>
-            <a:r>
-              <a:rPr lang="en-US"/>
-              <a:t>FEUP</a:t>
-            </a:r>
-            <a:endParaRPr lang="en-US" dirty="0"/>
-          </a:p>
-        </p:txBody>
-      </p:sp>
-      <p:sp>
-        <p:nvSpPr>
-          <p:cNvPr id="5" name="Slide Number Placeholder 4">
-            <a:extLst>
-              <a:ext uri="{FF2B5EF4-FFF2-40B4-BE49-F238E27FC236}">
-                <a16:creationId xmlns:a16="http://schemas.microsoft.com/office/drawing/2014/main" id="{6CF562A4-709B-2EF4-471A-5C8C397DC104}"/>
-              </a:ext>
-            </a:extLst>
-          </p:cNvPr>
-          <p:cNvSpPr>
-            <a:spLocks noGrp="1"/>
-          </p:cNvSpPr>
-          <p:nvPr>
-            <p:ph type="sldNum" sz="quarter" idx="12"/>
-          </p:nvPr>
-        </p:nvSpPr>
-        <p:spPr/>
-        <p:txBody>
-          <a:bodyPr/>
-          <a:lstStyle/>
-          <a:p>
-            <a:fld id="{E31375A4-56A4-47D6-9801-1991572033F7}" type="slidenum">
-              <a:rPr lang="en-US" smtClean="0"/>
-              <a:t>23</a:t>
-            </a:fld>
-            <a:endParaRPr lang="en-US"/>
-          </a:p>
-        </p:txBody>
-      </p:sp>
-    </p:spTree>
-    <p:extLst>
-      <p:ext uri="{BB962C8B-B14F-4D97-AF65-F5344CB8AC3E}">
-        <p14:creationId xmlns:p14="http://schemas.microsoft.com/office/powerpoint/2010/main" val="4015568293"/>
-      </p:ext>
-    </p:extLst>
-  </p:cSld>
-  <p:clrMapOvr>
-    <a:masterClrMapping/>
-  </p:clrMapOvr>
-  <mc:AlternateContent xmlns:mc="http://schemas.openxmlformats.org/markup-compatibility/2006" xmlns:p14="http://schemas.microsoft.com/office/powerpoint/2010/main">
-    <mc:Choice Requires="p14">
-      <p:transition spd="med" p14:dur="700">
-        <p:fade/>
-      </p:transition>
-    </mc:Choice>
-    <mc:Fallback xmlns="">
-      <p:transition spd="med">
-        <p:fade/>
-      </p:transition>
-    </mc:Fallback>
-  </mc:AlternateContent>
-</p:sld>
-</file>
-
-<file path=ppt/slides/slide3.xml><?xml version="1.0" encoding="utf-8"?>
-<p:sld xmlns:a="http://schemas.openxmlformats.org/drawingml/2006/main" xmlns:r="http://schemas.openxmlformats.org/officeDocument/2006/relationships" xmlns:p="http://schemas.openxmlformats.org/presentationml/2006/main">
-  <p:cSld>
-    <p:spTree>
-      <p:nvGrpSpPr>
-        <p:cNvPr id="1" name=""/>
-        <p:cNvGrpSpPr/>
-        <p:nvPr/>
-      </p:nvGrpSpPr>
-      <p:grpSpPr>
-        <a:xfrm>
-          <a:off x="0" y="0"/>
-          <a:ext cx="0" cy="0"/>
-          <a:chOff x="0" y="0"/>
-          <a:chExt cx="0" cy="0"/>
-        </a:xfrm>
-      </p:grpSpPr>
-      <p:sp>
-        <p:nvSpPr>
-          <p:cNvPr id="2" name="Title 1"/>
-          <p:cNvSpPr>
-            <a:spLocks noGrp="1"/>
-          </p:cNvSpPr>
-          <p:nvPr>
-            <p:ph type="title"/>
-          </p:nvPr>
-        </p:nvSpPr>
-        <p:spPr>
-          <a:xfrm>
-            <a:off x="71562" y="-527134"/>
-            <a:ext cx="9601200" cy="1142385"/>
-          </a:xfrm>
-        </p:spPr>
-        <p:txBody>
-          <a:bodyPr/>
-          <a:lstStyle/>
-          <a:p>
-            <a:r>
-              <a:rPr lang="en-US" dirty="0"/>
-              <a:t>1. Research Question</a:t>
-            </a:r>
-          </a:p>
-        </p:txBody>
-      </p:sp>
-      <p:sp>
-        <p:nvSpPr>
-          <p:cNvPr id="3" name="Content Placeholder 2"/>
-          <p:cNvSpPr>
-            <a:spLocks noGrp="1"/>
-          </p:cNvSpPr>
-          <p:nvPr>
-            <p:ph idx="1"/>
-          </p:nvPr>
-        </p:nvSpPr>
-        <p:spPr/>
-        <p:txBody>
-          <a:bodyPr/>
-          <a:lstStyle/>
-          <a:p>
-            <a:r>
-              <a:rPr lang="en-US" dirty="0"/>
-              <a:t>Research Question</a:t>
-            </a:r>
-          </a:p>
-          <a:p>
-            <a:endParaRPr lang="en-US" dirty="0"/>
-          </a:p>
-        </p:txBody>
-      </p:sp>
-      <p:sp>
-        <p:nvSpPr>
-          <p:cNvPr id="4" name="Footer Placeholder 3">
-            <a:extLst>
-              <a:ext uri="{FF2B5EF4-FFF2-40B4-BE49-F238E27FC236}">
-                <a16:creationId xmlns:a16="http://schemas.microsoft.com/office/drawing/2014/main" id="{BE0B6D6C-44C9-1051-0C91-998CECCC1D63}"/>
-              </a:ext>
-            </a:extLst>
-          </p:cNvPr>
-          <p:cNvSpPr>
-            <a:spLocks noGrp="1"/>
-          </p:cNvSpPr>
-          <p:nvPr>
-            <p:ph type="ftr" sz="quarter" idx="11"/>
-          </p:nvPr>
-        </p:nvSpPr>
-        <p:spPr/>
-        <p:txBody>
-          <a:bodyPr/>
-          <a:lstStyle/>
-          <a:p>
-            <a:r>
-              <a:rPr lang="en-US"/>
-              <a:t>FEUP</a:t>
-            </a:r>
-            <a:endParaRPr lang="en-US" dirty="0"/>
-          </a:p>
-        </p:txBody>
-      </p:sp>
-      <p:sp>
-        <p:nvSpPr>
-          <p:cNvPr id="5" name="Slide Number Placeholder 4">
-            <a:extLst>
-              <a:ext uri="{FF2B5EF4-FFF2-40B4-BE49-F238E27FC236}">
-                <a16:creationId xmlns:a16="http://schemas.microsoft.com/office/drawing/2014/main" id="{5A4DF306-6297-E3A1-8E54-B741481235E8}"/>
-              </a:ext>
-            </a:extLst>
-          </p:cNvPr>
-          <p:cNvSpPr>
-            <a:spLocks noGrp="1"/>
-          </p:cNvSpPr>
-          <p:nvPr>
-            <p:ph type="sldNum" sz="quarter" idx="12"/>
-          </p:nvPr>
-        </p:nvSpPr>
-        <p:spPr/>
-        <p:txBody>
-          <a:bodyPr/>
-          <a:lstStyle/>
-          <a:p>
-            <a:fld id="{E31375A4-56A4-47D6-9801-1991572033F7}" type="slidenum">
-              <a:rPr lang="en-US" smtClean="0"/>
-              <a:t>3</a:t>
-            </a:fld>
-            <a:endParaRPr lang="en-US"/>
-          </a:p>
-        </p:txBody>
-      </p:sp>
-      <p:pic>
-        <p:nvPicPr>
-          <p:cNvPr id="6" name="Picture 5">
-            <a:extLst>
-              <a:ext uri="{FF2B5EF4-FFF2-40B4-BE49-F238E27FC236}">
-                <a16:creationId xmlns:a16="http://schemas.microsoft.com/office/drawing/2014/main" id="{BF6F9CB6-5715-418D-406F-A680A196350F}"/>
-              </a:ext>
-            </a:extLst>
-          </p:cNvPr>
-          <p:cNvPicPr>
-            <a:picLocks noChangeAspect="1"/>
-          </p:cNvPicPr>
-          <p:nvPr/>
-        </p:nvPicPr>
-        <p:blipFill rotWithShape="1">
-          <a:blip r:embed="rId3"/>
-          <a:srcRect r="526"/>
-          <a:stretch/>
-        </p:blipFill>
-        <p:spPr>
-          <a:xfrm>
-            <a:off x="7840592" y="2263989"/>
-            <a:ext cx="3284160" cy="2155092"/>
-          </a:xfrm>
-          <a:prstGeom prst="rect">
-            <a:avLst/>
-          </a:prstGeom>
-        </p:spPr>
-      </p:pic>
-      <p:sp>
-        <p:nvSpPr>
-          <p:cNvPr id="7" name="TextBox 6">
-            <a:extLst>
-              <a:ext uri="{FF2B5EF4-FFF2-40B4-BE49-F238E27FC236}">
-                <a16:creationId xmlns:a16="http://schemas.microsoft.com/office/drawing/2014/main" id="{60D4DFD8-F258-CFF8-C96D-F5D974D1CBC3}"/>
-              </a:ext>
-            </a:extLst>
-          </p:cNvPr>
-          <p:cNvSpPr txBox="1"/>
-          <p:nvPr/>
-        </p:nvSpPr>
-        <p:spPr>
-          <a:xfrm>
-            <a:off x="8373601" y="4419081"/>
-            <a:ext cx="2822713" cy="215444"/>
-          </a:xfrm>
-          <a:prstGeom prst="rect">
-            <a:avLst/>
-          </a:prstGeom>
-          <a:noFill/>
-        </p:spPr>
-        <p:txBody>
-          <a:bodyPr wrap="square" rtlCol="0">
-            <a:spAutoFit/>
-          </a:bodyPr>
-          <a:lstStyle/>
-          <a:p>
-            <a:pPr algn="r"/>
-            <a:r>
-              <a:rPr lang="en-US" sz="800" i="1" dirty="0">
-                <a:solidFill>
-                  <a:schemeClr val="bg2">
-                    <a:lumMod val="75000"/>
-                  </a:schemeClr>
-                </a:solidFill>
-              </a:rPr>
-              <a:t>Source: NY Times</a:t>
-            </a:r>
-          </a:p>
-        </p:txBody>
-      </p:sp>
-    </p:spTree>
-    <p:extLst>
-      <p:ext uri="{BB962C8B-B14F-4D97-AF65-F5344CB8AC3E}">
-        <p14:creationId xmlns:p14="http://schemas.microsoft.com/office/powerpoint/2010/main" val="113303596"/>
-      </p:ext>
-    </p:extLst>
-  </p:cSld>
-  <p:clrMapOvr>
-    <a:masterClrMapping/>
-  </p:clrMapOvr>
-  <mc:AlternateContent xmlns:mc="http://schemas.openxmlformats.org/markup-compatibility/2006" xmlns:p14="http://schemas.microsoft.com/office/powerpoint/2010/main">
-    <mc:Choice Requires="p14">
-      <p:transition spd="med" p14:dur="700">
-        <p:fade/>
-      </p:transition>
-    </mc:Choice>
-    <mc:Fallback xmlns="">
-      <p:transition spd="med">
-        <p:fade/>
-      </p:transition>
-    </mc:Fallback>
-  </mc:AlternateContent>
-</p:sld>
-</file>
-
-<file path=ppt/slides/slide4.xml><?xml version="1.0" encoding="utf-8"?>
-<p:sld xmlns:a="http://schemas.openxmlformats.org/drawingml/2006/main" xmlns:r="http://schemas.openxmlformats.org/officeDocument/2006/relationships" xmlns:p="http://schemas.openxmlformats.org/presentationml/2006/main">
-  <p:cSld>
-    <p:spTree>
-      <p:nvGrpSpPr>
-        <p:cNvPr id="1" name=""/>
-        <p:cNvGrpSpPr/>
-        <p:nvPr/>
-      </p:nvGrpSpPr>
-      <p:grpSpPr>
-        <a:xfrm>
-          <a:off x="0" y="0"/>
-          <a:ext cx="0" cy="0"/>
-          <a:chOff x="0" y="0"/>
-          <a:chExt cx="0" cy="0"/>
-        </a:xfrm>
-      </p:grpSpPr>
-      <p:sp>
-        <p:nvSpPr>
-          <p:cNvPr id="2" name="Title 1"/>
-          <p:cNvSpPr>
-            <a:spLocks noGrp="1"/>
-          </p:cNvSpPr>
-          <p:nvPr>
-            <p:ph type="title"/>
-          </p:nvPr>
-        </p:nvSpPr>
-        <p:spPr>
-          <a:xfrm>
-            <a:off x="94753" y="-571193"/>
-            <a:ext cx="9601200" cy="1142385"/>
-          </a:xfrm>
-        </p:spPr>
-        <p:txBody>
-          <a:bodyPr/>
-          <a:lstStyle/>
-          <a:p>
-            <a:r>
-              <a:rPr lang="en-US" dirty="0"/>
-              <a:t>2. Data Source</a:t>
-            </a:r>
-          </a:p>
-        </p:txBody>
-      </p:sp>
-      <p:sp>
-        <p:nvSpPr>
-          <p:cNvPr id="3" name="Content Placeholder 2"/>
-          <p:cNvSpPr>
-            <a:spLocks noGrp="1"/>
-          </p:cNvSpPr>
-          <p:nvPr>
-            <p:ph idx="1"/>
-          </p:nvPr>
-        </p:nvSpPr>
-        <p:spPr>
-          <a:xfrm>
-            <a:off x="1367625" y="2133600"/>
-            <a:ext cx="10137912" cy="2908851"/>
-          </a:xfrm>
-        </p:spPr>
-        <p:txBody>
-          <a:bodyPr>
-            <a:normAutofit/>
-          </a:bodyPr>
-          <a:lstStyle/>
-          <a:p>
-            <a:endParaRPr lang="en-US" dirty="0"/>
-          </a:p>
-          <a:p>
-            <a:pPr algn="just"/>
-            <a:r>
-              <a:rPr lang="en-US" dirty="0"/>
-              <a:t>Data was obtained via ICNF website and collected by ANPC.</a:t>
-            </a:r>
-          </a:p>
-          <a:p>
-            <a:pPr algn="just"/>
-            <a:endParaRPr lang="en-US" dirty="0"/>
-          </a:p>
-          <a:p>
-            <a:pPr algn="just"/>
-            <a:r>
-              <a:rPr lang="en-US" dirty="0"/>
-              <a:t>The dataset includes information on wildfires occurring in </a:t>
-            </a:r>
-            <a:r>
-              <a:rPr lang="en-US" b="1" dirty="0"/>
-              <a:t>Portugal</a:t>
-            </a:r>
-            <a:r>
-              <a:rPr lang="en-US" dirty="0"/>
-              <a:t> territory, during the period of </a:t>
-            </a:r>
-            <a:r>
-              <a:rPr lang="en-US" b="1" dirty="0"/>
-              <a:t>2015</a:t>
-            </a:r>
-            <a:r>
-              <a:rPr lang="en-US" dirty="0"/>
-              <a:t>.</a:t>
-            </a:r>
-          </a:p>
-          <a:p>
-            <a:endParaRPr lang="en-US" dirty="0"/>
-          </a:p>
-        </p:txBody>
-      </p:sp>
-      <p:sp>
-        <p:nvSpPr>
-          <p:cNvPr id="4" name="Footer Placeholder 3">
-            <a:extLst>
-              <a:ext uri="{FF2B5EF4-FFF2-40B4-BE49-F238E27FC236}">
-                <a16:creationId xmlns:a16="http://schemas.microsoft.com/office/drawing/2014/main" id="{22FFFC8F-9816-50DC-BEC4-6B0740C0D742}"/>
-              </a:ext>
-            </a:extLst>
-          </p:cNvPr>
-          <p:cNvSpPr>
-            <a:spLocks noGrp="1"/>
-          </p:cNvSpPr>
-          <p:nvPr>
-            <p:ph type="ftr" sz="quarter" idx="11"/>
-          </p:nvPr>
-        </p:nvSpPr>
-        <p:spPr/>
-        <p:txBody>
-          <a:bodyPr/>
-          <a:lstStyle/>
-          <a:p>
-            <a:r>
-              <a:rPr lang="en-US" dirty="0"/>
-              <a:t>FEUP</a:t>
-            </a:r>
-          </a:p>
-        </p:txBody>
-      </p:sp>
-      <p:sp>
-        <p:nvSpPr>
-          <p:cNvPr id="5" name="Slide Number Placeholder 4">
-            <a:extLst>
-              <a:ext uri="{FF2B5EF4-FFF2-40B4-BE49-F238E27FC236}">
-                <a16:creationId xmlns:a16="http://schemas.microsoft.com/office/drawing/2014/main" id="{C747C019-53F0-D7BE-AD00-0324432D1CE0}"/>
-              </a:ext>
-            </a:extLst>
-          </p:cNvPr>
-          <p:cNvSpPr>
-            <a:spLocks noGrp="1"/>
-          </p:cNvSpPr>
-          <p:nvPr>
-            <p:ph type="sldNum" sz="quarter" idx="12"/>
-          </p:nvPr>
-        </p:nvSpPr>
-        <p:spPr/>
-        <p:txBody>
-          <a:bodyPr/>
-          <a:lstStyle/>
-          <a:p>
-            <a:fld id="{E31375A4-56A4-47D6-9801-1991572033F7}" type="slidenum">
-              <a:rPr lang="en-US" smtClean="0"/>
-              <a:t>4</a:t>
-            </a:fld>
-            <a:endParaRPr lang="en-US"/>
-          </a:p>
-        </p:txBody>
-      </p:sp>
-      <p:sp>
-        <p:nvSpPr>
-          <p:cNvPr id="6" name="TextBox 5">
-            <a:extLst>
-              <a:ext uri="{FF2B5EF4-FFF2-40B4-BE49-F238E27FC236}">
-                <a16:creationId xmlns:a16="http://schemas.microsoft.com/office/drawing/2014/main" id="{52785E6D-4D80-2F99-DFBE-D4FD87F27BCD}"/>
-              </a:ext>
-            </a:extLst>
-          </p:cNvPr>
-          <p:cNvSpPr txBox="1"/>
-          <p:nvPr/>
-        </p:nvSpPr>
-        <p:spPr>
-          <a:xfrm>
-            <a:off x="1367625" y="5701085"/>
-            <a:ext cx="6297433" cy="400110"/>
-          </a:xfrm>
-          <a:prstGeom prst="rect">
-            <a:avLst/>
-          </a:prstGeom>
-          <a:noFill/>
-        </p:spPr>
-        <p:txBody>
-          <a:bodyPr wrap="square" rtlCol="0">
-            <a:spAutoFit/>
-          </a:bodyPr>
-          <a:lstStyle/>
-          <a:p>
-            <a:r>
-              <a:rPr lang="en-US" sz="1000" i="1" dirty="0"/>
-              <a:t>ICNF: Instituto da </a:t>
-            </a:r>
-            <a:r>
-              <a:rPr lang="en-US" sz="1000" i="1" dirty="0" err="1"/>
-              <a:t>Conservação</a:t>
-            </a:r>
-            <a:r>
-              <a:rPr lang="en-US" sz="1000" i="1" dirty="0"/>
-              <a:t> da </a:t>
-            </a:r>
-            <a:r>
-              <a:rPr lang="en-US" sz="1000" i="1" dirty="0" err="1"/>
-              <a:t>Natureza</a:t>
-            </a:r>
-            <a:r>
-              <a:rPr lang="en-US" sz="1000" i="1" dirty="0"/>
-              <a:t> e </a:t>
-            </a:r>
-            <a:r>
-              <a:rPr lang="en-US" sz="1000" i="1" dirty="0" err="1"/>
-              <a:t>Florestas</a:t>
-            </a:r>
-            <a:endParaRPr lang="en-US" sz="1000" i="1" dirty="0"/>
-          </a:p>
-          <a:p>
-            <a:r>
-              <a:rPr lang="en-US" sz="1000" i="1" dirty="0"/>
-              <a:t>ANPC: </a:t>
-            </a:r>
-            <a:r>
-              <a:rPr lang="en-US" sz="1000" i="1" dirty="0" err="1"/>
-              <a:t>Associação</a:t>
-            </a:r>
-            <a:r>
-              <a:rPr lang="en-US" sz="1000" i="1" dirty="0"/>
-              <a:t> Nacional de </a:t>
-            </a:r>
-            <a:r>
-              <a:rPr lang="en-US" sz="1000" i="1" dirty="0" err="1"/>
-              <a:t>Proteção</a:t>
-            </a:r>
-            <a:r>
-              <a:rPr lang="en-US" sz="1000" i="1" dirty="0"/>
-              <a:t> Civil</a:t>
-            </a:r>
-          </a:p>
-        </p:txBody>
-      </p:sp>
-    </p:spTree>
-    <p:extLst>
-      <p:ext uri="{BB962C8B-B14F-4D97-AF65-F5344CB8AC3E}">
-        <p14:creationId xmlns:p14="http://schemas.microsoft.com/office/powerpoint/2010/main" val="1413773321"/>
-      </p:ext>
-    </p:extLst>
-  </p:cSld>
-  <p:clrMapOvr>
-    <a:masterClrMapping/>
-  </p:clrMapOvr>
-  <mc:AlternateContent xmlns:mc="http://schemas.openxmlformats.org/markup-compatibility/2006" xmlns:p14="http://schemas.microsoft.com/office/powerpoint/2010/main">
-    <mc:Choice Requires="p14">
-      <p:transition spd="med" p14:dur="700">
-        <p:fade/>
-      </p:transition>
-    </mc:Choice>
-    <mc:Fallback xmlns="">
-      <p:transition spd="med">
-        <p:fade/>
-      </p:transition>
-    </mc:Fallback>
-  </mc:AlternateContent>
-</p:sld>
-</file>
-
-<file path=ppt/slides/slide5.xml><?xml version="1.0" encoding="utf-8"?>
+<file path=ppt/slides/slide19.xml><?xml version="1.0" encoding="utf-8"?>
 <p:sld xmlns:a="http://schemas.openxmlformats.org/drawingml/2006/main" xmlns:r="http://schemas.openxmlformats.org/officeDocument/2006/relationships" xmlns:p="http://schemas.openxmlformats.org/presentationml/2006/main">
   <p:cSld>
     <p:spTree>
@@ -25263,27 +23830,80 @@
             <p:ph idx="1"/>
           </p:nvPr>
         </p:nvSpPr>
-        <p:spPr/>
+        <p:spPr>
+          <a:xfrm>
+            <a:off x="1295400" y="1525436"/>
+            <a:ext cx="9601200" cy="3809999"/>
+          </a:xfrm>
+        </p:spPr>
         <p:txBody>
-          <a:bodyPr/>
+          <a:bodyPr>
+            <a:normAutofit lnSpcReduction="10000"/>
+          </a:bodyPr>
           <a:lstStyle/>
           <a:p>
+            <a:r>
+              <a:rPr lang="en-US" sz="2000" dirty="0"/>
+              <a:t>Coastal proximity occurrences’ number is related with number of occurrences of re-ignition fires higher and lower districts group.</a:t>
+            </a:r>
+          </a:p>
+          <a:p>
+            <a:pPr algn="just"/>
+            <a:r>
+              <a:rPr lang="en-US" sz="2000" dirty="0"/>
+              <a:t>The relation of occurrences frequency between our categorical variables is very weak.</a:t>
+            </a:r>
+          </a:p>
+          <a:p>
+            <a:pPr algn="just"/>
             <a:r>
               <a:rPr lang="en-US" dirty="0"/>
-              <a:t>Data preparation</a:t>
+              <a:t>N</a:t>
             </a:r>
-          </a:p>
-          <a:p>
-            <a:pPr lvl="1"/>
             <a:r>
-              <a:rPr lang="en-US" dirty="0" err="1"/>
-              <a:t>abc</a:t>
+              <a:rPr lang="en-US" sz="2000" dirty="0"/>
+              <a:t>o evidence to say burnt area of coastal group is statistically different from burnt area of interior group.</a:t>
+            </a:r>
+          </a:p>
+          <a:p>
+            <a:pPr algn="just"/>
+            <a:r>
+              <a:rPr lang="en-US" dirty="0"/>
+              <a:t>N</a:t>
+            </a:r>
+            <a:r>
+              <a:rPr lang="en-US" sz="2000" dirty="0"/>
+              <a:t>o evidence to say burnt area of higher occurrence districts group and lower occurrence districts group.</a:t>
             </a:r>
             <a:endParaRPr lang="en-US" dirty="0"/>
           </a:p>
           <a:p>
-            <a:pPr lvl="1"/>
-            <a:endParaRPr lang="en-US" dirty="0"/>
+            <a:r>
+              <a:rPr lang="en-US" sz="2000" kern="1200" dirty="0">
+                <a:solidFill>
+                  <a:schemeClr val="tx1"/>
+                </a:solidFill>
+                <a:latin typeface="+mn-lt"/>
+                <a:ea typeface="+mn-ea"/>
+                <a:cs typeface="+mn-cs"/>
+              </a:rPr>
+              <a:t>The quantitative variables studied among this dataset have a proven association between them; </a:t>
+            </a:r>
+            <a:r>
+              <a:rPr lang="en-US" dirty="0"/>
+              <a:t>this association is non-linear and could not be modelled on our tests.</a:t>
+            </a:r>
+            <a:endParaRPr lang="en-US" sz="2000" kern="1200" dirty="0">
+              <a:solidFill>
+                <a:schemeClr val="tx1"/>
+              </a:solidFill>
+              <a:latin typeface="+mn-lt"/>
+              <a:ea typeface="+mn-ea"/>
+              <a:cs typeface="+mn-cs"/>
+            </a:endParaRPr>
+          </a:p>
+          <a:p>
+            <a:endParaRPr lang="en-US" sz="2000" dirty="0"/>
           </a:p>
           <a:p>
             <a:endParaRPr lang="en-US" dirty="0"/>
@@ -25295,7 +23915,7 @@
           <p:cNvPr id="4" name="Footer Placeholder 3">
             <a:extLst>
               <a:ext uri="{FF2B5EF4-FFF2-40B4-BE49-F238E27FC236}">
-                <a16:creationId xmlns:a16="http://schemas.microsoft.com/office/drawing/2014/main" id="{B30FF8F9-83BA-C8AB-FE8E-45B0E7F1C8AE}"/>
+                <a16:creationId xmlns:a16="http://schemas.microsoft.com/office/drawing/2014/main" id="{8A321040-9C3F-03A3-6141-C14A83E2EC28}"/>
               </a:ext>
             </a:extLst>
           </p:cNvPr>
@@ -25324,7 +23944,7 @@
           <p:cNvPr id="5" name="Slide Number Placeholder 4">
             <a:extLst>
               <a:ext uri="{FF2B5EF4-FFF2-40B4-BE49-F238E27FC236}">
-                <a16:creationId xmlns:a16="http://schemas.microsoft.com/office/drawing/2014/main" id="{888A9355-2654-63AD-176A-C9347C7BAE55}"/>
+                <a16:creationId xmlns:a16="http://schemas.microsoft.com/office/drawing/2014/main" id="{E10AD571-27FA-8CB7-F6E7-ADF511765685}"/>
               </a:ext>
             </a:extLst>
           </p:cNvPr>
@@ -25342,48 +23962,18 @@
           <a:p>
             <a:fld id="{E31375A4-56A4-47D6-9801-1991572033F7}" type="slidenum">
               <a:rPr lang="en-US" smtClean="0"/>
-              <a:t>5</a:t>
+              <a:t>19</a:t>
             </a:fld>
             <a:endParaRPr lang="en-US"/>
           </a:p>
         </p:txBody>
       </p:sp>
-      <p:pic>
-        <p:nvPicPr>
-          <p:cNvPr id="7" name="Picture 6">
+      <p:sp>
+        <p:nvSpPr>
+          <p:cNvPr id="6" name="Title 1">
             <a:extLst>
               <a:ext uri="{FF2B5EF4-FFF2-40B4-BE49-F238E27FC236}">
-                <a16:creationId xmlns:a16="http://schemas.microsoft.com/office/drawing/2014/main" id="{18C4A0FF-0A83-2A1F-85BA-8AA445A7143C}"/>
-              </a:ext>
-            </a:extLst>
-          </p:cNvPr>
-          <p:cNvPicPr>
-            <a:picLocks noChangeAspect="1"/>
-          </p:cNvPicPr>
-          <p:nvPr/>
-        </p:nvPicPr>
-        <p:blipFill>
-          <a:blip r:embed="rId3"/>
-          <a:stretch>
-            <a:fillRect/>
-          </a:stretch>
-        </p:blipFill>
-        <p:spPr>
-          <a:xfrm>
-            <a:off x="4982972" y="1646238"/>
-            <a:ext cx="6502024" cy="3920439"/>
-          </a:xfrm>
-          <a:prstGeom prst="rect">
-            <a:avLst/>
-          </a:prstGeom>
-        </p:spPr>
-      </p:pic>
-      <p:sp>
-        <p:nvSpPr>
-          <p:cNvPr id="8" name="Title 1">
-            <a:extLst>
-              <a:ext uri="{FF2B5EF4-FFF2-40B4-BE49-F238E27FC236}">
-                <a16:creationId xmlns:a16="http://schemas.microsoft.com/office/drawing/2014/main" id="{226EA5B1-100B-0C89-711E-D2ECBD40F218}"/>
+                <a16:creationId xmlns:a16="http://schemas.microsoft.com/office/drawing/2014/main" id="{FD036795-21B4-9745-13A4-52A41F50DC36}"/>
               </a:ext>
             </a:extLst>
           </p:cNvPr>
@@ -25429,7 +24019,7 @@
           <a:p>
             <a:r>
               <a:rPr lang="en-US" dirty="0"/>
-              <a:t>3. Data Exploration</a:t>
+              <a:t>5. Conclusions</a:t>
             </a:r>
           </a:p>
         </p:txBody>
@@ -25437,20 +24027,20 @@
     </p:spTree>
     <p:extLst>
       <p:ext uri="{BB962C8B-B14F-4D97-AF65-F5344CB8AC3E}">
-        <p14:creationId xmlns:p14="http://schemas.microsoft.com/office/powerpoint/2010/main" val="912326043"/>
+        <p14:creationId xmlns:p14="http://schemas.microsoft.com/office/powerpoint/2010/main" val="1538319046"/>
       </p:ext>
     </p:extLst>
   </p:cSld>
   <p:clrMapOvr>
     <a:masterClrMapping/>
   </p:clrMapOvr>
-  <mc:AlternateContent xmlns:mc="http://schemas.openxmlformats.org/markup-compatibility/2006">
-    <mc:Choice xmlns:p14="http://schemas.microsoft.com/office/powerpoint/2010/main" Requires="p14">
+  <mc:AlternateContent xmlns:mc="http://schemas.openxmlformats.org/markup-compatibility/2006" xmlns:p14="http://schemas.microsoft.com/office/powerpoint/2010/main">
+    <mc:Choice Requires="p14">
       <p:transition spd="med" p14:dur="700">
         <p:fade/>
       </p:transition>
     </mc:Choice>
-    <mc:Fallback>
+    <mc:Fallback xmlns="">
       <p:transition spd="med">
         <p:fade/>
       </p:transition>
@@ -25459,7 +24049,217 @@
 </p:sld>
 </file>
 
-<file path=ppt/slides/slide6.xml><?xml version="1.0" encoding="utf-8"?>
+<file path=ppt/slides/slide2.xml><?xml version="1.0" encoding="utf-8"?>
+<p:sld xmlns:a="http://schemas.openxmlformats.org/drawingml/2006/main" xmlns:r="http://schemas.openxmlformats.org/officeDocument/2006/relationships" xmlns:p="http://schemas.openxmlformats.org/presentationml/2006/main">
+  <p:cSld>
+    <p:spTree>
+      <p:nvGrpSpPr>
+        <p:cNvPr id="1" name=""/>
+        <p:cNvGrpSpPr/>
+        <p:nvPr/>
+      </p:nvGrpSpPr>
+      <p:grpSpPr>
+        <a:xfrm>
+          <a:off x="0" y="0"/>
+          <a:ext cx="0" cy="0"/>
+          <a:chOff x="0" y="0"/>
+          <a:chExt cx="0" cy="0"/>
+        </a:xfrm>
+      </p:grpSpPr>
+      <p:sp>
+        <p:nvSpPr>
+          <p:cNvPr id="2" name="Title 1"/>
+          <p:cNvSpPr>
+            <a:spLocks noGrp="1"/>
+          </p:cNvSpPr>
+          <p:nvPr>
+            <p:ph type="title"/>
+          </p:nvPr>
+        </p:nvSpPr>
+        <p:spPr>
+          <a:xfrm>
+            <a:off x="103367" y="0"/>
+            <a:ext cx="9601200" cy="660276"/>
+          </a:xfrm>
+        </p:spPr>
+        <p:txBody>
+          <a:bodyPr/>
+          <a:lstStyle/>
+          <a:p>
+            <a:r>
+              <a:rPr lang="en-US" dirty="0"/>
+              <a:t>Agenda</a:t>
+            </a:r>
+          </a:p>
+        </p:txBody>
+      </p:sp>
+      <p:sp>
+        <p:nvSpPr>
+          <p:cNvPr id="3" name="Content Placeholder 2"/>
+          <p:cNvSpPr>
+            <a:spLocks noGrp="1"/>
+          </p:cNvSpPr>
+          <p:nvPr>
+            <p:ph idx="1"/>
+          </p:nvPr>
+        </p:nvSpPr>
+        <p:spPr>
+          <a:xfrm>
+            <a:off x="1223839" y="1368951"/>
+            <a:ext cx="9601200" cy="3809999"/>
+          </a:xfrm>
+        </p:spPr>
+        <p:txBody>
+          <a:bodyPr/>
+          <a:lstStyle/>
+          <a:p>
+            <a:pPr marL="457200" indent="-457200">
+              <a:buFont typeface="+mj-lt"/>
+              <a:buAutoNum type="arabicPeriod"/>
+            </a:pPr>
+            <a:r>
+              <a:rPr lang="en-US" dirty="0"/>
+              <a:t>Research Question</a:t>
+            </a:r>
+          </a:p>
+          <a:p>
+            <a:pPr marL="457200" indent="-457200">
+              <a:buFont typeface="+mj-lt"/>
+              <a:buAutoNum type="arabicPeriod"/>
+            </a:pPr>
+            <a:r>
+              <a:rPr lang="en-US" dirty="0"/>
+              <a:t>Data Source</a:t>
+            </a:r>
+          </a:p>
+          <a:p>
+            <a:pPr marL="457200" indent="-457200">
+              <a:buFont typeface="+mj-lt"/>
+              <a:buAutoNum type="arabicPeriod"/>
+            </a:pPr>
+            <a:r>
+              <a:rPr lang="en-US" dirty="0"/>
+              <a:t>Data Exploration</a:t>
+            </a:r>
+          </a:p>
+          <a:p>
+            <a:pPr marL="457200" indent="-457200">
+              <a:buFont typeface="+mj-lt"/>
+              <a:buAutoNum type="arabicPeriod"/>
+            </a:pPr>
+            <a:r>
+              <a:rPr lang="en-US" dirty="0"/>
+              <a:t>Inferences</a:t>
+            </a:r>
+          </a:p>
+          <a:p>
+            <a:pPr marL="457200" indent="-457200">
+              <a:buFont typeface="+mj-lt"/>
+              <a:buAutoNum type="arabicPeriod"/>
+            </a:pPr>
+            <a:r>
+              <a:rPr lang="en-US" dirty="0"/>
+              <a:t>Conclusions</a:t>
+            </a:r>
+          </a:p>
+          <a:p>
+            <a:pPr marL="457200" indent="-457200">
+              <a:buFont typeface="+mj-lt"/>
+              <a:buAutoNum type="arabicPeriod"/>
+            </a:pPr>
+            <a:r>
+              <a:rPr lang="en-US" dirty="0"/>
+              <a:t>Look back and ahead</a:t>
+            </a:r>
+          </a:p>
+          <a:p>
+            <a:endParaRPr lang="en-US" dirty="0"/>
+          </a:p>
+        </p:txBody>
+      </p:sp>
+      <p:sp>
+        <p:nvSpPr>
+          <p:cNvPr id="4" name="Footer Placeholder 3">
+            <a:extLst>
+              <a:ext uri="{FF2B5EF4-FFF2-40B4-BE49-F238E27FC236}">
+                <a16:creationId xmlns:a16="http://schemas.microsoft.com/office/drawing/2014/main" id="{9F1184C7-D25A-7FD6-CE2E-B36975A9A003}"/>
+              </a:ext>
+            </a:extLst>
+          </p:cNvPr>
+          <p:cNvSpPr>
+            <a:spLocks noGrp="1"/>
+          </p:cNvSpPr>
+          <p:nvPr>
+            <p:ph type="ftr" sz="quarter" idx="11"/>
+          </p:nvPr>
+        </p:nvSpPr>
+        <p:spPr/>
+        <p:txBody>
+          <a:bodyPr/>
+          <a:lstStyle/>
+          <a:p>
+            <a:r>
+              <a:rPr lang="en-US" dirty="0"/>
+              <a:t>FEUP</a:t>
+            </a:r>
+          </a:p>
+        </p:txBody>
+      </p:sp>
+      <p:sp>
+        <p:nvSpPr>
+          <p:cNvPr id="5" name="Slide Number Placeholder 4">
+            <a:extLst>
+              <a:ext uri="{FF2B5EF4-FFF2-40B4-BE49-F238E27FC236}">
+                <a16:creationId xmlns:a16="http://schemas.microsoft.com/office/drawing/2014/main" id="{4239C259-0E8F-1058-1C6D-F1F08D49DE33}"/>
+              </a:ext>
+            </a:extLst>
+          </p:cNvPr>
+          <p:cNvSpPr>
+            <a:spLocks noGrp="1"/>
+          </p:cNvSpPr>
+          <p:nvPr>
+            <p:ph type="sldNum" sz="quarter" idx="12"/>
+          </p:nvPr>
+        </p:nvSpPr>
+        <p:spPr/>
+        <p:txBody>
+          <a:bodyPr/>
+          <a:lstStyle/>
+          <a:p>
+            <a:fld id="{E31375A4-56A4-47D6-9801-1991572033F7}" type="slidenum">
+              <a:rPr lang="en-US" smtClean="0"/>
+              <a:t>2</a:t>
+            </a:fld>
+            <a:endParaRPr lang="en-US"/>
+          </a:p>
+        </p:txBody>
+      </p:sp>
+    </p:spTree>
+    <p:extLst>
+      <p:ext uri="{BB962C8B-B14F-4D97-AF65-F5344CB8AC3E}">
+        <p14:creationId xmlns:p14="http://schemas.microsoft.com/office/powerpoint/2010/main" val="3984617762"/>
+      </p:ext>
+    </p:extLst>
+  </p:cSld>
+  <p:clrMapOvr>
+    <a:masterClrMapping/>
+  </p:clrMapOvr>
+  <mc:AlternateContent xmlns:mc="http://schemas.openxmlformats.org/markup-compatibility/2006" xmlns:p14="http://schemas.microsoft.com/office/powerpoint/2010/main">
+    <mc:Choice Requires="p14">
+      <p:transition spd="med" p14:dur="700">
+        <p:fade/>
+      </p:transition>
+    </mc:Choice>
+    <mc:Fallback xmlns="">
+      <p:transition spd="med">
+        <p:fade/>
+      </p:transition>
+    </mc:Fallback>
+  </mc:AlternateContent>
+</p:sld>
+</file>
+
+<file path=ppt/slides/slide20.xml><?xml version="1.0" encoding="utf-8"?>
 <p:sld xmlns:a="http://schemas.openxmlformats.org/drawingml/2006/main" xmlns:r="http://schemas.openxmlformats.org/officeDocument/2006/relationships" xmlns:p="http://schemas.openxmlformats.org/presentationml/2006/main">
   <p:cSld>
     <p:spTree>
@@ -25486,29 +24286,29 @@
             <p:ph idx="1"/>
           </p:nvPr>
         </p:nvSpPr>
-        <p:spPr/>
+        <p:spPr>
+          <a:xfrm>
+            <a:off x="1295400" y="1981202"/>
+            <a:ext cx="9601200" cy="2630556"/>
+          </a:xfrm>
+        </p:spPr>
         <p:txBody>
           <a:bodyPr/>
           <a:lstStyle/>
           <a:p>
             <a:r>
               <a:rPr lang="en-US" dirty="0"/>
-              <a:t>Histograms</a:t>
+              <a:t>To study the original fire that gave origin to the re-ignition in order to find patterns. This information was not present in the dataset, so the previous conditions of the occurrences were not known;</a:t>
             </a:r>
           </a:p>
           <a:p>
-            <a:pPr lvl="1"/>
+            <a:endParaRPr lang="en-US" dirty="0"/>
+          </a:p>
+          <a:p>
             <a:r>
               <a:rPr lang="en-US" dirty="0"/>
-              <a:t>Not a normal distribution</a:t>
+              <a:t>To include the records of relative humidity and temperature associated with each record and study them in order to obtain additional information.</a:t>
             </a:r>
-          </a:p>
-          <a:p>
-            <a:pPr lvl="1"/>
-            <a:endParaRPr lang="en-US" dirty="0"/>
-          </a:p>
-          <a:p>
-            <a:endParaRPr lang="en-US" dirty="0"/>
           </a:p>
         </p:txBody>
       </p:sp>
@@ -25517,7 +24317,7 @@
           <p:cNvPr id="4" name="Footer Placeholder 3">
             <a:extLst>
               <a:ext uri="{FF2B5EF4-FFF2-40B4-BE49-F238E27FC236}">
-                <a16:creationId xmlns:a16="http://schemas.microsoft.com/office/drawing/2014/main" id="{B30FF8F9-83BA-C8AB-FE8E-45B0E7F1C8AE}"/>
+                <a16:creationId xmlns:a16="http://schemas.microsoft.com/office/drawing/2014/main" id="{8CE45956-E4AF-7EA0-4FF1-52C5B7D15DB0}"/>
               </a:ext>
             </a:extLst>
           </p:cNvPr>
@@ -25546,7 +24346,7 @@
           <p:cNvPr id="5" name="Slide Number Placeholder 4">
             <a:extLst>
               <a:ext uri="{FF2B5EF4-FFF2-40B4-BE49-F238E27FC236}">
-                <a16:creationId xmlns:a16="http://schemas.microsoft.com/office/drawing/2014/main" id="{888A9355-2654-63AD-176A-C9347C7BAE55}"/>
+                <a16:creationId xmlns:a16="http://schemas.microsoft.com/office/drawing/2014/main" id="{6CF562A4-709B-2EF4-471A-5C8C397DC104}"/>
               </a:ext>
             </a:extLst>
           </p:cNvPr>
@@ -25564,48 +24364,18 @@
           <a:p>
             <a:fld id="{E31375A4-56A4-47D6-9801-1991572033F7}" type="slidenum">
               <a:rPr lang="en-US" smtClean="0"/>
-              <a:t>6</a:t>
+              <a:t>20</a:t>
             </a:fld>
             <a:endParaRPr lang="en-US"/>
           </a:p>
         </p:txBody>
       </p:sp>
-      <p:pic>
-        <p:nvPicPr>
-          <p:cNvPr id="7" name="Picture 6">
-            <a:extLst>
-              <a:ext uri="{FF2B5EF4-FFF2-40B4-BE49-F238E27FC236}">
-                <a16:creationId xmlns:a16="http://schemas.microsoft.com/office/drawing/2014/main" id="{5E673AE1-964D-D917-13D0-416CE7FBF297}"/>
-              </a:ext>
-            </a:extLst>
-          </p:cNvPr>
-          <p:cNvPicPr>
-            <a:picLocks noChangeAspect="1"/>
-          </p:cNvPicPr>
-          <p:nvPr/>
-        </p:nvPicPr>
-        <p:blipFill>
-          <a:blip r:embed="rId3"/>
-          <a:stretch>
-            <a:fillRect/>
-          </a:stretch>
-        </p:blipFill>
-        <p:spPr>
-          <a:xfrm>
-            <a:off x="6329238" y="1351544"/>
-            <a:ext cx="4567362" cy="4439656"/>
-          </a:xfrm>
-          <a:prstGeom prst="rect">
-            <a:avLst/>
-          </a:prstGeom>
-        </p:spPr>
-      </p:pic>
       <p:sp>
         <p:nvSpPr>
           <p:cNvPr id="6" name="Title 1">
             <a:extLst>
               <a:ext uri="{FF2B5EF4-FFF2-40B4-BE49-F238E27FC236}">
-                <a16:creationId xmlns:a16="http://schemas.microsoft.com/office/drawing/2014/main" id="{CC880829-D8D2-E9E2-C938-CD39782F860A}"/>
+                <a16:creationId xmlns:a16="http://schemas.microsoft.com/office/drawing/2014/main" id="{0825CE1E-B124-D54A-1199-4AB0B0F696BE}"/>
               </a:ext>
             </a:extLst>
           </p:cNvPr>
@@ -25651,7 +24421,7 @@
           <a:p>
             <a:r>
               <a:rPr lang="en-US" dirty="0"/>
-              <a:t>3. Data Exploration</a:t>
+              <a:t>6. Look back and ahead</a:t>
             </a:r>
           </a:p>
         </p:txBody>
@@ -25659,20 +24429,20 @@
     </p:spTree>
     <p:extLst>
       <p:ext uri="{BB962C8B-B14F-4D97-AF65-F5344CB8AC3E}">
-        <p14:creationId xmlns:p14="http://schemas.microsoft.com/office/powerpoint/2010/main" val="618379928"/>
+        <p14:creationId xmlns:p14="http://schemas.microsoft.com/office/powerpoint/2010/main" val="4015568293"/>
       </p:ext>
     </p:extLst>
   </p:cSld>
   <p:clrMapOvr>
     <a:masterClrMapping/>
   </p:clrMapOvr>
-  <mc:AlternateContent xmlns:mc="http://schemas.openxmlformats.org/markup-compatibility/2006">
-    <mc:Choice xmlns:p14="http://schemas.microsoft.com/office/powerpoint/2010/main" Requires="p14">
+  <mc:AlternateContent xmlns:mc="http://schemas.openxmlformats.org/markup-compatibility/2006" xmlns:p14="http://schemas.microsoft.com/office/powerpoint/2010/main">
+    <mc:Choice Requires="p14">
       <p:transition spd="med" p14:dur="700">
         <p:fade/>
       </p:transition>
     </mc:Choice>
-    <mc:Fallback>
+    <mc:Fallback xmlns="">
       <p:transition spd="med">
         <p:fade/>
       </p:transition>
@@ -25681,7 +24451,7 @@
 </p:sld>
 </file>
 
-<file path=ppt/slides/slide7.xml><?xml version="1.0" encoding="utf-8"?>
+<file path=ppt/slides/slide21.xml><?xml version="1.0" encoding="utf-8"?>
 <p:sld xmlns:a="http://schemas.openxmlformats.org/drawingml/2006/main" xmlns:r="http://schemas.openxmlformats.org/officeDocument/2006/relationships" xmlns:p="http://schemas.openxmlformats.org/presentationml/2006/main">
   <p:cSld>
     <p:spTree>
@@ -25708,20 +24478,20 @@
             <p:ph idx="1"/>
           </p:nvPr>
         </p:nvSpPr>
-        <p:spPr/>
+        <p:spPr>
+          <a:xfrm>
+            <a:off x="891540" y="719508"/>
+            <a:ext cx="9601200" cy="3809999"/>
+          </a:xfrm>
+        </p:spPr>
         <p:txBody>
           <a:bodyPr/>
           <a:lstStyle/>
           <a:p>
             <a:r>
-              <a:rPr lang="en-US" dirty="0"/>
-              <a:t>Box plots – </a:t>
+              <a:rPr lang="en-US" b="1" dirty="0"/>
+              <a:t>Total burnt area box plot</a:t>
             </a:r>
-            <a:r>
-              <a:rPr lang="en-US" dirty="0" err="1"/>
-              <a:t>AA_total</a:t>
-            </a:r>
-            <a:endParaRPr lang="en-US" dirty="0"/>
           </a:p>
           <a:p>
             <a:pPr lvl="1"/>
@@ -25784,7 +24554,7 @@
           <a:p>
             <a:fld id="{E31375A4-56A4-47D6-9801-1991572033F7}" type="slidenum">
               <a:rPr lang="en-US" smtClean="0"/>
-              <a:t>7</a:t>
+              <a:t>21</a:t>
             </a:fld>
             <a:endParaRPr lang="en-US"/>
           </a:p>
@@ -25805,13 +24575,13 @@
           <p:nvPr>
             <p:extLst>
               <p:ext uri="{D42A27DB-BD31-4B8C-83A1-F6EECF244321}">
-                <p14:modId xmlns:p14="http://schemas.microsoft.com/office/powerpoint/2010/main" val="2800156428"/>
+                <p14:modId xmlns:p14="http://schemas.microsoft.com/office/powerpoint/2010/main" val="3809870765"/>
               </p:ext>
             </p:extLst>
           </p:nvPr>
         </p:nvGraphicFramePr>
         <p:xfrm>
-          <a:off x="1295400" y="3014320"/>
+          <a:off x="1130079" y="2183740"/>
           <a:ext cx="9931842" cy="2885547"/>
         </p:xfrm>
         <a:graphic>
@@ -25936,7 +24706,7 @@
         </p:blipFill>
         <p:spPr>
           <a:xfrm>
-            <a:off x="1562381" y="3695704"/>
+            <a:off x="1397060" y="2865124"/>
             <a:ext cx="4222470" cy="2095496"/>
           </a:xfrm>
           <a:prstGeom prst="rect">
@@ -25966,7 +24736,7 @@
         </p:blipFill>
         <p:spPr>
           <a:xfrm>
-            <a:off x="6737631" y="3695704"/>
+            <a:off x="6572310" y="2865124"/>
             <a:ext cx="4181998" cy="2095496"/>
           </a:xfrm>
           <a:prstGeom prst="rect">
@@ -26025,7 +24795,7 @@
           <a:p>
             <a:r>
               <a:rPr lang="en-US" dirty="0"/>
-              <a:t>3. Data Exploration</a:t>
+              <a:t>Appendix</a:t>
             </a:r>
           </a:p>
         </p:txBody>
@@ -26040,13 +24810,13 @@
   <p:clrMapOvr>
     <a:masterClrMapping/>
   </p:clrMapOvr>
-  <mc:AlternateContent xmlns:mc="http://schemas.openxmlformats.org/markup-compatibility/2006">
-    <mc:Choice xmlns:p14="http://schemas.microsoft.com/office/powerpoint/2010/main" Requires="p14">
+  <mc:AlternateContent xmlns:mc="http://schemas.openxmlformats.org/markup-compatibility/2006" xmlns:p14="http://schemas.microsoft.com/office/powerpoint/2010/main">
+    <mc:Choice Requires="p14">
       <p:transition spd="med" p14:dur="700">
         <p:fade/>
       </p:transition>
     </mc:Choice>
-    <mc:Fallback>
+    <mc:Fallback xmlns="">
       <p:transition spd="med">
         <p:fade/>
       </p:transition>
@@ -26055,7 +24825,7 @@
 </p:sld>
 </file>
 
-<file path=ppt/slides/slide8.xml><?xml version="1.0" encoding="utf-8"?>
+<file path=ppt/slides/slide22.xml><?xml version="1.0" encoding="utf-8"?>
 <p:sld xmlns:a="http://schemas.openxmlformats.org/drawingml/2006/main" xmlns:r="http://schemas.openxmlformats.org/officeDocument/2006/relationships" xmlns:p="http://schemas.openxmlformats.org/presentationml/2006/main">
   <p:cSld>
     <p:spTree>
@@ -26072,40 +24842,6 @@
           <a:chExt cx="0" cy="0"/>
         </a:xfrm>
       </p:grpSpPr>
-      <p:sp>
-        <p:nvSpPr>
-          <p:cNvPr id="3" name="Content Placeholder 2"/>
-          <p:cNvSpPr>
-            <a:spLocks noGrp="1"/>
-          </p:cNvSpPr>
-          <p:nvPr>
-            <p:ph idx="1"/>
-          </p:nvPr>
-        </p:nvSpPr>
-        <p:spPr/>
-        <p:txBody>
-          <a:bodyPr/>
-          <a:lstStyle/>
-          <a:p>
-            <a:r>
-              <a:rPr lang="en-US" dirty="0"/>
-              <a:t>Box plots – </a:t>
-            </a:r>
-            <a:r>
-              <a:rPr lang="en-US" dirty="0" err="1"/>
-              <a:t>Tempo_Extincao</a:t>
-            </a:r>
-            <a:endParaRPr lang="en-US" dirty="0"/>
-          </a:p>
-          <a:p>
-            <a:pPr lvl="1"/>
-            <a:endParaRPr lang="en-US" dirty="0"/>
-          </a:p>
-          <a:p>
-            <a:endParaRPr lang="en-US" dirty="0"/>
-          </a:p>
-        </p:txBody>
-      </p:sp>
       <p:sp>
         <p:nvSpPr>
           <p:cNvPr id="4" name="Footer Placeholder 3">
@@ -26158,7 +24894,7 @@
           <a:p>
             <a:fld id="{E31375A4-56A4-47D6-9801-1991572033F7}" type="slidenum">
               <a:rPr lang="en-US" smtClean="0"/>
-              <a:t>8</a:t>
+              <a:t>22</a:t>
             </a:fld>
             <a:endParaRPr lang="en-US"/>
           </a:p>
@@ -26179,13 +24915,13 @@
           <p:nvPr>
             <p:extLst>
               <p:ext uri="{D42A27DB-BD31-4B8C-83A1-F6EECF244321}">
-                <p14:modId xmlns:p14="http://schemas.microsoft.com/office/powerpoint/2010/main" val="2991658632"/>
+                <p14:modId xmlns:p14="http://schemas.microsoft.com/office/powerpoint/2010/main" val="3170264888"/>
               </p:ext>
             </p:extLst>
           </p:nvPr>
         </p:nvGraphicFramePr>
         <p:xfrm>
-          <a:off x="1295400" y="3014320"/>
+          <a:off x="1033007" y="2269526"/>
           <a:ext cx="9931842" cy="2885547"/>
         </p:xfrm>
         <a:graphic>
@@ -26310,7 +25046,7 @@
         </p:blipFill>
         <p:spPr>
           <a:xfrm>
-            <a:off x="1295400" y="3476046"/>
+            <a:off x="1033007" y="2731252"/>
             <a:ext cx="4840672" cy="2369488"/>
           </a:xfrm>
           <a:prstGeom prst="rect">
@@ -26340,7 +25076,7 @@
         </p:blipFill>
         <p:spPr>
           <a:xfrm>
-            <a:off x="6369287" y="3562175"/>
+            <a:off x="6106894" y="2817381"/>
             <a:ext cx="4635318" cy="2283359"/>
           </a:xfrm>
           <a:prstGeom prst="rect">
@@ -26399,8 +25135,268 @@
           <a:p>
             <a:r>
               <a:rPr lang="en-US" dirty="0"/>
-              <a:t>3. Data Exploration</a:t>
+              <a:t>Appendix</a:t>
             </a:r>
+          </a:p>
+        </p:txBody>
+      </p:sp>
+      <p:sp>
+        <p:nvSpPr>
+          <p:cNvPr id="2" name="Content Placeholder 2">
+            <a:extLst>
+              <a:ext uri="{FF2B5EF4-FFF2-40B4-BE49-F238E27FC236}">
+                <a16:creationId xmlns:a16="http://schemas.microsoft.com/office/drawing/2014/main" id="{F9FFDA16-1129-0280-7F9F-5414C57924BB}"/>
+              </a:ext>
+            </a:extLst>
+          </p:cNvPr>
+          <p:cNvSpPr txBox="1">
+            <a:spLocks/>
+          </p:cNvSpPr>
+          <p:nvPr/>
+        </p:nvSpPr>
+        <p:spPr>
+          <a:xfrm>
+            <a:off x="891540" y="719508"/>
+            <a:ext cx="9601200" cy="3809999"/>
+          </a:xfrm>
+          <a:prstGeom prst="rect">
+            <a:avLst/>
+          </a:prstGeom>
+        </p:spPr>
+        <p:txBody>
+          <a:bodyPr vert="horz" lIns="91440" tIns="45720" rIns="91440" bIns="45720" rtlCol="0">
+            <a:normAutofit/>
+          </a:bodyPr>
+          <a:lstStyle>
+            <a:lvl1pPr marL="228600" indent="-228600" algn="l" defTabSz="914400" rtl="0" eaLnBrk="1" latinLnBrk="0" hangingPunct="1">
+              <a:lnSpc>
+                <a:spcPct val="90000"/>
+              </a:lnSpc>
+              <a:spcBef>
+                <a:spcPts val="1800"/>
+              </a:spcBef>
+              <a:buClr>
+                <a:schemeClr val="accent1">
+                  <a:lumMod val="75000"/>
+                </a:schemeClr>
+              </a:buClr>
+              <a:buSzPct val="100000"/>
+              <a:buFont typeface="Arial" pitchFamily="34" charset="0"/>
+              <a:buChar char="▪"/>
+              <a:defRPr sz="2000" kern="1200">
+                <a:solidFill>
+                  <a:schemeClr val="tx1"/>
+                </a:solidFill>
+                <a:latin typeface="+mn-lt"/>
+                <a:ea typeface="+mn-ea"/>
+                <a:cs typeface="+mn-cs"/>
+              </a:defRPr>
+            </a:lvl1pPr>
+            <a:lvl2pPr marL="457200" indent="-182880" algn="l" defTabSz="914400" rtl="0" eaLnBrk="1" latinLnBrk="0" hangingPunct="1">
+              <a:lnSpc>
+                <a:spcPct val="90000"/>
+              </a:lnSpc>
+              <a:spcBef>
+                <a:spcPts val="1200"/>
+              </a:spcBef>
+              <a:buClr>
+                <a:schemeClr val="accent1">
+                  <a:lumMod val="75000"/>
+                </a:schemeClr>
+              </a:buClr>
+              <a:buSzPct val="100000"/>
+              <a:buFont typeface="Arial" pitchFamily="34" charset="0"/>
+              <a:buChar char="▪"/>
+              <a:defRPr sz="1800" kern="1200">
+                <a:solidFill>
+                  <a:schemeClr val="tx1"/>
+                </a:solidFill>
+                <a:latin typeface="+mn-lt"/>
+                <a:ea typeface="+mn-ea"/>
+                <a:cs typeface="+mn-cs"/>
+              </a:defRPr>
+            </a:lvl2pPr>
+            <a:lvl3pPr marL="685800" indent="-179388" algn="l" defTabSz="914400" rtl="0" eaLnBrk="1" latinLnBrk="0" hangingPunct="1">
+              <a:lnSpc>
+                <a:spcPct val="90000"/>
+              </a:lnSpc>
+              <a:spcBef>
+                <a:spcPts val="800"/>
+              </a:spcBef>
+              <a:buClr>
+                <a:schemeClr val="accent1">
+                  <a:lumMod val="75000"/>
+                </a:schemeClr>
+              </a:buClr>
+              <a:buSzPct val="100000"/>
+              <a:buFont typeface="Arial" pitchFamily="34" charset="0"/>
+              <a:buChar char="▪"/>
+              <a:defRPr sz="1600" kern="1200">
+                <a:solidFill>
+                  <a:schemeClr val="tx1"/>
+                </a:solidFill>
+                <a:latin typeface="+mn-lt"/>
+                <a:ea typeface="+mn-ea"/>
+                <a:cs typeface="+mn-cs"/>
+              </a:defRPr>
+            </a:lvl3pPr>
+            <a:lvl4pPr marL="914400" indent="-182880" algn="l" defTabSz="914400" rtl="0" eaLnBrk="1" latinLnBrk="0" hangingPunct="1">
+              <a:lnSpc>
+                <a:spcPct val="90000"/>
+              </a:lnSpc>
+              <a:spcBef>
+                <a:spcPts val="800"/>
+              </a:spcBef>
+              <a:buClr>
+                <a:schemeClr val="accent1">
+                  <a:lumMod val="75000"/>
+                </a:schemeClr>
+              </a:buClr>
+              <a:buSzPct val="100000"/>
+              <a:buFont typeface="Arial" pitchFamily="34" charset="0"/>
+              <a:buChar char="▪"/>
+              <a:defRPr sz="1400" kern="1200">
+                <a:solidFill>
+                  <a:schemeClr val="tx1"/>
+                </a:solidFill>
+                <a:latin typeface="+mn-lt"/>
+                <a:ea typeface="+mn-ea"/>
+                <a:cs typeface="+mn-cs"/>
+              </a:defRPr>
+            </a:lvl4pPr>
+            <a:lvl5pPr marL="1143000" indent="-179388" algn="l" defTabSz="914400" rtl="0" eaLnBrk="1" latinLnBrk="0" hangingPunct="1">
+              <a:lnSpc>
+                <a:spcPct val="90000"/>
+              </a:lnSpc>
+              <a:spcBef>
+                <a:spcPts val="600"/>
+              </a:spcBef>
+              <a:buClr>
+                <a:schemeClr val="accent1">
+                  <a:lumMod val="75000"/>
+                </a:schemeClr>
+              </a:buClr>
+              <a:buSzPct val="100000"/>
+              <a:buFont typeface="Arial" pitchFamily="34" charset="0"/>
+              <a:buChar char="▪"/>
+              <a:defRPr sz="1400" kern="1200">
+                <a:solidFill>
+                  <a:schemeClr val="tx1"/>
+                </a:solidFill>
+                <a:latin typeface="+mn-lt"/>
+                <a:ea typeface="+mn-ea"/>
+                <a:cs typeface="+mn-cs"/>
+              </a:defRPr>
+            </a:lvl5pPr>
+            <a:lvl6pPr marL="1371600" indent="-182880" algn="l" defTabSz="914400" rtl="0" eaLnBrk="1" latinLnBrk="0" hangingPunct="1">
+              <a:lnSpc>
+                <a:spcPct val="90000"/>
+              </a:lnSpc>
+              <a:spcBef>
+                <a:spcPts val="600"/>
+              </a:spcBef>
+              <a:buClr>
+                <a:schemeClr val="accent1">
+                  <a:lumMod val="75000"/>
+                </a:schemeClr>
+              </a:buClr>
+              <a:buSzPct val="100000"/>
+              <a:buFont typeface="Arial" pitchFamily="34" charset="0"/>
+              <a:buChar char="▪"/>
+              <a:defRPr sz="1400" kern="1200">
+                <a:solidFill>
+                  <a:schemeClr val="tx1"/>
+                </a:solidFill>
+                <a:latin typeface="+mn-lt"/>
+                <a:ea typeface="+mn-ea"/>
+                <a:cs typeface="+mn-cs"/>
+              </a:defRPr>
+            </a:lvl6pPr>
+            <a:lvl7pPr marL="1600200" indent="-179388" algn="l" defTabSz="914400" rtl="0" eaLnBrk="1" latinLnBrk="0" hangingPunct="1">
+              <a:lnSpc>
+                <a:spcPct val="90000"/>
+              </a:lnSpc>
+              <a:spcBef>
+                <a:spcPts val="600"/>
+              </a:spcBef>
+              <a:buClr>
+                <a:schemeClr val="accent1">
+                  <a:lumMod val="75000"/>
+                </a:schemeClr>
+              </a:buClr>
+              <a:buSzPct val="100000"/>
+              <a:buFont typeface="Arial" pitchFamily="34" charset="0"/>
+              <a:buChar char="▪"/>
+              <a:defRPr sz="1400" kern="1200">
+                <a:solidFill>
+                  <a:schemeClr val="tx1"/>
+                </a:solidFill>
+                <a:latin typeface="+mn-lt"/>
+                <a:ea typeface="+mn-ea"/>
+                <a:cs typeface="+mn-cs"/>
+              </a:defRPr>
+            </a:lvl7pPr>
+            <a:lvl8pPr marL="1828800" indent="-182880" algn="l" defTabSz="914400" rtl="0" eaLnBrk="1" latinLnBrk="0" hangingPunct="1">
+              <a:lnSpc>
+                <a:spcPct val="90000"/>
+              </a:lnSpc>
+              <a:spcBef>
+                <a:spcPts val="600"/>
+              </a:spcBef>
+              <a:buClr>
+                <a:schemeClr val="accent1">
+                  <a:lumMod val="75000"/>
+                </a:schemeClr>
+              </a:buClr>
+              <a:buSzPct val="100000"/>
+              <a:buFont typeface="Arial" pitchFamily="34" charset="0"/>
+              <a:buChar char="▪"/>
+              <a:defRPr sz="1400" kern="1200">
+                <a:solidFill>
+                  <a:schemeClr val="tx1"/>
+                </a:solidFill>
+                <a:latin typeface="+mn-lt"/>
+                <a:ea typeface="+mn-ea"/>
+                <a:cs typeface="+mn-cs"/>
+              </a:defRPr>
+            </a:lvl8pPr>
+            <a:lvl9pPr marL="1878012" indent="0" algn="l" defTabSz="914400" rtl="0" eaLnBrk="1" latinLnBrk="0" hangingPunct="1">
+              <a:lnSpc>
+                <a:spcPct val="90000"/>
+              </a:lnSpc>
+              <a:spcBef>
+                <a:spcPts val="600"/>
+              </a:spcBef>
+              <a:buClr>
+                <a:schemeClr val="accent1">
+                  <a:lumMod val="75000"/>
+                </a:schemeClr>
+              </a:buClr>
+              <a:buSzPct val="100000"/>
+              <a:buFont typeface="Arial" pitchFamily="34" charset="0"/>
+              <a:buNone/>
+              <a:defRPr sz="1400" kern="1200">
+                <a:solidFill>
+                  <a:schemeClr val="tx1"/>
+                </a:solidFill>
+                <a:latin typeface="+mn-lt"/>
+                <a:ea typeface="+mn-ea"/>
+                <a:cs typeface="+mn-cs"/>
+              </a:defRPr>
+            </a:lvl9pPr>
+          </a:lstStyle>
+          <a:p>
+            <a:r>
+              <a:rPr lang="en-US" b="1" dirty="0"/>
+              <a:t>Extinguish time box plot</a:t>
+            </a:r>
+          </a:p>
+          <a:p>
+            <a:pPr lvl="1"/>
+            <a:endParaRPr lang="en-US" dirty="0"/>
+          </a:p>
+          <a:p>
+            <a:endParaRPr lang="en-US" dirty="0"/>
           </a:p>
         </p:txBody>
       </p:sp>
@@ -26414,13 +25410,13 @@
   <p:clrMapOvr>
     <a:masterClrMapping/>
   </p:clrMapOvr>
-  <mc:AlternateContent xmlns:mc="http://schemas.openxmlformats.org/markup-compatibility/2006">
-    <mc:Choice xmlns:p14="http://schemas.microsoft.com/office/powerpoint/2010/main" Requires="p14">
+  <mc:AlternateContent xmlns:mc="http://schemas.openxmlformats.org/markup-compatibility/2006" xmlns:p14="http://schemas.microsoft.com/office/powerpoint/2010/main">
+    <mc:Choice Requires="p14">
       <p:transition spd="med" p14:dur="700">
         <p:fade/>
       </p:transition>
     </mc:Choice>
-    <mc:Fallback>
+    <mc:Fallback xmlns="">
       <p:transition spd="med">
         <p:fade/>
       </p:transition>
@@ -26429,7 +25425,7 @@
 </p:sld>
 </file>
 
-<file path=ppt/slides/slide9.xml><?xml version="1.0" encoding="utf-8"?>
+<file path=ppt/slides/slide23.xml><?xml version="1.0" encoding="utf-8"?>
 <p:sld xmlns:a="http://schemas.openxmlformats.org/drawingml/2006/main" xmlns:r="http://schemas.openxmlformats.org/officeDocument/2006/relationships" xmlns:p="http://schemas.openxmlformats.org/presentationml/2006/main">
   <p:cSld>
     <p:spTree>
@@ -26446,40 +25442,6 @@
           <a:chExt cx="0" cy="0"/>
         </a:xfrm>
       </p:grpSpPr>
-      <p:sp>
-        <p:nvSpPr>
-          <p:cNvPr id="3" name="Content Placeholder 2"/>
-          <p:cNvSpPr>
-            <a:spLocks noGrp="1"/>
-          </p:cNvSpPr>
-          <p:nvPr>
-            <p:ph idx="1"/>
-          </p:nvPr>
-        </p:nvSpPr>
-        <p:spPr/>
-        <p:txBody>
-          <a:bodyPr/>
-          <a:lstStyle/>
-          <a:p>
-            <a:r>
-              <a:rPr lang="en-US" dirty="0"/>
-              <a:t>Box plots – </a:t>
-            </a:r>
-            <a:r>
-              <a:rPr lang="en-US" dirty="0" err="1"/>
-              <a:t>Tempo_Intervencao</a:t>
-            </a:r>
-            <a:endParaRPr lang="en-US" dirty="0"/>
-          </a:p>
-          <a:p>
-            <a:pPr lvl="1"/>
-            <a:endParaRPr lang="en-US" dirty="0"/>
-          </a:p>
-          <a:p>
-            <a:endParaRPr lang="en-US" dirty="0"/>
-          </a:p>
-        </p:txBody>
-      </p:sp>
       <p:sp>
         <p:nvSpPr>
           <p:cNvPr id="4" name="Footer Placeholder 3">
@@ -26532,7 +25494,7 @@
           <a:p>
             <a:fld id="{E31375A4-56A4-47D6-9801-1991572033F7}" type="slidenum">
               <a:rPr lang="en-US" smtClean="0"/>
-              <a:t>9</a:t>
+              <a:t>23</a:t>
             </a:fld>
             <a:endParaRPr lang="en-US"/>
           </a:p>
@@ -26553,13 +25515,13 @@
           <p:nvPr>
             <p:extLst>
               <p:ext uri="{D42A27DB-BD31-4B8C-83A1-F6EECF244321}">
-                <p14:modId xmlns:p14="http://schemas.microsoft.com/office/powerpoint/2010/main" val="38310133"/>
+                <p14:modId xmlns:p14="http://schemas.microsoft.com/office/powerpoint/2010/main" val="3212264836"/>
               </p:ext>
             </p:extLst>
           </p:nvPr>
         </p:nvGraphicFramePr>
         <p:xfrm>
-          <a:off x="1295400" y="3014320"/>
+          <a:off x="1056861" y="2331364"/>
           <a:ext cx="9931842" cy="2885547"/>
         </p:xfrm>
         <a:graphic>
@@ -26684,7 +25646,7 @@
         </p:blipFill>
         <p:spPr>
           <a:xfrm>
-            <a:off x="1316802" y="3545632"/>
+            <a:off x="1078263" y="2862676"/>
             <a:ext cx="4779198" cy="2354235"/>
           </a:xfrm>
           <a:prstGeom prst="rect">
@@ -26714,7 +25676,7 @@
         </p:blipFill>
         <p:spPr>
           <a:xfrm>
-            <a:off x="6423042" y="3617843"/>
+            <a:off x="6184503" y="2934887"/>
             <a:ext cx="4598327" cy="2282024"/>
           </a:xfrm>
           <a:prstGeom prst="rect">
@@ -26773,8 +25735,268 @@
           <a:p>
             <a:r>
               <a:rPr lang="en-US" dirty="0"/>
-              <a:t>3. Data Exploration</a:t>
+              <a:t>Appendix</a:t>
             </a:r>
+          </a:p>
+        </p:txBody>
+      </p:sp>
+      <p:sp>
+        <p:nvSpPr>
+          <p:cNvPr id="2" name="Content Placeholder 2">
+            <a:extLst>
+              <a:ext uri="{FF2B5EF4-FFF2-40B4-BE49-F238E27FC236}">
+                <a16:creationId xmlns:a16="http://schemas.microsoft.com/office/drawing/2014/main" id="{601AA957-D8D7-EEDE-B8E1-4BD01A8B7EC0}"/>
+              </a:ext>
+            </a:extLst>
+          </p:cNvPr>
+          <p:cNvSpPr txBox="1">
+            <a:spLocks/>
+          </p:cNvSpPr>
+          <p:nvPr/>
+        </p:nvSpPr>
+        <p:spPr>
+          <a:xfrm>
+            <a:off x="891540" y="719508"/>
+            <a:ext cx="9601200" cy="3809999"/>
+          </a:xfrm>
+          <a:prstGeom prst="rect">
+            <a:avLst/>
+          </a:prstGeom>
+        </p:spPr>
+        <p:txBody>
+          <a:bodyPr vert="horz" lIns="91440" tIns="45720" rIns="91440" bIns="45720" rtlCol="0">
+            <a:normAutofit/>
+          </a:bodyPr>
+          <a:lstStyle>
+            <a:lvl1pPr marL="228600" indent="-228600" algn="l" defTabSz="914400" rtl="0" eaLnBrk="1" latinLnBrk="0" hangingPunct="1">
+              <a:lnSpc>
+                <a:spcPct val="90000"/>
+              </a:lnSpc>
+              <a:spcBef>
+                <a:spcPts val="1800"/>
+              </a:spcBef>
+              <a:buClr>
+                <a:schemeClr val="accent1">
+                  <a:lumMod val="75000"/>
+                </a:schemeClr>
+              </a:buClr>
+              <a:buSzPct val="100000"/>
+              <a:buFont typeface="Arial" pitchFamily="34" charset="0"/>
+              <a:buChar char="▪"/>
+              <a:defRPr sz="2000" kern="1200">
+                <a:solidFill>
+                  <a:schemeClr val="tx1"/>
+                </a:solidFill>
+                <a:latin typeface="+mn-lt"/>
+                <a:ea typeface="+mn-ea"/>
+                <a:cs typeface="+mn-cs"/>
+              </a:defRPr>
+            </a:lvl1pPr>
+            <a:lvl2pPr marL="457200" indent="-182880" algn="l" defTabSz="914400" rtl="0" eaLnBrk="1" latinLnBrk="0" hangingPunct="1">
+              <a:lnSpc>
+                <a:spcPct val="90000"/>
+              </a:lnSpc>
+              <a:spcBef>
+                <a:spcPts val="1200"/>
+              </a:spcBef>
+              <a:buClr>
+                <a:schemeClr val="accent1">
+                  <a:lumMod val="75000"/>
+                </a:schemeClr>
+              </a:buClr>
+              <a:buSzPct val="100000"/>
+              <a:buFont typeface="Arial" pitchFamily="34" charset="0"/>
+              <a:buChar char="▪"/>
+              <a:defRPr sz="1800" kern="1200">
+                <a:solidFill>
+                  <a:schemeClr val="tx1"/>
+                </a:solidFill>
+                <a:latin typeface="+mn-lt"/>
+                <a:ea typeface="+mn-ea"/>
+                <a:cs typeface="+mn-cs"/>
+              </a:defRPr>
+            </a:lvl2pPr>
+            <a:lvl3pPr marL="685800" indent="-179388" algn="l" defTabSz="914400" rtl="0" eaLnBrk="1" latinLnBrk="0" hangingPunct="1">
+              <a:lnSpc>
+                <a:spcPct val="90000"/>
+              </a:lnSpc>
+              <a:spcBef>
+                <a:spcPts val="800"/>
+              </a:spcBef>
+              <a:buClr>
+                <a:schemeClr val="accent1">
+                  <a:lumMod val="75000"/>
+                </a:schemeClr>
+              </a:buClr>
+              <a:buSzPct val="100000"/>
+              <a:buFont typeface="Arial" pitchFamily="34" charset="0"/>
+              <a:buChar char="▪"/>
+              <a:defRPr sz="1600" kern="1200">
+                <a:solidFill>
+                  <a:schemeClr val="tx1"/>
+                </a:solidFill>
+                <a:latin typeface="+mn-lt"/>
+                <a:ea typeface="+mn-ea"/>
+                <a:cs typeface="+mn-cs"/>
+              </a:defRPr>
+            </a:lvl3pPr>
+            <a:lvl4pPr marL="914400" indent="-182880" algn="l" defTabSz="914400" rtl="0" eaLnBrk="1" latinLnBrk="0" hangingPunct="1">
+              <a:lnSpc>
+                <a:spcPct val="90000"/>
+              </a:lnSpc>
+              <a:spcBef>
+                <a:spcPts val="800"/>
+              </a:spcBef>
+              <a:buClr>
+                <a:schemeClr val="accent1">
+                  <a:lumMod val="75000"/>
+                </a:schemeClr>
+              </a:buClr>
+              <a:buSzPct val="100000"/>
+              <a:buFont typeface="Arial" pitchFamily="34" charset="0"/>
+              <a:buChar char="▪"/>
+              <a:defRPr sz="1400" kern="1200">
+                <a:solidFill>
+                  <a:schemeClr val="tx1"/>
+                </a:solidFill>
+                <a:latin typeface="+mn-lt"/>
+                <a:ea typeface="+mn-ea"/>
+                <a:cs typeface="+mn-cs"/>
+              </a:defRPr>
+            </a:lvl4pPr>
+            <a:lvl5pPr marL="1143000" indent="-179388" algn="l" defTabSz="914400" rtl="0" eaLnBrk="1" latinLnBrk="0" hangingPunct="1">
+              <a:lnSpc>
+                <a:spcPct val="90000"/>
+              </a:lnSpc>
+              <a:spcBef>
+                <a:spcPts val="600"/>
+              </a:spcBef>
+              <a:buClr>
+                <a:schemeClr val="accent1">
+                  <a:lumMod val="75000"/>
+                </a:schemeClr>
+              </a:buClr>
+              <a:buSzPct val="100000"/>
+              <a:buFont typeface="Arial" pitchFamily="34" charset="0"/>
+              <a:buChar char="▪"/>
+              <a:defRPr sz="1400" kern="1200">
+                <a:solidFill>
+                  <a:schemeClr val="tx1"/>
+                </a:solidFill>
+                <a:latin typeface="+mn-lt"/>
+                <a:ea typeface="+mn-ea"/>
+                <a:cs typeface="+mn-cs"/>
+              </a:defRPr>
+            </a:lvl5pPr>
+            <a:lvl6pPr marL="1371600" indent="-182880" algn="l" defTabSz="914400" rtl="0" eaLnBrk="1" latinLnBrk="0" hangingPunct="1">
+              <a:lnSpc>
+                <a:spcPct val="90000"/>
+              </a:lnSpc>
+              <a:spcBef>
+                <a:spcPts val="600"/>
+              </a:spcBef>
+              <a:buClr>
+                <a:schemeClr val="accent1">
+                  <a:lumMod val="75000"/>
+                </a:schemeClr>
+              </a:buClr>
+              <a:buSzPct val="100000"/>
+              <a:buFont typeface="Arial" pitchFamily="34" charset="0"/>
+              <a:buChar char="▪"/>
+              <a:defRPr sz="1400" kern="1200">
+                <a:solidFill>
+                  <a:schemeClr val="tx1"/>
+                </a:solidFill>
+                <a:latin typeface="+mn-lt"/>
+                <a:ea typeface="+mn-ea"/>
+                <a:cs typeface="+mn-cs"/>
+              </a:defRPr>
+            </a:lvl6pPr>
+            <a:lvl7pPr marL="1600200" indent="-179388" algn="l" defTabSz="914400" rtl="0" eaLnBrk="1" latinLnBrk="0" hangingPunct="1">
+              <a:lnSpc>
+                <a:spcPct val="90000"/>
+              </a:lnSpc>
+              <a:spcBef>
+                <a:spcPts val="600"/>
+              </a:spcBef>
+              <a:buClr>
+                <a:schemeClr val="accent1">
+                  <a:lumMod val="75000"/>
+                </a:schemeClr>
+              </a:buClr>
+              <a:buSzPct val="100000"/>
+              <a:buFont typeface="Arial" pitchFamily="34" charset="0"/>
+              <a:buChar char="▪"/>
+              <a:defRPr sz="1400" kern="1200">
+                <a:solidFill>
+                  <a:schemeClr val="tx1"/>
+                </a:solidFill>
+                <a:latin typeface="+mn-lt"/>
+                <a:ea typeface="+mn-ea"/>
+                <a:cs typeface="+mn-cs"/>
+              </a:defRPr>
+            </a:lvl7pPr>
+            <a:lvl8pPr marL="1828800" indent="-182880" algn="l" defTabSz="914400" rtl="0" eaLnBrk="1" latinLnBrk="0" hangingPunct="1">
+              <a:lnSpc>
+                <a:spcPct val="90000"/>
+              </a:lnSpc>
+              <a:spcBef>
+                <a:spcPts val="600"/>
+              </a:spcBef>
+              <a:buClr>
+                <a:schemeClr val="accent1">
+                  <a:lumMod val="75000"/>
+                </a:schemeClr>
+              </a:buClr>
+              <a:buSzPct val="100000"/>
+              <a:buFont typeface="Arial" pitchFamily="34" charset="0"/>
+              <a:buChar char="▪"/>
+              <a:defRPr sz="1400" kern="1200">
+                <a:solidFill>
+                  <a:schemeClr val="tx1"/>
+                </a:solidFill>
+                <a:latin typeface="+mn-lt"/>
+                <a:ea typeface="+mn-ea"/>
+                <a:cs typeface="+mn-cs"/>
+              </a:defRPr>
+            </a:lvl8pPr>
+            <a:lvl9pPr marL="1878012" indent="0" algn="l" defTabSz="914400" rtl="0" eaLnBrk="1" latinLnBrk="0" hangingPunct="1">
+              <a:lnSpc>
+                <a:spcPct val="90000"/>
+              </a:lnSpc>
+              <a:spcBef>
+                <a:spcPts val="600"/>
+              </a:spcBef>
+              <a:buClr>
+                <a:schemeClr val="accent1">
+                  <a:lumMod val="75000"/>
+                </a:schemeClr>
+              </a:buClr>
+              <a:buSzPct val="100000"/>
+              <a:buFont typeface="Arial" pitchFamily="34" charset="0"/>
+              <a:buNone/>
+              <a:defRPr sz="1400" kern="1200">
+                <a:solidFill>
+                  <a:schemeClr val="tx1"/>
+                </a:solidFill>
+                <a:latin typeface="+mn-lt"/>
+                <a:ea typeface="+mn-ea"/>
+                <a:cs typeface="+mn-cs"/>
+              </a:defRPr>
+            </a:lvl9pPr>
+          </a:lstStyle>
+          <a:p>
+            <a:r>
+              <a:rPr lang="en-US" b="1" dirty="0"/>
+              <a:t>Intervention time box plot</a:t>
+            </a:r>
+          </a:p>
+          <a:p>
+            <a:pPr lvl="1"/>
+            <a:endParaRPr lang="en-US" dirty="0"/>
+          </a:p>
+          <a:p>
+            <a:endParaRPr lang="en-US" dirty="0"/>
           </a:p>
         </p:txBody>
       </p:sp>
@@ -26782,6 +26004,1663 @@
     <p:extLst>
       <p:ext uri="{BB962C8B-B14F-4D97-AF65-F5344CB8AC3E}">
         <p14:creationId xmlns:p14="http://schemas.microsoft.com/office/powerpoint/2010/main" val="2080274654"/>
+      </p:ext>
+    </p:extLst>
+  </p:cSld>
+  <p:clrMapOvr>
+    <a:masterClrMapping/>
+  </p:clrMapOvr>
+  <mc:AlternateContent xmlns:mc="http://schemas.openxmlformats.org/markup-compatibility/2006" xmlns:p14="http://schemas.microsoft.com/office/powerpoint/2010/main">
+    <mc:Choice Requires="p14">
+      <p:transition spd="med" p14:dur="700">
+        <p:fade/>
+      </p:transition>
+    </mc:Choice>
+    <mc:Fallback xmlns="">
+      <p:transition spd="med">
+        <p:fade/>
+      </p:transition>
+    </mc:Fallback>
+  </mc:AlternateContent>
+</p:sld>
+</file>
+
+<file path=ppt/slides/slide3.xml><?xml version="1.0" encoding="utf-8"?>
+<p:sld xmlns:a="http://schemas.openxmlformats.org/drawingml/2006/main" xmlns:r="http://schemas.openxmlformats.org/officeDocument/2006/relationships" xmlns:p="http://schemas.openxmlformats.org/presentationml/2006/main">
+  <p:cSld>
+    <p:spTree>
+      <p:nvGrpSpPr>
+        <p:cNvPr id="1" name=""/>
+        <p:cNvGrpSpPr/>
+        <p:nvPr/>
+      </p:nvGrpSpPr>
+      <p:grpSpPr>
+        <a:xfrm>
+          <a:off x="0" y="0"/>
+          <a:ext cx="0" cy="0"/>
+          <a:chOff x="0" y="0"/>
+          <a:chExt cx="0" cy="0"/>
+        </a:xfrm>
+      </p:grpSpPr>
+      <p:sp>
+        <p:nvSpPr>
+          <p:cNvPr id="2" name="Title 1"/>
+          <p:cNvSpPr>
+            <a:spLocks noGrp="1"/>
+          </p:cNvSpPr>
+          <p:nvPr>
+            <p:ph type="title"/>
+          </p:nvPr>
+        </p:nvSpPr>
+        <p:spPr>
+          <a:xfrm>
+            <a:off x="71562" y="-527134"/>
+            <a:ext cx="9601200" cy="1142385"/>
+          </a:xfrm>
+        </p:spPr>
+        <p:txBody>
+          <a:bodyPr/>
+          <a:lstStyle/>
+          <a:p>
+            <a:r>
+              <a:rPr lang="en-US" dirty="0"/>
+              <a:t>1. Research Question</a:t>
+            </a:r>
+          </a:p>
+        </p:txBody>
+      </p:sp>
+      <p:sp>
+        <p:nvSpPr>
+          <p:cNvPr id="3" name="Content Placeholder 2"/>
+          <p:cNvSpPr>
+            <a:spLocks noGrp="1"/>
+          </p:cNvSpPr>
+          <p:nvPr>
+            <p:ph idx="1"/>
+          </p:nvPr>
+        </p:nvSpPr>
+        <p:spPr>
+          <a:xfrm>
+            <a:off x="1103003" y="1459056"/>
+            <a:ext cx="9601200" cy="3809999"/>
+          </a:xfrm>
+        </p:spPr>
+        <p:txBody>
+          <a:bodyPr/>
+          <a:lstStyle/>
+          <a:p>
+            <a:r>
+              <a:rPr lang="en-US" b="1" dirty="0"/>
+              <a:t>What patterns can be found in data from re-ignition fires?</a:t>
+            </a:r>
+          </a:p>
+          <a:p>
+            <a:endParaRPr lang="en-US" dirty="0"/>
+          </a:p>
+        </p:txBody>
+      </p:sp>
+      <p:sp>
+        <p:nvSpPr>
+          <p:cNvPr id="4" name="Footer Placeholder 3">
+            <a:extLst>
+              <a:ext uri="{FF2B5EF4-FFF2-40B4-BE49-F238E27FC236}">
+                <a16:creationId xmlns:a16="http://schemas.microsoft.com/office/drawing/2014/main" id="{BE0B6D6C-44C9-1051-0C91-998CECCC1D63}"/>
+              </a:ext>
+            </a:extLst>
+          </p:cNvPr>
+          <p:cNvSpPr>
+            <a:spLocks noGrp="1"/>
+          </p:cNvSpPr>
+          <p:nvPr>
+            <p:ph type="ftr" sz="quarter" idx="11"/>
+          </p:nvPr>
+        </p:nvSpPr>
+        <p:spPr/>
+        <p:txBody>
+          <a:bodyPr/>
+          <a:lstStyle/>
+          <a:p>
+            <a:r>
+              <a:rPr lang="en-US"/>
+              <a:t>FEUP</a:t>
+            </a:r>
+            <a:endParaRPr lang="en-US" dirty="0"/>
+          </a:p>
+        </p:txBody>
+      </p:sp>
+      <p:sp>
+        <p:nvSpPr>
+          <p:cNvPr id="5" name="Slide Number Placeholder 4">
+            <a:extLst>
+              <a:ext uri="{FF2B5EF4-FFF2-40B4-BE49-F238E27FC236}">
+                <a16:creationId xmlns:a16="http://schemas.microsoft.com/office/drawing/2014/main" id="{5A4DF306-6297-E3A1-8E54-B741481235E8}"/>
+              </a:ext>
+            </a:extLst>
+          </p:cNvPr>
+          <p:cNvSpPr>
+            <a:spLocks noGrp="1"/>
+          </p:cNvSpPr>
+          <p:nvPr>
+            <p:ph type="sldNum" sz="quarter" idx="12"/>
+          </p:nvPr>
+        </p:nvSpPr>
+        <p:spPr/>
+        <p:txBody>
+          <a:bodyPr/>
+          <a:lstStyle/>
+          <a:p>
+            <a:fld id="{E31375A4-56A4-47D6-9801-1991572033F7}" type="slidenum">
+              <a:rPr lang="en-US" smtClean="0"/>
+              <a:t>3</a:t>
+            </a:fld>
+            <a:endParaRPr lang="en-US"/>
+          </a:p>
+        </p:txBody>
+      </p:sp>
+      <p:graphicFrame>
+        <p:nvGraphicFramePr>
+          <p:cNvPr id="8" name="Table 7">
+            <a:extLst>
+              <a:ext uri="{FF2B5EF4-FFF2-40B4-BE49-F238E27FC236}">
+                <a16:creationId xmlns:a16="http://schemas.microsoft.com/office/drawing/2014/main" id="{2C00AD40-3665-396F-E602-7C75ABE31C8C}"/>
+              </a:ext>
+            </a:extLst>
+          </p:cNvPr>
+          <p:cNvGraphicFramePr>
+            <a:graphicFrameLocks noGrp="1"/>
+          </p:cNvGraphicFramePr>
+          <p:nvPr>
+            <p:extLst>
+              <p:ext uri="{D42A27DB-BD31-4B8C-83A1-F6EECF244321}">
+                <p14:modId xmlns:p14="http://schemas.microsoft.com/office/powerpoint/2010/main" val="1310147074"/>
+              </p:ext>
+            </p:extLst>
+          </p:nvPr>
+        </p:nvGraphicFramePr>
+        <p:xfrm>
+          <a:off x="7072661" y="2602292"/>
+          <a:ext cx="4052091" cy="2763520"/>
+        </p:xfrm>
+        <a:graphic>
+          <a:graphicData uri="http://schemas.openxmlformats.org/drawingml/2006/table">
+            <a:tbl>
+              <a:tblPr firstRow="1" bandRow="1">
+                <a:tableStyleId>{BC89EF96-8CEA-46FF-86C4-4CE0E7609802}</a:tableStyleId>
+              </a:tblPr>
+              <a:tblGrid>
+                <a:gridCol w="3048503">
+                  <a:extLst>
+                    <a:ext uri="{9D8B030D-6E8A-4147-A177-3AD203B41FA5}">
+                      <a16:colId xmlns:a16="http://schemas.microsoft.com/office/drawing/2014/main" val="2108639786"/>
+                    </a:ext>
+                  </a:extLst>
+                </a:gridCol>
+                <a:gridCol w="1003588">
+                  <a:extLst>
+                    <a:ext uri="{9D8B030D-6E8A-4147-A177-3AD203B41FA5}">
+                      <a16:colId xmlns:a16="http://schemas.microsoft.com/office/drawing/2014/main" val="3813086175"/>
+                    </a:ext>
+                  </a:extLst>
+                </a:gridCol>
+              </a:tblGrid>
+              <a:tr h="370840">
+                <a:tc>
+                  <a:txBody>
+                    <a:bodyPr/>
+                    <a:lstStyle/>
+                    <a:p>
+                      <a:pPr algn="ctr"/>
+                      <a:r>
+                        <a:rPr lang="en-US" sz="1800" dirty="0"/>
+                        <a:t>Variables of interest</a:t>
+                      </a:r>
+                    </a:p>
+                  </a:txBody>
+                  <a:tcPr/>
+                </a:tc>
+                <a:tc>
+                  <a:txBody>
+                    <a:bodyPr/>
+                    <a:lstStyle/>
+                    <a:p>
+                      <a:pPr algn="ctr"/>
+                      <a:r>
+                        <a:rPr lang="en-US" sz="1800" dirty="0"/>
+                        <a:t>Type</a:t>
+                      </a:r>
+                    </a:p>
+                  </a:txBody>
+                  <a:tcPr/>
+                </a:tc>
+                <a:extLst>
+                  <a:ext uri="{0D108BD9-81ED-4DB2-BD59-A6C34878D82A}">
+                    <a16:rowId xmlns:a16="http://schemas.microsoft.com/office/drawing/2014/main" val="2250246308"/>
+                  </a:ext>
+                </a:extLst>
+              </a:tr>
+              <a:tr h="370840">
+                <a:tc>
+                  <a:txBody>
+                    <a:bodyPr/>
+                    <a:lstStyle/>
+                    <a:p>
+                      <a:pPr algn="ctr"/>
+                      <a:r>
+                        <a:rPr lang="en-US" sz="1800" dirty="0"/>
+                        <a:t>Extinguish time</a:t>
+                      </a:r>
+                    </a:p>
+                  </a:txBody>
+                  <a:tcPr/>
+                </a:tc>
+                <a:tc>
+                  <a:txBody>
+                    <a:bodyPr/>
+                    <a:lstStyle/>
+                    <a:p>
+                      <a:pPr algn="ctr"/>
+                      <a:r>
+                        <a:rPr lang="en-US" sz="1800" dirty="0"/>
+                        <a:t>Quant</a:t>
+                      </a:r>
+                    </a:p>
+                  </a:txBody>
+                  <a:tcPr/>
+                </a:tc>
+                <a:extLst>
+                  <a:ext uri="{0D108BD9-81ED-4DB2-BD59-A6C34878D82A}">
+                    <a16:rowId xmlns:a16="http://schemas.microsoft.com/office/drawing/2014/main" val="4143227141"/>
+                  </a:ext>
+                </a:extLst>
+              </a:tr>
+              <a:tr h="370840">
+                <a:tc>
+                  <a:txBody>
+                    <a:bodyPr/>
+                    <a:lstStyle/>
+                    <a:p>
+                      <a:pPr algn="ctr"/>
+                      <a:r>
+                        <a:rPr lang="en-US" sz="1800" dirty="0"/>
+                        <a:t>Intervention time</a:t>
+                      </a:r>
+                    </a:p>
+                  </a:txBody>
+                  <a:tcPr/>
+                </a:tc>
+                <a:tc>
+                  <a:txBody>
+                    <a:bodyPr/>
+                    <a:lstStyle/>
+                    <a:p>
+                      <a:pPr algn="ctr"/>
+                      <a:r>
+                        <a:rPr lang="en-US" sz="1800" dirty="0"/>
+                        <a:t>Quant</a:t>
+                      </a:r>
+                    </a:p>
+                  </a:txBody>
+                  <a:tcPr/>
+                </a:tc>
+                <a:extLst>
+                  <a:ext uri="{0D108BD9-81ED-4DB2-BD59-A6C34878D82A}">
+                    <a16:rowId xmlns:a16="http://schemas.microsoft.com/office/drawing/2014/main" val="396544891"/>
+                  </a:ext>
+                </a:extLst>
+              </a:tr>
+              <a:tr h="370840">
+                <a:tc>
+                  <a:txBody>
+                    <a:bodyPr/>
+                    <a:lstStyle/>
+                    <a:p>
+                      <a:pPr algn="ctr"/>
+                      <a:r>
+                        <a:rPr lang="en-US" sz="1800" dirty="0"/>
+                        <a:t>Total burnt area</a:t>
+                      </a:r>
+                    </a:p>
+                  </a:txBody>
+                  <a:tcPr/>
+                </a:tc>
+                <a:tc>
+                  <a:txBody>
+                    <a:bodyPr/>
+                    <a:lstStyle/>
+                    <a:p>
+                      <a:pPr algn="ctr"/>
+                      <a:r>
+                        <a:rPr lang="en-US" sz="1800" dirty="0"/>
+                        <a:t>Quant</a:t>
+                      </a:r>
+                    </a:p>
+                  </a:txBody>
+                  <a:tcPr/>
+                </a:tc>
+                <a:extLst>
+                  <a:ext uri="{0D108BD9-81ED-4DB2-BD59-A6C34878D82A}">
+                    <a16:rowId xmlns:a16="http://schemas.microsoft.com/office/drawing/2014/main" val="2358417654"/>
+                  </a:ext>
+                </a:extLst>
+              </a:tr>
+              <a:tr h="370840">
+                <a:tc>
+                  <a:txBody>
+                    <a:bodyPr/>
+                    <a:lstStyle/>
+                    <a:p>
+                      <a:pPr algn="ctr"/>
+                      <a:r>
+                        <a:rPr lang="en-US" sz="1800" dirty="0"/>
+                        <a:t>Coastal proximity</a:t>
+                      </a:r>
+                    </a:p>
+                    <a:p>
+                      <a:pPr algn="ctr"/>
+                      <a:r>
+                        <a:rPr lang="en-US" sz="1800" dirty="0"/>
+                        <a:t>(coastal / inland)</a:t>
+                      </a:r>
+                    </a:p>
+                  </a:txBody>
+                  <a:tcPr anchor="ctr"/>
+                </a:tc>
+                <a:tc>
+                  <a:txBody>
+                    <a:bodyPr/>
+                    <a:lstStyle/>
+                    <a:p>
+                      <a:pPr algn="ctr"/>
+                      <a:r>
+                        <a:rPr lang="en-US" sz="1800" dirty="0"/>
+                        <a:t>Qual</a:t>
+                      </a:r>
+                    </a:p>
+                  </a:txBody>
+                  <a:tcPr anchor="ctr"/>
+                </a:tc>
+                <a:extLst>
+                  <a:ext uri="{0D108BD9-81ED-4DB2-BD59-A6C34878D82A}">
+                    <a16:rowId xmlns:a16="http://schemas.microsoft.com/office/drawing/2014/main" val="3646276403"/>
+                  </a:ext>
+                </a:extLst>
+              </a:tr>
+              <a:tr h="370840">
+                <a:tc>
+                  <a:txBody>
+                    <a:bodyPr/>
+                    <a:lstStyle/>
+                    <a:p>
+                      <a:pPr algn="ctr"/>
+                      <a:r>
+                        <a:rPr lang="en-US" sz="1800" dirty="0"/>
+                        <a:t>Occurrences magnitude</a:t>
+                      </a:r>
+                    </a:p>
+                    <a:p>
+                      <a:pPr algn="ctr"/>
+                      <a:r>
+                        <a:rPr lang="en-US" sz="1800" dirty="0"/>
+                        <a:t>(higher / lower occurrences)</a:t>
+                      </a:r>
+                    </a:p>
+                  </a:txBody>
+                  <a:tcPr anchor="ctr"/>
+                </a:tc>
+                <a:tc>
+                  <a:txBody>
+                    <a:bodyPr/>
+                    <a:lstStyle/>
+                    <a:p>
+                      <a:pPr algn="ctr"/>
+                      <a:r>
+                        <a:rPr lang="en-US" sz="1800" dirty="0"/>
+                        <a:t>Qual</a:t>
+                      </a:r>
+                    </a:p>
+                  </a:txBody>
+                  <a:tcPr anchor="ctr"/>
+                </a:tc>
+                <a:extLst>
+                  <a:ext uri="{0D108BD9-81ED-4DB2-BD59-A6C34878D82A}">
+                    <a16:rowId xmlns:a16="http://schemas.microsoft.com/office/drawing/2014/main" val="2116388035"/>
+                  </a:ext>
+                </a:extLst>
+              </a:tr>
+            </a:tbl>
+          </a:graphicData>
+        </a:graphic>
+      </p:graphicFrame>
+      <p:sp>
+        <p:nvSpPr>
+          <p:cNvPr id="9" name="TextBox 8">
+            <a:extLst>
+              <a:ext uri="{FF2B5EF4-FFF2-40B4-BE49-F238E27FC236}">
+                <a16:creationId xmlns:a16="http://schemas.microsoft.com/office/drawing/2014/main" id="{566FB2D8-FC52-E0B1-4288-3C68ED2DBB22}"/>
+              </a:ext>
+            </a:extLst>
+          </p:cNvPr>
+          <p:cNvSpPr txBox="1"/>
+          <p:nvPr/>
+        </p:nvSpPr>
+        <p:spPr>
+          <a:xfrm>
+            <a:off x="1619748" y="2602292"/>
+            <a:ext cx="4857808" cy="2800767"/>
+          </a:xfrm>
+          <a:prstGeom prst="rect">
+            <a:avLst/>
+          </a:prstGeom>
+          <a:noFill/>
+        </p:spPr>
+        <p:txBody>
+          <a:bodyPr wrap="square" rtlCol="0">
+            <a:spAutoFit/>
+          </a:bodyPr>
+          <a:lstStyle/>
+          <a:p>
+            <a:r>
+              <a:rPr lang="en-US" sz="1600" dirty="0"/>
+              <a:t>Are the frequencies of our variables of interest normally distributed?</a:t>
+            </a:r>
+          </a:p>
+          <a:p>
+            <a:endParaRPr lang="en-US" sz="1600" dirty="0"/>
+          </a:p>
+          <a:p>
+            <a:r>
+              <a:rPr lang="en-US" sz="1600" dirty="0"/>
+              <a:t>Positive correlation between intervention time and total burnt area?</a:t>
+            </a:r>
+          </a:p>
+          <a:p>
+            <a:endParaRPr lang="en-US" sz="1600" dirty="0"/>
+          </a:p>
+          <a:p>
+            <a:r>
+              <a:rPr lang="en-US" sz="1600" dirty="0"/>
+              <a:t>Increase in extinguish time results in a increase in total burnt area?</a:t>
+            </a:r>
+          </a:p>
+          <a:p>
+            <a:endParaRPr lang="en-US" sz="1600" dirty="0"/>
+          </a:p>
+          <a:p>
+            <a:r>
+              <a:rPr lang="en-US" sz="1600" dirty="0"/>
+              <a:t>Is there a higher frequency of re-ignition fires observed in inland area opposed to coastal area?</a:t>
+            </a:r>
+          </a:p>
+        </p:txBody>
+      </p:sp>
+      <p:sp>
+        <p:nvSpPr>
+          <p:cNvPr id="10" name="Rectangle 9">
+            <a:extLst>
+              <a:ext uri="{FF2B5EF4-FFF2-40B4-BE49-F238E27FC236}">
+                <a16:creationId xmlns:a16="http://schemas.microsoft.com/office/drawing/2014/main" id="{0C412F58-85DD-E97C-A7E2-BBC17A0C11D7}"/>
+              </a:ext>
+            </a:extLst>
+          </p:cNvPr>
+          <p:cNvSpPr/>
+          <p:nvPr/>
+        </p:nvSpPr>
+        <p:spPr>
+          <a:xfrm>
+            <a:off x="1359673" y="2579115"/>
+            <a:ext cx="5377958" cy="2819830"/>
+          </a:xfrm>
+          <a:prstGeom prst="rect">
+            <a:avLst/>
+          </a:prstGeom>
+          <a:noFill/>
+        </p:spPr>
+        <p:style>
+          <a:lnRef idx="2">
+            <a:schemeClr val="accent1">
+              <a:shade val="50000"/>
+            </a:schemeClr>
+          </a:lnRef>
+          <a:fillRef idx="1">
+            <a:schemeClr val="accent1"/>
+          </a:fillRef>
+          <a:effectRef idx="0">
+            <a:schemeClr val="accent1"/>
+          </a:effectRef>
+          <a:fontRef idx="minor">
+            <a:schemeClr val="lt1"/>
+          </a:fontRef>
+        </p:style>
+        <p:txBody>
+          <a:bodyPr rtlCol="0" anchor="ctr"/>
+          <a:lstStyle/>
+          <a:p>
+            <a:pPr algn="ctr"/>
+            <a:endParaRPr lang="en-US"/>
+          </a:p>
+        </p:txBody>
+      </p:sp>
+    </p:spTree>
+    <p:extLst>
+      <p:ext uri="{BB962C8B-B14F-4D97-AF65-F5344CB8AC3E}">
+        <p14:creationId xmlns:p14="http://schemas.microsoft.com/office/powerpoint/2010/main" val="113303596"/>
+      </p:ext>
+    </p:extLst>
+  </p:cSld>
+  <p:clrMapOvr>
+    <a:masterClrMapping/>
+  </p:clrMapOvr>
+  <mc:AlternateContent xmlns:mc="http://schemas.openxmlformats.org/markup-compatibility/2006" xmlns:p14="http://schemas.microsoft.com/office/powerpoint/2010/main">
+    <mc:Choice Requires="p14">
+      <p:transition spd="med" p14:dur="700">
+        <p:fade/>
+      </p:transition>
+    </mc:Choice>
+    <mc:Fallback xmlns="">
+      <p:transition spd="med">
+        <p:fade/>
+      </p:transition>
+    </mc:Fallback>
+  </mc:AlternateContent>
+</p:sld>
+</file>
+
+<file path=ppt/slides/slide4.xml><?xml version="1.0" encoding="utf-8"?>
+<p:sld xmlns:a="http://schemas.openxmlformats.org/drawingml/2006/main" xmlns:r="http://schemas.openxmlformats.org/officeDocument/2006/relationships" xmlns:p="http://schemas.openxmlformats.org/presentationml/2006/main">
+  <p:cSld>
+    <p:spTree>
+      <p:nvGrpSpPr>
+        <p:cNvPr id="1" name=""/>
+        <p:cNvGrpSpPr/>
+        <p:nvPr/>
+      </p:nvGrpSpPr>
+      <p:grpSpPr>
+        <a:xfrm>
+          <a:off x="0" y="0"/>
+          <a:ext cx="0" cy="0"/>
+          <a:chOff x="0" y="0"/>
+          <a:chExt cx="0" cy="0"/>
+        </a:xfrm>
+      </p:grpSpPr>
+      <p:sp>
+        <p:nvSpPr>
+          <p:cNvPr id="2" name="Title 1"/>
+          <p:cNvSpPr>
+            <a:spLocks noGrp="1"/>
+          </p:cNvSpPr>
+          <p:nvPr>
+            <p:ph type="title"/>
+          </p:nvPr>
+        </p:nvSpPr>
+        <p:spPr>
+          <a:xfrm>
+            <a:off x="94753" y="-571193"/>
+            <a:ext cx="9601200" cy="1142385"/>
+          </a:xfrm>
+        </p:spPr>
+        <p:txBody>
+          <a:bodyPr/>
+          <a:lstStyle/>
+          <a:p>
+            <a:r>
+              <a:rPr lang="en-US" dirty="0"/>
+              <a:t>2. Data Source</a:t>
+            </a:r>
+          </a:p>
+        </p:txBody>
+      </p:sp>
+      <p:sp>
+        <p:nvSpPr>
+          <p:cNvPr id="3" name="Content Placeholder 2"/>
+          <p:cNvSpPr>
+            <a:spLocks noGrp="1"/>
+          </p:cNvSpPr>
+          <p:nvPr>
+            <p:ph idx="1"/>
+          </p:nvPr>
+        </p:nvSpPr>
+        <p:spPr>
+          <a:xfrm>
+            <a:off x="1122013" y="2111136"/>
+            <a:ext cx="10137912" cy="2050005"/>
+          </a:xfrm>
+        </p:spPr>
+        <p:txBody>
+          <a:bodyPr>
+            <a:normAutofit/>
+          </a:bodyPr>
+          <a:lstStyle/>
+          <a:p>
+            <a:endParaRPr lang="en-US" dirty="0"/>
+          </a:p>
+          <a:p>
+            <a:pPr algn="just"/>
+            <a:r>
+              <a:rPr lang="en-US" dirty="0"/>
+              <a:t>Data was obtained via ICNF website and collected by ANPC.</a:t>
+            </a:r>
+          </a:p>
+          <a:p>
+            <a:pPr algn="just"/>
+            <a:r>
+              <a:rPr lang="en-US" dirty="0"/>
+              <a:t>The dataset includes information on wildfires occurring in </a:t>
+            </a:r>
+            <a:r>
+              <a:rPr lang="en-US" b="1" dirty="0"/>
+              <a:t>Portugal</a:t>
+            </a:r>
+            <a:r>
+              <a:rPr lang="en-US" dirty="0"/>
+              <a:t> territory, during the period of </a:t>
+            </a:r>
+            <a:r>
+              <a:rPr lang="en-US" b="1" dirty="0"/>
+              <a:t>2015</a:t>
+            </a:r>
+            <a:r>
+              <a:rPr lang="en-US" dirty="0"/>
+              <a:t>.</a:t>
+            </a:r>
+          </a:p>
+          <a:p>
+            <a:pPr algn="just"/>
+            <a:endParaRPr lang="en-US" dirty="0"/>
+          </a:p>
+          <a:p>
+            <a:endParaRPr lang="en-US" dirty="0"/>
+          </a:p>
+        </p:txBody>
+      </p:sp>
+      <p:sp>
+        <p:nvSpPr>
+          <p:cNvPr id="4" name="Footer Placeholder 3">
+            <a:extLst>
+              <a:ext uri="{FF2B5EF4-FFF2-40B4-BE49-F238E27FC236}">
+                <a16:creationId xmlns:a16="http://schemas.microsoft.com/office/drawing/2014/main" id="{22FFFC8F-9816-50DC-BEC4-6B0740C0D742}"/>
+              </a:ext>
+            </a:extLst>
+          </p:cNvPr>
+          <p:cNvSpPr>
+            <a:spLocks noGrp="1"/>
+          </p:cNvSpPr>
+          <p:nvPr>
+            <p:ph type="ftr" sz="quarter" idx="11"/>
+          </p:nvPr>
+        </p:nvSpPr>
+        <p:spPr/>
+        <p:txBody>
+          <a:bodyPr/>
+          <a:lstStyle/>
+          <a:p>
+            <a:r>
+              <a:rPr lang="en-US" dirty="0"/>
+              <a:t>FEUP</a:t>
+            </a:r>
+          </a:p>
+        </p:txBody>
+      </p:sp>
+      <p:sp>
+        <p:nvSpPr>
+          <p:cNvPr id="5" name="Slide Number Placeholder 4">
+            <a:extLst>
+              <a:ext uri="{FF2B5EF4-FFF2-40B4-BE49-F238E27FC236}">
+                <a16:creationId xmlns:a16="http://schemas.microsoft.com/office/drawing/2014/main" id="{C747C019-53F0-D7BE-AD00-0324432D1CE0}"/>
+              </a:ext>
+            </a:extLst>
+          </p:cNvPr>
+          <p:cNvSpPr>
+            <a:spLocks noGrp="1"/>
+          </p:cNvSpPr>
+          <p:nvPr>
+            <p:ph type="sldNum" sz="quarter" idx="12"/>
+          </p:nvPr>
+        </p:nvSpPr>
+        <p:spPr/>
+        <p:txBody>
+          <a:bodyPr/>
+          <a:lstStyle/>
+          <a:p>
+            <a:fld id="{E31375A4-56A4-47D6-9801-1991572033F7}" type="slidenum">
+              <a:rPr lang="en-US" smtClean="0"/>
+              <a:t>4</a:t>
+            </a:fld>
+            <a:endParaRPr lang="en-US"/>
+          </a:p>
+        </p:txBody>
+      </p:sp>
+      <p:sp>
+        <p:nvSpPr>
+          <p:cNvPr id="6" name="TextBox 5">
+            <a:extLst>
+              <a:ext uri="{FF2B5EF4-FFF2-40B4-BE49-F238E27FC236}">
+                <a16:creationId xmlns:a16="http://schemas.microsoft.com/office/drawing/2014/main" id="{52785E6D-4D80-2F99-DFBE-D4FD87F27BCD}"/>
+              </a:ext>
+            </a:extLst>
+          </p:cNvPr>
+          <p:cNvSpPr txBox="1"/>
+          <p:nvPr/>
+        </p:nvSpPr>
+        <p:spPr>
+          <a:xfrm>
+            <a:off x="1367625" y="5701085"/>
+            <a:ext cx="6297433" cy="400110"/>
+          </a:xfrm>
+          <a:prstGeom prst="rect">
+            <a:avLst/>
+          </a:prstGeom>
+          <a:noFill/>
+        </p:spPr>
+        <p:txBody>
+          <a:bodyPr wrap="square" rtlCol="0">
+            <a:spAutoFit/>
+          </a:bodyPr>
+          <a:lstStyle/>
+          <a:p>
+            <a:r>
+              <a:rPr lang="en-US" sz="1000" i="1" dirty="0"/>
+              <a:t>ICNF: Instituto da </a:t>
+            </a:r>
+            <a:r>
+              <a:rPr lang="en-US" sz="1000" i="1" dirty="0" err="1"/>
+              <a:t>Conservação</a:t>
+            </a:r>
+            <a:r>
+              <a:rPr lang="en-US" sz="1000" i="1" dirty="0"/>
+              <a:t> da </a:t>
+            </a:r>
+            <a:r>
+              <a:rPr lang="en-US" sz="1000" i="1" dirty="0" err="1"/>
+              <a:t>Natureza</a:t>
+            </a:r>
+            <a:r>
+              <a:rPr lang="en-US" sz="1000" i="1" dirty="0"/>
+              <a:t> e </a:t>
+            </a:r>
+            <a:r>
+              <a:rPr lang="en-US" sz="1000" i="1" dirty="0" err="1"/>
+              <a:t>Florestas</a:t>
+            </a:r>
+            <a:endParaRPr lang="en-US" sz="1000" i="1" dirty="0"/>
+          </a:p>
+          <a:p>
+            <a:r>
+              <a:rPr lang="en-US" sz="1000" i="1" dirty="0"/>
+              <a:t>ANPC: </a:t>
+            </a:r>
+            <a:r>
+              <a:rPr lang="en-US" sz="1000" i="1" dirty="0" err="1"/>
+              <a:t>Associação</a:t>
+            </a:r>
+            <a:r>
+              <a:rPr lang="en-US" sz="1000" i="1" dirty="0"/>
+              <a:t> Nacional de </a:t>
+            </a:r>
+            <a:r>
+              <a:rPr lang="en-US" sz="1000" i="1" dirty="0" err="1"/>
+              <a:t>Proteção</a:t>
+            </a:r>
+            <a:r>
+              <a:rPr lang="en-US" sz="1000" i="1" dirty="0"/>
+              <a:t> Civil</a:t>
+            </a:r>
+          </a:p>
+        </p:txBody>
+      </p:sp>
+    </p:spTree>
+    <p:extLst>
+      <p:ext uri="{BB962C8B-B14F-4D97-AF65-F5344CB8AC3E}">
+        <p14:creationId xmlns:p14="http://schemas.microsoft.com/office/powerpoint/2010/main" val="1413773321"/>
+      </p:ext>
+    </p:extLst>
+  </p:cSld>
+  <p:clrMapOvr>
+    <a:masterClrMapping/>
+  </p:clrMapOvr>
+  <mc:AlternateContent xmlns:mc="http://schemas.openxmlformats.org/markup-compatibility/2006" xmlns:p14="http://schemas.microsoft.com/office/powerpoint/2010/main">
+    <mc:Choice Requires="p14">
+      <p:transition spd="med" p14:dur="700">
+        <p:fade/>
+      </p:transition>
+    </mc:Choice>
+    <mc:Fallback xmlns="">
+      <p:transition spd="med">
+        <p:fade/>
+      </p:transition>
+    </mc:Fallback>
+  </mc:AlternateContent>
+</p:sld>
+</file>
+
+<file path=ppt/slides/slide5.xml><?xml version="1.0" encoding="utf-8"?>
+<p:sld xmlns:a="http://schemas.openxmlformats.org/drawingml/2006/main" xmlns:r="http://schemas.openxmlformats.org/officeDocument/2006/relationships" xmlns:p="http://schemas.openxmlformats.org/presentationml/2006/main">
+  <p:cSld>
+    <p:spTree>
+      <p:nvGrpSpPr>
+        <p:cNvPr id="1" name=""/>
+        <p:cNvGrpSpPr/>
+        <p:nvPr/>
+      </p:nvGrpSpPr>
+      <p:grpSpPr>
+        <a:xfrm>
+          <a:off x="0" y="0"/>
+          <a:ext cx="0" cy="0"/>
+          <a:chOff x="0" y="0"/>
+          <a:chExt cx="0" cy="0"/>
+        </a:xfrm>
+      </p:grpSpPr>
+      <p:sp>
+        <p:nvSpPr>
+          <p:cNvPr id="4" name="Footer Placeholder 3">
+            <a:extLst>
+              <a:ext uri="{FF2B5EF4-FFF2-40B4-BE49-F238E27FC236}">
+                <a16:creationId xmlns:a16="http://schemas.microsoft.com/office/drawing/2014/main" id="{B30FF8F9-83BA-C8AB-FE8E-45B0E7F1C8AE}"/>
+              </a:ext>
+            </a:extLst>
+          </p:cNvPr>
+          <p:cNvSpPr>
+            <a:spLocks noGrp="1"/>
+          </p:cNvSpPr>
+          <p:nvPr>
+            <p:ph type="ftr" sz="quarter" idx="11"/>
+          </p:nvPr>
+        </p:nvSpPr>
+        <p:spPr/>
+        <p:txBody>
+          <a:bodyPr/>
+          <a:lstStyle/>
+          <a:p>
+            <a:r>
+              <a:rPr lang="en-US"/>
+              <a:t>FEUP</a:t>
+            </a:r>
+            <a:endParaRPr lang="en-US" dirty="0"/>
+          </a:p>
+        </p:txBody>
+      </p:sp>
+      <p:sp>
+        <p:nvSpPr>
+          <p:cNvPr id="5" name="Slide Number Placeholder 4">
+            <a:extLst>
+              <a:ext uri="{FF2B5EF4-FFF2-40B4-BE49-F238E27FC236}">
+                <a16:creationId xmlns:a16="http://schemas.microsoft.com/office/drawing/2014/main" id="{888A9355-2654-63AD-176A-C9347C7BAE55}"/>
+              </a:ext>
+            </a:extLst>
+          </p:cNvPr>
+          <p:cNvSpPr>
+            <a:spLocks noGrp="1"/>
+          </p:cNvSpPr>
+          <p:nvPr>
+            <p:ph type="sldNum" sz="quarter" idx="12"/>
+          </p:nvPr>
+        </p:nvSpPr>
+        <p:spPr/>
+        <p:txBody>
+          <a:bodyPr/>
+          <a:lstStyle/>
+          <a:p>
+            <a:fld id="{E31375A4-56A4-47D6-9801-1991572033F7}" type="slidenum">
+              <a:rPr lang="en-US" smtClean="0"/>
+              <a:t>5</a:t>
+            </a:fld>
+            <a:endParaRPr lang="en-US"/>
+          </a:p>
+        </p:txBody>
+      </p:sp>
+      <p:pic>
+        <p:nvPicPr>
+          <p:cNvPr id="7" name="Picture 6">
+            <a:extLst>
+              <a:ext uri="{FF2B5EF4-FFF2-40B4-BE49-F238E27FC236}">
+                <a16:creationId xmlns:a16="http://schemas.microsoft.com/office/drawing/2014/main" id="{18C4A0FF-0A83-2A1F-85BA-8AA445A7143C}"/>
+              </a:ext>
+            </a:extLst>
+          </p:cNvPr>
+          <p:cNvPicPr>
+            <a:picLocks noChangeAspect="1"/>
+          </p:cNvPicPr>
+          <p:nvPr/>
+        </p:nvPicPr>
+        <p:blipFill>
+          <a:blip r:embed="rId3"/>
+          <a:stretch>
+            <a:fillRect/>
+          </a:stretch>
+        </p:blipFill>
+        <p:spPr>
+          <a:xfrm>
+            <a:off x="5082169" y="1024906"/>
+            <a:ext cx="6502024" cy="3920439"/>
+          </a:xfrm>
+          <a:prstGeom prst="rect">
+            <a:avLst/>
+          </a:prstGeom>
+        </p:spPr>
+      </p:pic>
+      <p:sp>
+        <p:nvSpPr>
+          <p:cNvPr id="8" name="Title 1">
+            <a:extLst>
+              <a:ext uri="{FF2B5EF4-FFF2-40B4-BE49-F238E27FC236}">
+                <a16:creationId xmlns:a16="http://schemas.microsoft.com/office/drawing/2014/main" id="{226EA5B1-100B-0C89-711E-D2ECBD40F218}"/>
+              </a:ext>
+            </a:extLst>
+          </p:cNvPr>
+          <p:cNvSpPr txBox="1">
+            <a:spLocks/>
+          </p:cNvSpPr>
+          <p:nvPr/>
+        </p:nvSpPr>
+        <p:spPr>
+          <a:xfrm>
+            <a:off x="94753" y="-571193"/>
+            <a:ext cx="9601200" cy="1142385"/>
+          </a:xfrm>
+          <a:prstGeom prst="rect">
+            <a:avLst/>
+          </a:prstGeom>
+        </p:spPr>
+        <p:txBody>
+          <a:bodyPr vert="horz" lIns="91440" tIns="45720" rIns="91440" bIns="45720" rtlCol="0" anchor="b">
+            <a:normAutofit/>
+          </a:bodyPr>
+          <a:lstStyle>
+            <a:lvl1pPr algn="l" defTabSz="914400" rtl="0" eaLnBrk="1" latinLnBrk="0" hangingPunct="1">
+              <a:lnSpc>
+                <a:spcPct val="90000"/>
+              </a:lnSpc>
+              <a:spcBef>
+                <a:spcPct val="0"/>
+              </a:spcBef>
+              <a:buNone/>
+              <a:defRPr sz="3200" b="1" kern="1200">
+                <a:solidFill>
+                  <a:schemeClr val="accent1">
+                    <a:lumMod val="75000"/>
+                  </a:schemeClr>
+                </a:solidFill>
+                <a:latin typeface="+mj-lt"/>
+                <a:ea typeface="+mj-ea"/>
+                <a:cs typeface="+mj-cs"/>
+              </a:defRPr>
+            </a:lvl1pPr>
+          </a:lstStyle>
+          <a:p>
+            <a:r>
+              <a:rPr lang="en-US" dirty="0"/>
+              <a:t>3. Data Exploration</a:t>
+            </a:r>
+          </a:p>
+        </p:txBody>
+      </p:sp>
+      <p:sp>
+        <p:nvSpPr>
+          <p:cNvPr id="2" name="Right Brace 1">
+            <a:extLst>
+              <a:ext uri="{FF2B5EF4-FFF2-40B4-BE49-F238E27FC236}">
+                <a16:creationId xmlns:a16="http://schemas.microsoft.com/office/drawing/2014/main" id="{D3BC923F-79D0-47C5-F107-67B10B9439A6}"/>
+              </a:ext>
+            </a:extLst>
+          </p:cNvPr>
+          <p:cNvSpPr/>
+          <p:nvPr/>
+        </p:nvSpPr>
+        <p:spPr>
+          <a:xfrm rot="5400000">
+            <a:off x="5929741" y="4408770"/>
+            <a:ext cx="315710" cy="1300070"/>
+          </a:xfrm>
+          <a:prstGeom prst="rightBrace">
+            <a:avLst>
+              <a:gd name="adj1" fmla="val 65415"/>
+              <a:gd name="adj2" fmla="val 49421"/>
+            </a:avLst>
+          </a:prstGeom>
+        </p:spPr>
+        <p:style>
+          <a:lnRef idx="3">
+            <a:schemeClr val="accent1"/>
+          </a:lnRef>
+          <a:fillRef idx="0">
+            <a:schemeClr val="accent1"/>
+          </a:fillRef>
+          <a:effectRef idx="2">
+            <a:schemeClr val="accent1"/>
+          </a:effectRef>
+          <a:fontRef idx="minor">
+            <a:schemeClr val="tx1"/>
+          </a:fontRef>
+        </p:style>
+        <p:txBody>
+          <a:bodyPr rtlCol="0" anchor="ctr"/>
+          <a:lstStyle/>
+          <a:p>
+            <a:pPr algn="ctr"/>
+            <a:endParaRPr lang="en-US"/>
+          </a:p>
+        </p:txBody>
+      </p:sp>
+      <p:sp>
+        <p:nvSpPr>
+          <p:cNvPr id="6" name="Right Brace 5">
+            <a:extLst>
+              <a:ext uri="{FF2B5EF4-FFF2-40B4-BE49-F238E27FC236}">
+                <a16:creationId xmlns:a16="http://schemas.microsoft.com/office/drawing/2014/main" id="{AA0F44AE-8183-AF61-2199-F9D26516E3DD}"/>
+              </a:ext>
+            </a:extLst>
+          </p:cNvPr>
+          <p:cNvSpPr/>
+          <p:nvPr/>
+        </p:nvSpPr>
+        <p:spPr>
+          <a:xfrm rot="5400000">
+            <a:off x="9003055" y="2667145"/>
+            <a:ext cx="315712" cy="4846562"/>
+          </a:xfrm>
+          <a:prstGeom prst="rightBrace">
+            <a:avLst>
+              <a:gd name="adj1" fmla="val 65415"/>
+              <a:gd name="adj2" fmla="val 49421"/>
+            </a:avLst>
+          </a:prstGeom>
+        </p:spPr>
+        <p:style>
+          <a:lnRef idx="3">
+            <a:schemeClr val="accent1"/>
+          </a:lnRef>
+          <a:fillRef idx="0">
+            <a:schemeClr val="accent1"/>
+          </a:fillRef>
+          <a:effectRef idx="2">
+            <a:schemeClr val="accent1"/>
+          </a:effectRef>
+          <a:fontRef idx="minor">
+            <a:schemeClr val="tx1"/>
+          </a:fontRef>
+        </p:style>
+        <p:txBody>
+          <a:bodyPr rtlCol="0" anchor="ctr"/>
+          <a:lstStyle/>
+          <a:p>
+            <a:pPr algn="ctr"/>
+            <a:endParaRPr lang="en-US"/>
+          </a:p>
+        </p:txBody>
+      </p:sp>
+      <p:sp>
+        <p:nvSpPr>
+          <p:cNvPr id="9" name="TextBox 8">
+            <a:extLst>
+              <a:ext uri="{FF2B5EF4-FFF2-40B4-BE49-F238E27FC236}">
+                <a16:creationId xmlns:a16="http://schemas.microsoft.com/office/drawing/2014/main" id="{644B097D-F22E-79AD-E0C9-8322A6574D84}"/>
+              </a:ext>
+            </a:extLst>
+          </p:cNvPr>
+          <p:cNvSpPr txBox="1"/>
+          <p:nvPr/>
+        </p:nvSpPr>
+        <p:spPr>
+          <a:xfrm>
+            <a:off x="5082169" y="5338093"/>
+            <a:ext cx="2447715" cy="261610"/>
+          </a:xfrm>
+          <a:prstGeom prst="rect">
+            <a:avLst/>
+          </a:prstGeom>
+          <a:noFill/>
+        </p:spPr>
+        <p:txBody>
+          <a:bodyPr wrap="square" rtlCol="0">
+            <a:spAutoFit/>
+          </a:bodyPr>
+          <a:lstStyle/>
+          <a:p>
+            <a:r>
+              <a:rPr lang="en-US" sz="1100" dirty="0"/>
+              <a:t>Districts with </a:t>
+            </a:r>
+            <a:r>
+              <a:rPr lang="en-US" sz="1100" b="1" dirty="0"/>
+              <a:t>higher occurrences</a:t>
+            </a:r>
+          </a:p>
+        </p:txBody>
+      </p:sp>
+      <p:sp>
+        <p:nvSpPr>
+          <p:cNvPr id="10" name="TextBox 9">
+            <a:extLst>
+              <a:ext uri="{FF2B5EF4-FFF2-40B4-BE49-F238E27FC236}">
+                <a16:creationId xmlns:a16="http://schemas.microsoft.com/office/drawing/2014/main" id="{05D0C69A-7A66-BD06-3944-026BA3E68735}"/>
+              </a:ext>
+            </a:extLst>
+          </p:cNvPr>
+          <p:cNvSpPr txBox="1"/>
+          <p:nvPr/>
+        </p:nvSpPr>
+        <p:spPr>
+          <a:xfrm>
+            <a:off x="8174153" y="5330698"/>
+            <a:ext cx="2240981" cy="261610"/>
+          </a:xfrm>
+          <a:prstGeom prst="rect">
+            <a:avLst/>
+          </a:prstGeom>
+          <a:noFill/>
+        </p:spPr>
+        <p:txBody>
+          <a:bodyPr wrap="square" rtlCol="0">
+            <a:spAutoFit/>
+          </a:bodyPr>
+          <a:lstStyle/>
+          <a:p>
+            <a:r>
+              <a:rPr lang="en-US" sz="1100" dirty="0"/>
+              <a:t>Districts with </a:t>
+            </a:r>
+            <a:r>
+              <a:rPr lang="en-US" sz="1100" b="1" dirty="0"/>
+              <a:t>lower occurrences</a:t>
+            </a:r>
+          </a:p>
+        </p:txBody>
+      </p:sp>
+      <p:pic>
+        <p:nvPicPr>
+          <p:cNvPr id="13" name="Picture 12">
+            <a:extLst>
+              <a:ext uri="{FF2B5EF4-FFF2-40B4-BE49-F238E27FC236}">
+                <a16:creationId xmlns:a16="http://schemas.microsoft.com/office/drawing/2014/main" id="{11E67E1F-B89C-2CB5-AA10-240D5208924D}"/>
+              </a:ext>
+            </a:extLst>
+          </p:cNvPr>
+          <p:cNvPicPr>
+            <a:picLocks noChangeAspect="1"/>
+          </p:cNvPicPr>
+          <p:nvPr/>
+        </p:nvPicPr>
+        <p:blipFill>
+          <a:blip r:embed="rId4"/>
+          <a:stretch>
+            <a:fillRect/>
+          </a:stretch>
+        </p:blipFill>
+        <p:spPr>
+          <a:xfrm>
+            <a:off x="1931736" y="1118089"/>
+            <a:ext cx="1678156" cy="3561915"/>
+          </a:xfrm>
+          <a:prstGeom prst="rect">
+            <a:avLst/>
+          </a:prstGeom>
+        </p:spPr>
+      </p:pic>
+      <p:cxnSp>
+        <p:nvCxnSpPr>
+          <p:cNvPr id="15" name="Straight Connector 14">
+            <a:extLst>
+              <a:ext uri="{FF2B5EF4-FFF2-40B4-BE49-F238E27FC236}">
+                <a16:creationId xmlns:a16="http://schemas.microsoft.com/office/drawing/2014/main" id="{ED2FA6EA-3E7D-0F37-64E8-880A87575E05}"/>
+              </a:ext>
+            </a:extLst>
+          </p:cNvPr>
+          <p:cNvCxnSpPr>
+            <a:cxnSpLocks/>
+          </p:cNvCxnSpPr>
+          <p:nvPr/>
+        </p:nvCxnSpPr>
+        <p:spPr>
+          <a:xfrm>
+            <a:off x="2507200" y="1118089"/>
+            <a:ext cx="0" cy="3517411"/>
+          </a:xfrm>
+          <a:prstGeom prst="line">
+            <a:avLst/>
+          </a:prstGeom>
+        </p:spPr>
+        <p:style>
+          <a:lnRef idx="3">
+            <a:schemeClr val="accent1"/>
+          </a:lnRef>
+          <a:fillRef idx="0">
+            <a:schemeClr val="accent1"/>
+          </a:fillRef>
+          <a:effectRef idx="2">
+            <a:schemeClr val="accent1"/>
+          </a:effectRef>
+          <a:fontRef idx="minor">
+            <a:schemeClr val="tx1"/>
+          </a:fontRef>
+        </p:style>
+      </p:cxnSp>
+      <p:sp>
+        <p:nvSpPr>
+          <p:cNvPr id="19" name="Right Brace 18">
+            <a:extLst>
+              <a:ext uri="{FF2B5EF4-FFF2-40B4-BE49-F238E27FC236}">
+                <a16:creationId xmlns:a16="http://schemas.microsoft.com/office/drawing/2014/main" id="{10BE2A60-319A-5267-504A-1310DAFF075D}"/>
+              </a:ext>
+            </a:extLst>
+          </p:cNvPr>
+          <p:cNvSpPr/>
+          <p:nvPr/>
+        </p:nvSpPr>
+        <p:spPr>
+          <a:xfrm rot="5400000">
+            <a:off x="2113689" y="4746209"/>
+            <a:ext cx="203580" cy="557961"/>
+          </a:xfrm>
+          <a:prstGeom prst="rightBrace">
+            <a:avLst>
+              <a:gd name="adj1" fmla="val 31794"/>
+              <a:gd name="adj2" fmla="val 49421"/>
+            </a:avLst>
+          </a:prstGeom>
+        </p:spPr>
+        <p:style>
+          <a:lnRef idx="3">
+            <a:schemeClr val="accent1"/>
+          </a:lnRef>
+          <a:fillRef idx="0">
+            <a:schemeClr val="accent1"/>
+          </a:fillRef>
+          <a:effectRef idx="2">
+            <a:schemeClr val="accent1"/>
+          </a:effectRef>
+          <a:fontRef idx="minor">
+            <a:schemeClr val="tx1"/>
+          </a:fontRef>
+        </p:style>
+        <p:txBody>
+          <a:bodyPr rtlCol="0" anchor="ctr"/>
+          <a:lstStyle/>
+          <a:p>
+            <a:pPr algn="ctr"/>
+            <a:endParaRPr lang="en-US"/>
+          </a:p>
+        </p:txBody>
+      </p:sp>
+      <p:sp>
+        <p:nvSpPr>
+          <p:cNvPr id="20" name="Right Brace 19">
+            <a:extLst>
+              <a:ext uri="{FF2B5EF4-FFF2-40B4-BE49-F238E27FC236}">
+                <a16:creationId xmlns:a16="http://schemas.microsoft.com/office/drawing/2014/main" id="{775BB4B9-937C-2FB9-75EB-5DBB670B3CD9}"/>
+              </a:ext>
+            </a:extLst>
+          </p:cNvPr>
+          <p:cNvSpPr/>
+          <p:nvPr/>
+        </p:nvSpPr>
+        <p:spPr>
+          <a:xfrm rot="5400000">
+            <a:off x="2743299" y="4685817"/>
+            <a:ext cx="203580" cy="673100"/>
+          </a:xfrm>
+          <a:prstGeom prst="rightBrace">
+            <a:avLst>
+              <a:gd name="adj1" fmla="val 31794"/>
+              <a:gd name="adj2" fmla="val 49421"/>
+            </a:avLst>
+          </a:prstGeom>
+        </p:spPr>
+        <p:style>
+          <a:lnRef idx="3">
+            <a:schemeClr val="accent1"/>
+          </a:lnRef>
+          <a:fillRef idx="0">
+            <a:schemeClr val="accent1"/>
+          </a:fillRef>
+          <a:effectRef idx="2">
+            <a:schemeClr val="accent1"/>
+          </a:effectRef>
+          <a:fontRef idx="minor">
+            <a:schemeClr val="tx1"/>
+          </a:fontRef>
+        </p:style>
+        <p:txBody>
+          <a:bodyPr rtlCol="0" anchor="ctr"/>
+          <a:lstStyle/>
+          <a:p>
+            <a:pPr algn="ctr"/>
+            <a:endParaRPr lang="en-US"/>
+          </a:p>
+        </p:txBody>
+      </p:sp>
+      <p:sp>
+        <p:nvSpPr>
+          <p:cNvPr id="21" name="TextBox 20">
+            <a:extLst>
+              <a:ext uri="{FF2B5EF4-FFF2-40B4-BE49-F238E27FC236}">
+                <a16:creationId xmlns:a16="http://schemas.microsoft.com/office/drawing/2014/main" id="{07CBDE31-38F0-D99A-C4C7-210C9C3A8D4E}"/>
+              </a:ext>
+            </a:extLst>
+          </p:cNvPr>
+          <p:cNvSpPr txBox="1"/>
+          <p:nvPr/>
+        </p:nvSpPr>
+        <p:spPr>
+          <a:xfrm>
+            <a:off x="1874378" y="5218435"/>
+            <a:ext cx="759831" cy="261610"/>
+          </a:xfrm>
+          <a:prstGeom prst="rect">
+            <a:avLst/>
+          </a:prstGeom>
+          <a:noFill/>
+        </p:spPr>
+        <p:txBody>
+          <a:bodyPr wrap="square" rtlCol="0">
+            <a:spAutoFit/>
+          </a:bodyPr>
+          <a:lstStyle/>
+          <a:p>
+            <a:r>
+              <a:rPr lang="en-US" sz="1100" dirty="0"/>
+              <a:t>Coastal</a:t>
+            </a:r>
+            <a:endParaRPr lang="en-US" sz="1100" b="1" dirty="0"/>
+          </a:p>
+        </p:txBody>
+      </p:sp>
+      <p:sp>
+        <p:nvSpPr>
+          <p:cNvPr id="22" name="TextBox 21">
+            <a:extLst>
+              <a:ext uri="{FF2B5EF4-FFF2-40B4-BE49-F238E27FC236}">
+                <a16:creationId xmlns:a16="http://schemas.microsoft.com/office/drawing/2014/main" id="{9577AEE9-BE84-6D4B-E062-8512FA723E8A}"/>
+              </a:ext>
+            </a:extLst>
+          </p:cNvPr>
+          <p:cNvSpPr txBox="1"/>
+          <p:nvPr/>
+        </p:nvSpPr>
+        <p:spPr>
+          <a:xfrm>
+            <a:off x="2576428" y="5225097"/>
+            <a:ext cx="759831" cy="261610"/>
+          </a:xfrm>
+          <a:prstGeom prst="rect">
+            <a:avLst/>
+          </a:prstGeom>
+          <a:noFill/>
+        </p:spPr>
+        <p:txBody>
+          <a:bodyPr wrap="square" rtlCol="0">
+            <a:spAutoFit/>
+          </a:bodyPr>
+          <a:lstStyle/>
+          <a:p>
+            <a:r>
+              <a:rPr lang="en-US" sz="1100" dirty="0"/>
+              <a:t>Inland</a:t>
+            </a:r>
+            <a:endParaRPr lang="en-US" sz="1100" b="1" dirty="0"/>
+          </a:p>
+        </p:txBody>
+      </p:sp>
+    </p:spTree>
+    <p:extLst>
+      <p:ext uri="{BB962C8B-B14F-4D97-AF65-F5344CB8AC3E}">
+        <p14:creationId xmlns:p14="http://schemas.microsoft.com/office/powerpoint/2010/main" val="912326043"/>
+      </p:ext>
+    </p:extLst>
+  </p:cSld>
+  <p:clrMapOvr>
+    <a:masterClrMapping/>
+  </p:clrMapOvr>
+  <mc:AlternateContent xmlns:mc="http://schemas.openxmlformats.org/markup-compatibility/2006" xmlns:p14="http://schemas.microsoft.com/office/powerpoint/2010/main">
+    <mc:Choice Requires="p14">
+      <p:transition spd="med" p14:dur="700">
+        <p:fade/>
+      </p:transition>
+    </mc:Choice>
+    <mc:Fallback xmlns="">
+      <p:transition spd="med">
+        <p:fade/>
+      </p:transition>
+    </mc:Fallback>
+  </mc:AlternateContent>
+</p:sld>
+</file>
+
+<file path=ppt/slides/slide6.xml><?xml version="1.0" encoding="utf-8"?>
+<p:sld xmlns:a="http://schemas.openxmlformats.org/drawingml/2006/main" xmlns:r="http://schemas.openxmlformats.org/officeDocument/2006/relationships" xmlns:p="http://schemas.openxmlformats.org/presentationml/2006/main">
+  <p:cSld>
+    <p:spTree>
+      <p:nvGrpSpPr>
+        <p:cNvPr id="1" name=""/>
+        <p:cNvGrpSpPr/>
+        <p:nvPr/>
+      </p:nvGrpSpPr>
+      <p:grpSpPr>
+        <a:xfrm>
+          <a:off x="0" y="0"/>
+          <a:ext cx="0" cy="0"/>
+          <a:chOff x="0" y="0"/>
+          <a:chExt cx="0" cy="0"/>
+        </a:xfrm>
+      </p:grpSpPr>
+      <p:sp>
+        <p:nvSpPr>
+          <p:cNvPr id="3" name="Content Placeholder 2"/>
+          <p:cNvSpPr>
+            <a:spLocks noGrp="1"/>
+          </p:cNvSpPr>
+          <p:nvPr>
+            <p:ph idx="1"/>
+          </p:nvPr>
+        </p:nvSpPr>
+        <p:spPr>
+          <a:xfrm>
+            <a:off x="1062163" y="795284"/>
+            <a:ext cx="5191227" cy="5018776"/>
+          </a:xfrm>
+        </p:spPr>
+        <p:txBody>
+          <a:bodyPr>
+            <a:normAutofit/>
+          </a:bodyPr>
+          <a:lstStyle/>
+          <a:p>
+            <a:r>
+              <a:rPr lang="en-US" b="1" dirty="0"/>
+              <a:t>Histograms</a:t>
+            </a:r>
+          </a:p>
+          <a:p>
+            <a:endParaRPr lang="en-US" dirty="0"/>
+          </a:p>
+          <a:p>
+            <a:pPr lvl="1"/>
+            <a:r>
+              <a:rPr lang="en-US" dirty="0"/>
+              <a:t>Apparently, data does not a follow a normal distribution;</a:t>
+            </a:r>
+          </a:p>
+          <a:p>
+            <a:pPr lvl="1"/>
+            <a:endParaRPr lang="en-US" dirty="0"/>
+          </a:p>
+          <a:p>
+            <a:pPr lvl="1"/>
+            <a:r>
+              <a:rPr lang="en-US" dirty="0"/>
+              <a:t>The three variables seem to follow a similar behavior;</a:t>
+            </a:r>
+          </a:p>
+          <a:p>
+            <a:pPr lvl="1"/>
+            <a:endParaRPr lang="en-US" dirty="0"/>
+          </a:p>
+          <a:p>
+            <a:pPr lvl="1"/>
+            <a:r>
+              <a:rPr lang="en-US" dirty="0"/>
+              <a:t>The data is highly right skewed;</a:t>
+            </a:r>
+          </a:p>
+          <a:p>
+            <a:pPr lvl="1"/>
+            <a:endParaRPr lang="en-US" dirty="0"/>
+          </a:p>
+          <a:p>
+            <a:pPr lvl="1"/>
+            <a:r>
+              <a:rPr lang="en-US" dirty="0"/>
+              <a:t>We can infer there is a high number of small re-ignition fires (with low total burn area).</a:t>
+            </a:r>
+          </a:p>
+        </p:txBody>
+      </p:sp>
+      <p:sp>
+        <p:nvSpPr>
+          <p:cNvPr id="4" name="Footer Placeholder 3">
+            <a:extLst>
+              <a:ext uri="{FF2B5EF4-FFF2-40B4-BE49-F238E27FC236}">
+                <a16:creationId xmlns:a16="http://schemas.microsoft.com/office/drawing/2014/main" id="{B30FF8F9-83BA-C8AB-FE8E-45B0E7F1C8AE}"/>
+              </a:ext>
+            </a:extLst>
+          </p:cNvPr>
+          <p:cNvSpPr>
+            <a:spLocks noGrp="1"/>
+          </p:cNvSpPr>
+          <p:nvPr>
+            <p:ph type="ftr" sz="quarter" idx="11"/>
+          </p:nvPr>
+        </p:nvSpPr>
+        <p:spPr/>
+        <p:txBody>
+          <a:bodyPr/>
+          <a:lstStyle/>
+          <a:p>
+            <a:r>
+              <a:rPr lang="en-US"/>
+              <a:t>FEUP</a:t>
+            </a:r>
+            <a:endParaRPr lang="en-US" dirty="0"/>
+          </a:p>
+        </p:txBody>
+      </p:sp>
+      <p:sp>
+        <p:nvSpPr>
+          <p:cNvPr id="5" name="Slide Number Placeholder 4">
+            <a:extLst>
+              <a:ext uri="{FF2B5EF4-FFF2-40B4-BE49-F238E27FC236}">
+                <a16:creationId xmlns:a16="http://schemas.microsoft.com/office/drawing/2014/main" id="{888A9355-2654-63AD-176A-C9347C7BAE55}"/>
+              </a:ext>
+            </a:extLst>
+          </p:cNvPr>
+          <p:cNvSpPr>
+            <a:spLocks noGrp="1"/>
+          </p:cNvSpPr>
+          <p:nvPr>
+            <p:ph type="sldNum" sz="quarter" idx="12"/>
+          </p:nvPr>
+        </p:nvSpPr>
+        <p:spPr/>
+        <p:txBody>
+          <a:bodyPr/>
+          <a:lstStyle/>
+          <a:p>
+            <a:fld id="{E31375A4-56A4-47D6-9801-1991572033F7}" type="slidenum">
+              <a:rPr lang="en-US" smtClean="0"/>
+              <a:t>6</a:t>
+            </a:fld>
+            <a:endParaRPr lang="en-US"/>
+          </a:p>
+        </p:txBody>
+      </p:sp>
+      <p:pic>
+        <p:nvPicPr>
+          <p:cNvPr id="7" name="Picture 6">
+            <a:extLst>
+              <a:ext uri="{FF2B5EF4-FFF2-40B4-BE49-F238E27FC236}">
+                <a16:creationId xmlns:a16="http://schemas.microsoft.com/office/drawing/2014/main" id="{5E673AE1-964D-D917-13D0-416CE7FBF297}"/>
+              </a:ext>
+            </a:extLst>
+          </p:cNvPr>
+          <p:cNvPicPr>
+            <a:picLocks noChangeAspect="1"/>
+          </p:cNvPicPr>
+          <p:nvPr/>
+        </p:nvPicPr>
+        <p:blipFill>
+          <a:blip r:embed="rId3"/>
+          <a:stretch>
+            <a:fillRect/>
+          </a:stretch>
+        </p:blipFill>
+        <p:spPr>
+          <a:xfrm>
+            <a:off x="6253390" y="982980"/>
+            <a:ext cx="4727030" cy="4594860"/>
+          </a:xfrm>
+          <a:prstGeom prst="rect">
+            <a:avLst/>
+          </a:prstGeom>
+        </p:spPr>
+      </p:pic>
+      <p:sp>
+        <p:nvSpPr>
+          <p:cNvPr id="6" name="Title 1">
+            <a:extLst>
+              <a:ext uri="{FF2B5EF4-FFF2-40B4-BE49-F238E27FC236}">
+                <a16:creationId xmlns:a16="http://schemas.microsoft.com/office/drawing/2014/main" id="{CC880829-D8D2-E9E2-C938-CD39782F860A}"/>
+              </a:ext>
+            </a:extLst>
+          </p:cNvPr>
+          <p:cNvSpPr txBox="1">
+            <a:spLocks/>
+          </p:cNvSpPr>
+          <p:nvPr/>
+        </p:nvSpPr>
+        <p:spPr>
+          <a:xfrm>
+            <a:off x="94753" y="-571193"/>
+            <a:ext cx="9601200" cy="1142385"/>
+          </a:xfrm>
+          <a:prstGeom prst="rect">
+            <a:avLst/>
+          </a:prstGeom>
+        </p:spPr>
+        <p:txBody>
+          <a:bodyPr vert="horz" lIns="91440" tIns="45720" rIns="91440" bIns="45720" rtlCol="0" anchor="b">
+            <a:normAutofit/>
+          </a:bodyPr>
+          <a:lstStyle>
+            <a:lvl1pPr algn="l" defTabSz="914400" rtl="0" eaLnBrk="1" latinLnBrk="0" hangingPunct="1">
+              <a:lnSpc>
+                <a:spcPct val="90000"/>
+              </a:lnSpc>
+              <a:spcBef>
+                <a:spcPct val="0"/>
+              </a:spcBef>
+              <a:buNone/>
+              <a:defRPr sz="3200" b="1" kern="1200">
+                <a:solidFill>
+                  <a:schemeClr val="accent1">
+                    <a:lumMod val="75000"/>
+                  </a:schemeClr>
+                </a:solidFill>
+                <a:latin typeface="+mj-lt"/>
+                <a:ea typeface="+mj-ea"/>
+                <a:cs typeface="+mj-cs"/>
+              </a:defRPr>
+            </a:lvl1pPr>
+          </a:lstStyle>
+          <a:p>
+            <a:r>
+              <a:rPr lang="en-US" dirty="0"/>
+              <a:t>3. Data Exploration</a:t>
+            </a:r>
+          </a:p>
+        </p:txBody>
+      </p:sp>
+    </p:spTree>
+    <p:extLst>
+      <p:ext uri="{BB962C8B-B14F-4D97-AF65-F5344CB8AC3E}">
+        <p14:creationId xmlns:p14="http://schemas.microsoft.com/office/powerpoint/2010/main" val="201891593"/>
       </p:ext>
     </p:extLst>
   </p:cSld>
@@ -26795,6 +27674,1584 @@
       </p:transition>
     </mc:Choice>
     <mc:Fallback>
+      <p:transition spd="med">
+        <p:fade/>
+      </p:transition>
+    </mc:Fallback>
+  </mc:AlternateContent>
+</p:sld>
+</file>
+
+<file path=ppt/slides/slide7.xml><?xml version="1.0" encoding="utf-8"?>
+<p:sld xmlns:a="http://schemas.openxmlformats.org/drawingml/2006/main" xmlns:r="http://schemas.openxmlformats.org/officeDocument/2006/relationships" xmlns:p="http://schemas.openxmlformats.org/presentationml/2006/main">
+  <p:cSld>
+    <p:spTree>
+      <p:nvGrpSpPr>
+        <p:cNvPr id="1" name=""/>
+        <p:cNvGrpSpPr/>
+        <p:nvPr/>
+      </p:nvGrpSpPr>
+      <p:grpSpPr>
+        <a:xfrm>
+          <a:off x="0" y="0"/>
+          <a:ext cx="0" cy="0"/>
+          <a:chOff x="0" y="0"/>
+          <a:chExt cx="0" cy="0"/>
+        </a:xfrm>
+      </p:grpSpPr>
+      <p:sp>
+        <p:nvSpPr>
+          <p:cNvPr id="3" name="Content Placeholder 2"/>
+          <p:cNvSpPr>
+            <a:spLocks noGrp="1"/>
+          </p:cNvSpPr>
+          <p:nvPr>
+            <p:ph idx="1"/>
+          </p:nvPr>
+        </p:nvSpPr>
+        <p:spPr>
+          <a:xfrm>
+            <a:off x="500268" y="719508"/>
+            <a:ext cx="9621741" cy="3809999"/>
+          </a:xfrm>
+        </p:spPr>
+        <p:txBody>
+          <a:bodyPr/>
+          <a:lstStyle/>
+          <a:p>
+            <a:r>
+              <a:rPr lang="en-US" b="1" dirty="0"/>
+              <a:t>Total burnt area per qualitive group</a:t>
+            </a:r>
+          </a:p>
+          <a:p>
+            <a:endParaRPr lang="en-US" b="1" dirty="0"/>
+          </a:p>
+          <a:p>
+            <a:pPr lvl="1"/>
+            <a:r>
+              <a:rPr lang="en-US" dirty="0"/>
+              <a:t>Inland  and </a:t>
+            </a:r>
+            <a:r>
+              <a:rPr lang="en-US" dirty="0" err="1"/>
+              <a:t>Least_occurrences</a:t>
+            </a:r>
+            <a:r>
+              <a:rPr lang="en-US" dirty="0"/>
+              <a:t> has a higher range of values;</a:t>
+            </a:r>
+          </a:p>
+          <a:p>
+            <a:pPr lvl="1"/>
+            <a:r>
+              <a:rPr lang="en-US" dirty="0"/>
+              <a:t>Both groups appear to have similar statistics.</a:t>
+            </a:r>
+          </a:p>
+          <a:p>
+            <a:pPr lvl="1"/>
+            <a:endParaRPr lang="en-US" dirty="0"/>
+          </a:p>
+        </p:txBody>
+      </p:sp>
+      <p:sp>
+        <p:nvSpPr>
+          <p:cNvPr id="4" name="Footer Placeholder 3">
+            <a:extLst>
+              <a:ext uri="{FF2B5EF4-FFF2-40B4-BE49-F238E27FC236}">
+                <a16:creationId xmlns:a16="http://schemas.microsoft.com/office/drawing/2014/main" id="{B30FF8F9-83BA-C8AB-FE8E-45B0E7F1C8AE}"/>
+              </a:ext>
+            </a:extLst>
+          </p:cNvPr>
+          <p:cNvSpPr>
+            <a:spLocks noGrp="1"/>
+          </p:cNvSpPr>
+          <p:nvPr>
+            <p:ph type="ftr" sz="quarter" idx="11"/>
+          </p:nvPr>
+        </p:nvSpPr>
+        <p:spPr/>
+        <p:txBody>
+          <a:bodyPr/>
+          <a:lstStyle/>
+          <a:p>
+            <a:r>
+              <a:rPr lang="en-US"/>
+              <a:t>FEUP</a:t>
+            </a:r>
+            <a:endParaRPr lang="en-US" dirty="0"/>
+          </a:p>
+        </p:txBody>
+      </p:sp>
+      <p:sp>
+        <p:nvSpPr>
+          <p:cNvPr id="5" name="Slide Number Placeholder 4">
+            <a:extLst>
+              <a:ext uri="{FF2B5EF4-FFF2-40B4-BE49-F238E27FC236}">
+                <a16:creationId xmlns:a16="http://schemas.microsoft.com/office/drawing/2014/main" id="{888A9355-2654-63AD-176A-C9347C7BAE55}"/>
+              </a:ext>
+            </a:extLst>
+          </p:cNvPr>
+          <p:cNvSpPr>
+            <a:spLocks noGrp="1"/>
+          </p:cNvSpPr>
+          <p:nvPr>
+            <p:ph type="sldNum" sz="quarter" idx="12"/>
+          </p:nvPr>
+        </p:nvSpPr>
+        <p:spPr/>
+        <p:txBody>
+          <a:bodyPr/>
+          <a:lstStyle/>
+          <a:p>
+            <a:fld id="{E31375A4-56A4-47D6-9801-1991572033F7}" type="slidenum">
+              <a:rPr lang="en-US" smtClean="0"/>
+              <a:t>7</a:t>
+            </a:fld>
+            <a:endParaRPr lang="en-US"/>
+          </a:p>
+        </p:txBody>
+      </p:sp>
+      <p:graphicFrame>
+        <p:nvGraphicFramePr>
+          <p:cNvPr id="6" name="Table 7">
+            <a:extLst>
+              <a:ext uri="{FF2B5EF4-FFF2-40B4-BE49-F238E27FC236}">
+                <a16:creationId xmlns:a16="http://schemas.microsoft.com/office/drawing/2014/main" id="{DEEC4797-DBEC-062B-927D-F7D1B245D253}"/>
+              </a:ext>
+            </a:extLst>
+          </p:cNvPr>
+          <p:cNvGraphicFramePr>
+            <a:graphicFrameLocks noGrp="1"/>
+          </p:cNvGraphicFramePr>
+          <p:nvPr>
+            <p:extLst>
+              <p:ext uri="{D42A27DB-BD31-4B8C-83A1-F6EECF244321}">
+                <p14:modId xmlns:p14="http://schemas.microsoft.com/office/powerpoint/2010/main" val="2914321807"/>
+              </p:ext>
+            </p:extLst>
+          </p:nvPr>
+        </p:nvGraphicFramePr>
+        <p:xfrm>
+          <a:off x="1130079" y="2982515"/>
+          <a:ext cx="9931842" cy="2885547"/>
+        </p:xfrm>
+        <a:graphic>
+          <a:graphicData uri="http://schemas.openxmlformats.org/drawingml/2006/table">
+            <a:tbl>
+              <a:tblPr firstRow="1" bandRow="1">
+                <a:tableStyleId>{BC89EF96-8CEA-46FF-86C4-4CE0E7609802}</a:tableStyleId>
+              </a:tblPr>
+              <a:tblGrid>
+                <a:gridCol w="4965921">
+                  <a:extLst>
+                    <a:ext uri="{9D8B030D-6E8A-4147-A177-3AD203B41FA5}">
+                      <a16:colId xmlns:a16="http://schemas.microsoft.com/office/drawing/2014/main" val="1207011899"/>
+                    </a:ext>
+                  </a:extLst>
+                </a:gridCol>
+                <a:gridCol w="4965921">
+                  <a:extLst>
+                    <a:ext uri="{9D8B030D-6E8A-4147-A177-3AD203B41FA5}">
+                      <a16:colId xmlns:a16="http://schemas.microsoft.com/office/drawing/2014/main" val="121277048"/>
+                    </a:ext>
+                  </a:extLst>
+                </a:gridCol>
+              </a:tblGrid>
+              <a:tr h="418629">
+                <a:tc>
+                  <a:txBody>
+                    <a:bodyPr/>
+                    <a:lstStyle/>
+                    <a:p>
+                      <a:pPr marL="0" marR="0" lvl="0" indent="0" algn="ctr" defTabSz="914400" rtl="0" eaLnBrk="1" fontAlgn="auto" latinLnBrk="0" hangingPunct="1">
+                        <a:lnSpc>
+                          <a:spcPct val="100000"/>
+                        </a:lnSpc>
+                        <a:spcBef>
+                          <a:spcPts val="0"/>
+                        </a:spcBef>
+                        <a:spcAft>
+                          <a:spcPts val="0"/>
+                        </a:spcAft>
+                        <a:buClrTx/>
+                        <a:buSzTx/>
+                        <a:buFontTx/>
+                        <a:buNone/>
+                        <a:tabLst/>
+                        <a:defRPr/>
+                      </a:pPr>
+                      <a:r>
+                        <a:rPr lang="en-US" sz="1800" dirty="0"/>
+                        <a:t>Coastal proximity</a:t>
+                      </a:r>
+                    </a:p>
+                  </a:txBody>
+                  <a:tcPr/>
+                </a:tc>
+                <a:tc>
+                  <a:txBody>
+                    <a:bodyPr/>
+                    <a:lstStyle/>
+                    <a:p>
+                      <a:pPr algn="ctr"/>
+                      <a:r>
+                        <a:rPr lang="en-US" dirty="0"/>
+                        <a:t>Occurrences number (per district)</a:t>
+                      </a:r>
+                    </a:p>
+                  </a:txBody>
+                  <a:tcPr/>
+                </a:tc>
+                <a:extLst>
+                  <a:ext uri="{0D108BD9-81ED-4DB2-BD59-A6C34878D82A}">
+                    <a16:rowId xmlns:a16="http://schemas.microsoft.com/office/drawing/2014/main" val="55689116"/>
+                  </a:ext>
+                </a:extLst>
+              </a:tr>
+              <a:tr h="2466918">
+                <a:tc>
+                  <a:txBody>
+                    <a:bodyPr/>
+                    <a:lstStyle/>
+                    <a:p>
+                      <a:endParaRPr lang="en-US" dirty="0"/>
+                    </a:p>
+                  </a:txBody>
+                  <a:tcPr>
+                    <a:solidFill>
+                      <a:schemeClr val="bg1">
+                        <a:alpha val="20000"/>
+                      </a:schemeClr>
+                    </a:solidFill>
+                  </a:tcPr>
+                </a:tc>
+                <a:tc>
+                  <a:txBody>
+                    <a:bodyPr/>
+                    <a:lstStyle/>
+                    <a:p>
+                      <a:endParaRPr lang="en-US" dirty="0"/>
+                    </a:p>
+                  </a:txBody>
+                  <a:tcPr>
+                    <a:solidFill>
+                      <a:schemeClr val="bg1">
+                        <a:alpha val="20000"/>
+                      </a:schemeClr>
+                    </a:solidFill>
+                  </a:tcPr>
+                </a:tc>
+                <a:extLst>
+                  <a:ext uri="{0D108BD9-81ED-4DB2-BD59-A6C34878D82A}">
+                    <a16:rowId xmlns:a16="http://schemas.microsoft.com/office/drawing/2014/main" val="1977309317"/>
+                  </a:ext>
+                </a:extLst>
+              </a:tr>
+            </a:tbl>
+          </a:graphicData>
+        </a:graphic>
+      </p:graphicFrame>
+      <p:pic>
+        <p:nvPicPr>
+          <p:cNvPr id="2054" name="Picture 6">
+            <a:extLst>
+              <a:ext uri="{FF2B5EF4-FFF2-40B4-BE49-F238E27FC236}">
+                <a16:creationId xmlns:a16="http://schemas.microsoft.com/office/drawing/2014/main" id="{7D4F3BEC-35AA-1D92-8DD4-168F4969FE51}"/>
+              </a:ext>
+            </a:extLst>
+          </p:cNvPr>
+          <p:cNvPicPr>
+            <a:picLocks noChangeAspect="1" noChangeArrowheads="1"/>
+          </p:cNvPicPr>
+          <p:nvPr/>
+        </p:nvPicPr>
+        <p:blipFill>
+          <a:blip r:embed="rId3">
+            <a:extLst>
+              <a:ext uri="{28A0092B-C50C-407E-A947-70E740481C1C}">
+                <a14:useLocalDpi xmlns:a14="http://schemas.microsoft.com/office/drawing/2010/main" val="0"/>
+              </a:ext>
+            </a:extLst>
+          </a:blip>
+          <a:srcRect/>
+          <a:stretch>
+            <a:fillRect/>
+          </a:stretch>
+        </p:blipFill>
+        <p:spPr bwMode="auto">
+          <a:xfrm>
+            <a:off x="6277193" y="3545807"/>
+            <a:ext cx="4619407" cy="2353745"/>
+          </a:xfrm>
+          <a:prstGeom prst="rect">
+            <a:avLst/>
+          </a:prstGeom>
+          <a:noFill/>
+          <a:extLst>
+            <a:ext uri="{909E8E84-426E-40DD-AFC4-6F175D3DCCD1}">
+              <a14:hiddenFill xmlns:a14="http://schemas.microsoft.com/office/drawing/2010/main">
+                <a:solidFill>
+                  <a:srgbClr val="FFFFFF"/>
+                </a:solidFill>
+              </a14:hiddenFill>
+            </a:ext>
+          </a:extLst>
+        </p:spPr>
+      </p:pic>
+      <p:sp>
+        <p:nvSpPr>
+          <p:cNvPr id="15" name="Title 1">
+            <a:extLst>
+              <a:ext uri="{FF2B5EF4-FFF2-40B4-BE49-F238E27FC236}">
+                <a16:creationId xmlns:a16="http://schemas.microsoft.com/office/drawing/2014/main" id="{9B21CCA9-D6AF-9496-8B40-C59DF4F99807}"/>
+              </a:ext>
+            </a:extLst>
+          </p:cNvPr>
+          <p:cNvSpPr txBox="1">
+            <a:spLocks/>
+          </p:cNvSpPr>
+          <p:nvPr/>
+        </p:nvSpPr>
+        <p:spPr>
+          <a:xfrm>
+            <a:off x="94753" y="-571193"/>
+            <a:ext cx="9601200" cy="1142385"/>
+          </a:xfrm>
+          <a:prstGeom prst="rect">
+            <a:avLst/>
+          </a:prstGeom>
+        </p:spPr>
+        <p:txBody>
+          <a:bodyPr vert="horz" lIns="91440" tIns="45720" rIns="91440" bIns="45720" rtlCol="0" anchor="b">
+            <a:normAutofit/>
+          </a:bodyPr>
+          <a:lstStyle>
+            <a:lvl1pPr algn="l" defTabSz="914400" rtl="0" eaLnBrk="1" latinLnBrk="0" hangingPunct="1">
+              <a:lnSpc>
+                <a:spcPct val="90000"/>
+              </a:lnSpc>
+              <a:spcBef>
+                <a:spcPct val="0"/>
+              </a:spcBef>
+              <a:buNone/>
+              <a:defRPr sz="3200" b="1" kern="1200">
+                <a:solidFill>
+                  <a:schemeClr val="accent1">
+                    <a:lumMod val="75000"/>
+                  </a:schemeClr>
+                </a:solidFill>
+                <a:latin typeface="+mj-lt"/>
+                <a:ea typeface="+mj-ea"/>
+                <a:cs typeface="+mj-cs"/>
+              </a:defRPr>
+            </a:lvl1pPr>
+          </a:lstStyle>
+          <a:p>
+            <a:r>
+              <a:rPr lang="en-US" dirty="0"/>
+              <a:t>3. Data Exploration</a:t>
+            </a:r>
+          </a:p>
+        </p:txBody>
+      </p:sp>
+      <p:pic>
+        <p:nvPicPr>
+          <p:cNvPr id="2056" name="Picture 8">
+            <a:extLst>
+              <a:ext uri="{FF2B5EF4-FFF2-40B4-BE49-F238E27FC236}">
+                <a16:creationId xmlns:a16="http://schemas.microsoft.com/office/drawing/2014/main" id="{700F8A66-321C-8D23-6C72-6C95579EBE9D}"/>
+              </a:ext>
+            </a:extLst>
+          </p:cNvPr>
+          <p:cNvPicPr>
+            <a:picLocks noChangeAspect="1" noChangeArrowheads="1"/>
+          </p:cNvPicPr>
+          <p:nvPr/>
+        </p:nvPicPr>
+        <p:blipFill>
+          <a:blip r:embed="rId4">
+            <a:extLst>
+              <a:ext uri="{28A0092B-C50C-407E-A947-70E740481C1C}">
+                <a14:useLocalDpi xmlns:a14="http://schemas.microsoft.com/office/drawing/2010/main" val="0"/>
+              </a:ext>
+            </a:extLst>
+          </a:blip>
+          <a:srcRect/>
+          <a:stretch>
+            <a:fillRect/>
+          </a:stretch>
+        </p:blipFill>
+        <p:spPr bwMode="auto">
+          <a:xfrm>
+            <a:off x="1260395" y="3530062"/>
+            <a:ext cx="4629032" cy="2353745"/>
+          </a:xfrm>
+          <a:prstGeom prst="rect">
+            <a:avLst/>
+          </a:prstGeom>
+          <a:noFill/>
+          <a:extLst>
+            <a:ext uri="{909E8E84-426E-40DD-AFC4-6F175D3DCCD1}">
+              <a14:hiddenFill xmlns:a14="http://schemas.microsoft.com/office/drawing/2010/main">
+                <a:solidFill>
+                  <a:srgbClr val="FFFFFF"/>
+                </a:solidFill>
+              </a14:hiddenFill>
+            </a:ext>
+          </a:extLst>
+        </p:spPr>
+      </p:pic>
+    </p:spTree>
+    <p:extLst>
+      <p:ext uri="{BB962C8B-B14F-4D97-AF65-F5344CB8AC3E}">
+        <p14:creationId xmlns:p14="http://schemas.microsoft.com/office/powerpoint/2010/main" val="3102960630"/>
+      </p:ext>
+    </p:extLst>
+  </p:cSld>
+  <p:clrMapOvr>
+    <a:masterClrMapping/>
+  </p:clrMapOvr>
+  <mc:AlternateContent xmlns:mc="http://schemas.openxmlformats.org/markup-compatibility/2006" xmlns:p14="http://schemas.microsoft.com/office/powerpoint/2010/main">
+    <mc:Choice Requires="p14">
+      <p:transition spd="med" p14:dur="700">
+        <p:fade/>
+      </p:transition>
+    </mc:Choice>
+    <mc:Fallback xmlns="">
+      <p:transition spd="med">
+        <p:fade/>
+      </p:transition>
+    </mc:Fallback>
+  </mc:AlternateContent>
+</p:sld>
+</file>
+
+<file path=ppt/slides/slide8.xml><?xml version="1.0" encoding="utf-8"?>
+<p:sld xmlns:a="http://schemas.openxmlformats.org/drawingml/2006/main" xmlns:r="http://schemas.openxmlformats.org/officeDocument/2006/relationships" xmlns:p="http://schemas.openxmlformats.org/presentationml/2006/main">
+  <p:cSld>
+    <p:spTree>
+      <p:nvGrpSpPr>
+        <p:cNvPr id="1" name=""/>
+        <p:cNvGrpSpPr/>
+        <p:nvPr/>
+      </p:nvGrpSpPr>
+      <p:grpSpPr>
+        <a:xfrm>
+          <a:off x="0" y="0"/>
+          <a:ext cx="0" cy="0"/>
+          <a:chOff x="0" y="0"/>
+          <a:chExt cx="0" cy="0"/>
+        </a:xfrm>
+      </p:grpSpPr>
+      <p:sp>
+        <p:nvSpPr>
+          <p:cNvPr id="3" name="Content Placeholder 2"/>
+          <p:cNvSpPr>
+            <a:spLocks noGrp="1"/>
+          </p:cNvSpPr>
+          <p:nvPr>
+            <p:ph idx="1"/>
+          </p:nvPr>
+        </p:nvSpPr>
+        <p:spPr>
+          <a:xfrm>
+            <a:off x="420757" y="571192"/>
+            <a:ext cx="9601200" cy="3809999"/>
+          </a:xfrm>
+        </p:spPr>
+        <p:txBody>
+          <a:bodyPr/>
+          <a:lstStyle/>
+          <a:p>
+            <a:r>
+              <a:rPr lang="en-US" b="1" dirty="0"/>
+              <a:t>Extinction time per group</a:t>
+            </a:r>
+          </a:p>
+          <a:p>
+            <a:endParaRPr lang="en-US" b="1" dirty="0"/>
+          </a:p>
+          <a:p>
+            <a:pPr lvl="1"/>
+            <a:r>
+              <a:rPr lang="en-US" dirty="0"/>
+              <a:t>Inland  and </a:t>
+            </a:r>
+            <a:r>
+              <a:rPr lang="en-US" dirty="0" err="1"/>
+              <a:t>Least_occurrences</a:t>
+            </a:r>
+            <a:r>
+              <a:rPr lang="en-US" dirty="0"/>
+              <a:t> has a higher range of values;</a:t>
+            </a:r>
+          </a:p>
+          <a:p>
+            <a:pPr lvl="1"/>
+            <a:r>
+              <a:rPr lang="en-US" dirty="0"/>
+              <a:t>Both groups appear to have similar statistics.</a:t>
+            </a:r>
+          </a:p>
+          <a:p>
+            <a:pPr marL="274320" lvl="1" indent="0">
+              <a:buNone/>
+            </a:pPr>
+            <a:r>
+              <a:rPr lang="en-US" b="1" dirty="0"/>
+              <a:t> </a:t>
+            </a:r>
+          </a:p>
+          <a:p>
+            <a:pPr lvl="1"/>
+            <a:endParaRPr lang="en-US" dirty="0"/>
+          </a:p>
+          <a:p>
+            <a:endParaRPr lang="en-US" dirty="0"/>
+          </a:p>
+        </p:txBody>
+      </p:sp>
+      <p:sp>
+        <p:nvSpPr>
+          <p:cNvPr id="4" name="Footer Placeholder 3">
+            <a:extLst>
+              <a:ext uri="{FF2B5EF4-FFF2-40B4-BE49-F238E27FC236}">
+                <a16:creationId xmlns:a16="http://schemas.microsoft.com/office/drawing/2014/main" id="{B30FF8F9-83BA-C8AB-FE8E-45B0E7F1C8AE}"/>
+              </a:ext>
+            </a:extLst>
+          </p:cNvPr>
+          <p:cNvSpPr>
+            <a:spLocks noGrp="1"/>
+          </p:cNvSpPr>
+          <p:nvPr>
+            <p:ph type="ftr" sz="quarter" idx="11"/>
+          </p:nvPr>
+        </p:nvSpPr>
+        <p:spPr/>
+        <p:txBody>
+          <a:bodyPr/>
+          <a:lstStyle/>
+          <a:p>
+            <a:r>
+              <a:rPr lang="en-US"/>
+              <a:t>FEUP</a:t>
+            </a:r>
+            <a:endParaRPr lang="en-US" dirty="0"/>
+          </a:p>
+        </p:txBody>
+      </p:sp>
+      <p:sp>
+        <p:nvSpPr>
+          <p:cNvPr id="5" name="Slide Number Placeholder 4">
+            <a:extLst>
+              <a:ext uri="{FF2B5EF4-FFF2-40B4-BE49-F238E27FC236}">
+                <a16:creationId xmlns:a16="http://schemas.microsoft.com/office/drawing/2014/main" id="{888A9355-2654-63AD-176A-C9347C7BAE55}"/>
+              </a:ext>
+            </a:extLst>
+          </p:cNvPr>
+          <p:cNvSpPr>
+            <a:spLocks noGrp="1"/>
+          </p:cNvSpPr>
+          <p:nvPr>
+            <p:ph type="sldNum" sz="quarter" idx="12"/>
+          </p:nvPr>
+        </p:nvSpPr>
+        <p:spPr/>
+        <p:txBody>
+          <a:bodyPr/>
+          <a:lstStyle/>
+          <a:p>
+            <a:fld id="{E31375A4-56A4-47D6-9801-1991572033F7}" type="slidenum">
+              <a:rPr lang="en-US" smtClean="0"/>
+              <a:t>8</a:t>
+            </a:fld>
+            <a:endParaRPr lang="en-US"/>
+          </a:p>
+        </p:txBody>
+      </p:sp>
+      <p:graphicFrame>
+        <p:nvGraphicFramePr>
+          <p:cNvPr id="6" name="Table 7">
+            <a:extLst>
+              <a:ext uri="{FF2B5EF4-FFF2-40B4-BE49-F238E27FC236}">
+                <a16:creationId xmlns:a16="http://schemas.microsoft.com/office/drawing/2014/main" id="{DEEC4797-DBEC-062B-927D-F7D1B245D253}"/>
+              </a:ext>
+            </a:extLst>
+          </p:cNvPr>
+          <p:cNvGraphicFramePr>
+            <a:graphicFrameLocks noGrp="1"/>
+          </p:cNvGraphicFramePr>
+          <p:nvPr>
+            <p:extLst>
+              <p:ext uri="{D42A27DB-BD31-4B8C-83A1-F6EECF244321}">
+                <p14:modId xmlns:p14="http://schemas.microsoft.com/office/powerpoint/2010/main" val="3377276418"/>
+              </p:ext>
+            </p:extLst>
+          </p:nvPr>
+        </p:nvGraphicFramePr>
+        <p:xfrm>
+          <a:off x="1295400" y="3014320"/>
+          <a:ext cx="9931842" cy="2885547"/>
+        </p:xfrm>
+        <a:graphic>
+          <a:graphicData uri="http://schemas.openxmlformats.org/drawingml/2006/table">
+            <a:tbl>
+              <a:tblPr firstRow="1" bandRow="1">
+                <a:tableStyleId>{BC89EF96-8CEA-46FF-86C4-4CE0E7609802}</a:tableStyleId>
+              </a:tblPr>
+              <a:tblGrid>
+                <a:gridCol w="4965921">
+                  <a:extLst>
+                    <a:ext uri="{9D8B030D-6E8A-4147-A177-3AD203B41FA5}">
+                      <a16:colId xmlns:a16="http://schemas.microsoft.com/office/drawing/2014/main" val="1207011899"/>
+                    </a:ext>
+                  </a:extLst>
+                </a:gridCol>
+                <a:gridCol w="4965921">
+                  <a:extLst>
+                    <a:ext uri="{9D8B030D-6E8A-4147-A177-3AD203B41FA5}">
+                      <a16:colId xmlns:a16="http://schemas.microsoft.com/office/drawing/2014/main" val="121277048"/>
+                    </a:ext>
+                  </a:extLst>
+                </a:gridCol>
+              </a:tblGrid>
+              <a:tr h="418629">
+                <a:tc>
+                  <a:txBody>
+                    <a:bodyPr/>
+                    <a:lstStyle/>
+                    <a:p>
+                      <a:pPr marL="0" marR="0" lvl="0" indent="0" algn="ctr" defTabSz="914400" rtl="0" eaLnBrk="1" fontAlgn="auto" latinLnBrk="0" hangingPunct="1">
+                        <a:lnSpc>
+                          <a:spcPct val="100000"/>
+                        </a:lnSpc>
+                        <a:spcBef>
+                          <a:spcPts val="0"/>
+                        </a:spcBef>
+                        <a:spcAft>
+                          <a:spcPts val="0"/>
+                        </a:spcAft>
+                        <a:buClrTx/>
+                        <a:buSzTx/>
+                        <a:buFontTx/>
+                        <a:buNone/>
+                        <a:tabLst/>
+                        <a:defRPr/>
+                      </a:pPr>
+                      <a:r>
+                        <a:rPr lang="en-US" sz="1800" dirty="0"/>
+                        <a:t>Coastal proximity</a:t>
+                      </a:r>
+                    </a:p>
+                  </a:txBody>
+                  <a:tcPr/>
+                </a:tc>
+                <a:tc>
+                  <a:txBody>
+                    <a:bodyPr/>
+                    <a:lstStyle/>
+                    <a:p>
+                      <a:pPr marL="0" marR="0" lvl="0" indent="0" algn="ctr" defTabSz="914400" rtl="0" eaLnBrk="1" fontAlgn="auto" latinLnBrk="0" hangingPunct="1">
+                        <a:lnSpc>
+                          <a:spcPct val="100000"/>
+                        </a:lnSpc>
+                        <a:spcBef>
+                          <a:spcPts val="0"/>
+                        </a:spcBef>
+                        <a:spcAft>
+                          <a:spcPts val="0"/>
+                        </a:spcAft>
+                        <a:buClrTx/>
+                        <a:buSzTx/>
+                        <a:buFontTx/>
+                        <a:buNone/>
+                        <a:tabLst/>
+                        <a:defRPr/>
+                      </a:pPr>
+                      <a:r>
+                        <a:rPr lang="en-US" dirty="0"/>
+                        <a:t>Occurrences number (per district)</a:t>
+                      </a:r>
+                    </a:p>
+                  </a:txBody>
+                  <a:tcPr/>
+                </a:tc>
+                <a:extLst>
+                  <a:ext uri="{0D108BD9-81ED-4DB2-BD59-A6C34878D82A}">
+                    <a16:rowId xmlns:a16="http://schemas.microsoft.com/office/drawing/2014/main" val="55689116"/>
+                  </a:ext>
+                </a:extLst>
+              </a:tr>
+              <a:tr h="2466918">
+                <a:tc>
+                  <a:txBody>
+                    <a:bodyPr/>
+                    <a:lstStyle/>
+                    <a:p>
+                      <a:endParaRPr lang="en-US" dirty="0"/>
+                    </a:p>
+                  </a:txBody>
+                  <a:tcPr>
+                    <a:solidFill>
+                      <a:schemeClr val="bg1">
+                        <a:alpha val="20000"/>
+                      </a:schemeClr>
+                    </a:solidFill>
+                  </a:tcPr>
+                </a:tc>
+                <a:tc>
+                  <a:txBody>
+                    <a:bodyPr/>
+                    <a:lstStyle/>
+                    <a:p>
+                      <a:endParaRPr lang="en-US" dirty="0"/>
+                    </a:p>
+                  </a:txBody>
+                  <a:tcPr>
+                    <a:solidFill>
+                      <a:schemeClr val="bg1">
+                        <a:alpha val="20000"/>
+                      </a:schemeClr>
+                    </a:solidFill>
+                  </a:tcPr>
+                </a:tc>
+                <a:extLst>
+                  <a:ext uri="{0D108BD9-81ED-4DB2-BD59-A6C34878D82A}">
+                    <a16:rowId xmlns:a16="http://schemas.microsoft.com/office/drawing/2014/main" val="1977309317"/>
+                  </a:ext>
+                </a:extLst>
+              </a:tr>
+            </a:tbl>
+          </a:graphicData>
+        </a:graphic>
+      </p:graphicFrame>
+      <p:pic>
+        <p:nvPicPr>
+          <p:cNvPr id="9" name="Picture 8">
+            <a:extLst>
+              <a:ext uri="{FF2B5EF4-FFF2-40B4-BE49-F238E27FC236}">
+                <a16:creationId xmlns:a16="http://schemas.microsoft.com/office/drawing/2014/main" id="{300FF118-6914-11B6-D95F-C02AE21A3D67}"/>
+              </a:ext>
+            </a:extLst>
+          </p:cNvPr>
+          <p:cNvPicPr>
+            <a:picLocks noChangeAspect="1"/>
+          </p:cNvPicPr>
+          <p:nvPr/>
+        </p:nvPicPr>
+        <p:blipFill>
+          <a:blip r:embed="rId3"/>
+          <a:stretch>
+            <a:fillRect/>
+          </a:stretch>
+        </p:blipFill>
+        <p:spPr>
+          <a:xfrm>
+            <a:off x="1443924" y="3573829"/>
+            <a:ext cx="4652076" cy="2326038"/>
+          </a:xfrm>
+          <a:prstGeom prst="rect">
+            <a:avLst/>
+          </a:prstGeom>
+        </p:spPr>
+      </p:pic>
+      <p:pic>
+        <p:nvPicPr>
+          <p:cNvPr id="3078" name="Picture 6">
+            <a:extLst>
+              <a:ext uri="{FF2B5EF4-FFF2-40B4-BE49-F238E27FC236}">
+                <a16:creationId xmlns:a16="http://schemas.microsoft.com/office/drawing/2014/main" id="{222FBBE0-6EAE-F38A-092B-A58452236373}"/>
+              </a:ext>
+            </a:extLst>
+          </p:cNvPr>
+          <p:cNvPicPr>
+            <a:picLocks noChangeAspect="1" noChangeArrowheads="1"/>
+          </p:cNvPicPr>
+          <p:nvPr/>
+        </p:nvPicPr>
+        <p:blipFill>
+          <a:blip r:embed="rId4">
+            <a:extLst>
+              <a:ext uri="{28A0092B-C50C-407E-A947-70E740481C1C}">
+                <a14:useLocalDpi xmlns:a14="http://schemas.microsoft.com/office/drawing/2010/main" val="0"/>
+              </a:ext>
+            </a:extLst>
+          </a:blip>
+          <a:srcRect/>
+          <a:stretch>
+            <a:fillRect/>
+          </a:stretch>
+        </p:blipFill>
+        <p:spPr bwMode="auto">
+          <a:xfrm>
+            <a:off x="6261321" y="3577399"/>
+            <a:ext cx="4635279" cy="2322468"/>
+          </a:xfrm>
+          <a:prstGeom prst="rect">
+            <a:avLst/>
+          </a:prstGeom>
+          <a:noFill/>
+          <a:extLst>
+            <a:ext uri="{909E8E84-426E-40DD-AFC4-6F175D3DCCD1}">
+              <a14:hiddenFill xmlns:a14="http://schemas.microsoft.com/office/drawing/2010/main">
+                <a:solidFill>
+                  <a:srgbClr val="FFFFFF"/>
+                </a:solidFill>
+              </a14:hiddenFill>
+            </a:ext>
+          </a:extLst>
+        </p:spPr>
+      </p:pic>
+      <p:sp>
+        <p:nvSpPr>
+          <p:cNvPr id="13" name="Title 1">
+            <a:extLst>
+              <a:ext uri="{FF2B5EF4-FFF2-40B4-BE49-F238E27FC236}">
+                <a16:creationId xmlns:a16="http://schemas.microsoft.com/office/drawing/2014/main" id="{775F486D-9BDE-F0B1-5E1B-278841326D87}"/>
+              </a:ext>
+            </a:extLst>
+          </p:cNvPr>
+          <p:cNvSpPr txBox="1">
+            <a:spLocks/>
+          </p:cNvSpPr>
+          <p:nvPr/>
+        </p:nvSpPr>
+        <p:spPr>
+          <a:xfrm>
+            <a:off x="94753" y="-571193"/>
+            <a:ext cx="9601200" cy="1142385"/>
+          </a:xfrm>
+          <a:prstGeom prst="rect">
+            <a:avLst/>
+          </a:prstGeom>
+        </p:spPr>
+        <p:txBody>
+          <a:bodyPr vert="horz" lIns="91440" tIns="45720" rIns="91440" bIns="45720" rtlCol="0" anchor="b">
+            <a:normAutofit/>
+          </a:bodyPr>
+          <a:lstStyle>
+            <a:lvl1pPr algn="l" defTabSz="914400" rtl="0" eaLnBrk="1" latinLnBrk="0" hangingPunct="1">
+              <a:lnSpc>
+                <a:spcPct val="90000"/>
+              </a:lnSpc>
+              <a:spcBef>
+                <a:spcPct val="0"/>
+              </a:spcBef>
+              <a:buNone/>
+              <a:defRPr sz="3200" b="1" kern="1200">
+                <a:solidFill>
+                  <a:schemeClr val="accent1">
+                    <a:lumMod val="75000"/>
+                  </a:schemeClr>
+                </a:solidFill>
+                <a:latin typeface="+mj-lt"/>
+                <a:ea typeface="+mj-ea"/>
+                <a:cs typeface="+mj-cs"/>
+              </a:defRPr>
+            </a:lvl1pPr>
+          </a:lstStyle>
+          <a:p>
+            <a:r>
+              <a:rPr lang="en-US" dirty="0"/>
+              <a:t>3. Data Exploration</a:t>
+            </a:r>
+          </a:p>
+        </p:txBody>
+      </p:sp>
+    </p:spTree>
+    <p:extLst>
+      <p:ext uri="{BB962C8B-B14F-4D97-AF65-F5344CB8AC3E}">
+        <p14:creationId xmlns:p14="http://schemas.microsoft.com/office/powerpoint/2010/main" val="3676722564"/>
+      </p:ext>
+    </p:extLst>
+  </p:cSld>
+  <p:clrMapOvr>
+    <a:masterClrMapping/>
+  </p:clrMapOvr>
+  <mc:AlternateContent xmlns:mc="http://schemas.openxmlformats.org/markup-compatibility/2006" xmlns:p14="http://schemas.microsoft.com/office/powerpoint/2010/main">
+    <mc:Choice Requires="p14">
+      <p:transition spd="med" p14:dur="700">
+        <p:fade/>
+      </p:transition>
+    </mc:Choice>
+    <mc:Fallback xmlns="">
+      <p:transition spd="med">
+        <p:fade/>
+      </p:transition>
+    </mc:Fallback>
+  </mc:AlternateContent>
+</p:sld>
+</file>
+
+<file path=ppt/slides/slide9.xml><?xml version="1.0" encoding="utf-8"?>
+<p:sld xmlns:a="http://schemas.openxmlformats.org/drawingml/2006/main" xmlns:r="http://schemas.openxmlformats.org/officeDocument/2006/relationships" xmlns:p="http://schemas.openxmlformats.org/presentationml/2006/main">
+  <p:cSld>
+    <p:spTree>
+      <p:nvGrpSpPr>
+        <p:cNvPr id="1" name=""/>
+        <p:cNvGrpSpPr/>
+        <p:nvPr/>
+      </p:nvGrpSpPr>
+      <p:grpSpPr>
+        <a:xfrm>
+          <a:off x="0" y="0"/>
+          <a:ext cx="0" cy="0"/>
+          <a:chOff x="0" y="0"/>
+          <a:chExt cx="0" cy="0"/>
+        </a:xfrm>
+      </p:grpSpPr>
+      <p:sp>
+        <p:nvSpPr>
+          <p:cNvPr id="4" name="Footer Placeholder 3">
+            <a:extLst>
+              <a:ext uri="{FF2B5EF4-FFF2-40B4-BE49-F238E27FC236}">
+                <a16:creationId xmlns:a16="http://schemas.microsoft.com/office/drawing/2014/main" id="{B30FF8F9-83BA-C8AB-FE8E-45B0E7F1C8AE}"/>
+              </a:ext>
+            </a:extLst>
+          </p:cNvPr>
+          <p:cNvSpPr>
+            <a:spLocks noGrp="1"/>
+          </p:cNvSpPr>
+          <p:nvPr>
+            <p:ph type="ftr" sz="quarter" idx="11"/>
+          </p:nvPr>
+        </p:nvSpPr>
+        <p:spPr/>
+        <p:txBody>
+          <a:bodyPr/>
+          <a:lstStyle/>
+          <a:p>
+            <a:r>
+              <a:rPr lang="en-US"/>
+              <a:t>FEUP</a:t>
+            </a:r>
+            <a:endParaRPr lang="en-US" dirty="0"/>
+          </a:p>
+        </p:txBody>
+      </p:sp>
+      <p:sp>
+        <p:nvSpPr>
+          <p:cNvPr id="5" name="Slide Number Placeholder 4">
+            <a:extLst>
+              <a:ext uri="{FF2B5EF4-FFF2-40B4-BE49-F238E27FC236}">
+                <a16:creationId xmlns:a16="http://schemas.microsoft.com/office/drawing/2014/main" id="{888A9355-2654-63AD-176A-C9347C7BAE55}"/>
+              </a:ext>
+            </a:extLst>
+          </p:cNvPr>
+          <p:cNvSpPr>
+            <a:spLocks noGrp="1"/>
+          </p:cNvSpPr>
+          <p:nvPr>
+            <p:ph type="sldNum" sz="quarter" idx="12"/>
+          </p:nvPr>
+        </p:nvSpPr>
+        <p:spPr/>
+        <p:txBody>
+          <a:bodyPr/>
+          <a:lstStyle/>
+          <a:p>
+            <a:fld id="{E31375A4-56A4-47D6-9801-1991572033F7}" type="slidenum">
+              <a:rPr lang="en-US" smtClean="0"/>
+              <a:t>9</a:t>
+            </a:fld>
+            <a:endParaRPr lang="en-US"/>
+          </a:p>
+        </p:txBody>
+      </p:sp>
+      <p:graphicFrame>
+        <p:nvGraphicFramePr>
+          <p:cNvPr id="6" name="Table 7">
+            <a:extLst>
+              <a:ext uri="{FF2B5EF4-FFF2-40B4-BE49-F238E27FC236}">
+                <a16:creationId xmlns:a16="http://schemas.microsoft.com/office/drawing/2014/main" id="{DEEC4797-DBEC-062B-927D-F7D1B245D253}"/>
+              </a:ext>
+            </a:extLst>
+          </p:cNvPr>
+          <p:cNvGraphicFramePr>
+            <a:graphicFrameLocks noGrp="1"/>
+          </p:cNvGraphicFramePr>
+          <p:nvPr>
+            <p:extLst>
+              <p:ext uri="{D42A27DB-BD31-4B8C-83A1-F6EECF244321}">
+                <p14:modId xmlns:p14="http://schemas.microsoft.com/office/powerpoint/2010/main" val="1737559408"/>
+              </p:ext>
+            </p:extLst>
+          </p:nvPr>
+        </p:nvGraphicFramePr>
+        <p:xfrm>
+          <a:off x="1295400" y="3014320"/>
+          <a:ext cx="9931842" cy="2901450"/>
+        </p:xfrm>
+        <a:graphic>
+          <a:graphicData uri="http://schemas.openxmlformats.org/drawingml/2006/table">
+            <a:tbl>
+              <a:tblPr firstRow="1" bandRow="1">
+                <a:tableStyleId>{BC89EF96-8CEA-46FF-86C4-4CE0E7609802}</a:tableStyleId>
+              </a:tblPr>
+              <a:tblGrid>
+                <a:gridCol w="4965921">
+                  <a:extLst>
+                    <a:ext uri="{9D8B030D-6E8A-4147-A177-3AD203B41FA5}">
+                      <a16:colId xmlns:a16="http://schemas.microsoft.com/office/drawing/2014/main" val="1207011899"/>
+                    </a:ext>
+                  </a:extLst>
+                </a:gridCol>
+                <a:gridCol w="4965921">
+                  <a:extLst>
+                    <a:ext uri="{9D8B030D-6E8A-4147-A177-3AD203B41FA5}">
+                      <a16:colId xmlns:a16="http://schemas.microsoft.com/office/drawing/2014/main" val="121277048"/>
+                    </a:ext>
+                  </a:extLst>
+                </a:gridCol>
+              </a:tblGrid>
+              <a:tr h="374640">
+                <a:tc>
+                  <a:txBody>
+                    <a:bodyPr/>
+                    <a:lstStyle/>
+                    <a:p>
+                      <a:pPr algn="ctr"/>
+                      <a:r>
+                        <a:rPr lang="en-US" sz="1800" b="1" kern="1200" dirty="0">
+                          <a:solidFill>
+                            <a:schemeClr val="tx1"/>
+                          </a:solidFill>
+                          <a:latin typeface="+mn-lt"/>
+                          <a:ea typeface="+mn-ea"/>
+                          <a:cs typeface="+mn-cs"/>
+                        </a:rPr>
+                        <a:t>Coastal proximity</a:t>
+                      </a:r>
+                    </a:p>
+                  </a:txBody>
+                  <a:tcPr/>
+                </a:tc>
+                <a:tc>
+                  <a:txBody>
+                    <a:bodyPr/>
+                    <a:lstStyle/>
+                    <a:p>
+                      <a:pPr marL="0" marR="0" lvl="0" indent="0" algn="ctr" defTabSz="914400" rtl="0" eaLnBrk="1" fontAlgn="auto" latinLnBrk="0" hangingPunct="1">
+                        <a:lnSpc>
+                          <a:spcPct val="100000"/>
+                        </a:lnSpc>
+                        <a:spcBef>
+                          <a:spcPts val="0"/>
+                        </a:spcBef>
+                        <a:spcAft>
+                          <a:spcPts val="0"/>
+                        </a:spcAft>
+                        <a:buClrTx/>
+                        <a:buSzTx/>
+                        <a:buFontTx/>
+                        <a:buNone/>
+                        <a:tabLst/>
+                        <a:defRPr/>
+                      </a:pPr>
+                      <a:r>
+                        <a:rPr lang="en-US" dirty="0"/>
+                        <a:t>Occurrences number (per district)</a:t>
+                      </a:r>
+                    </a:p>
+                  </a:txBody>
+                  <a:tcPr/>
+                </a:tc>
+                <a:extLst>
+                  <a:ext uri="{0D108BD9-81ED-4DB2-BD59-A6C34878D82A}">
+                    <a16:rowId xmlns:a16="http://schemas.microsoft.com/office/drawing/2014/main" val="55689116"/>
+                  </a:ext>
+                </a:extLst>
+              </a:tr>
+              <a:tr h="2526810">
+                <a:tc>
+                  <a:txBody>
+                    <a:bodyPr/>
+                    <a:lstStyle/>
+                    <a:p>
+                      <a:endParaRPr lang="en-US" dirty="0"/>
+                    </a:p>
+                  </a:txBody>
+                  <a:tcPr>
+                    <a:solidFill>
+                      <a:schemeClr val="bg1">
+                        <a:alpha val="20000"/>
+                      </a:schemeClr>
+                    </a:solidFill>
+                  </a:tcPr>
+                </a:tc>
+                <a:tc>
+                  <a:txBody>
+                    <a:bodyPr/>
+                    <a:lstStyle/>
+                    <a:p>
+                      <a:endParaRPr lang="en-US" b="1" dirty="0"/>
+                    </a:p>
+                  </a:txBody>
+                  <a:tcPr>
+                    <a:solidFill>
+                      <a:schemeClr val="bg1">
+                        <a:alpha val="20000"/>
+                      </a:schemeClr>
+                    </a:solidFill>
+                  </a:tcPr>
+                </a:tc>
+                <a:extLst>
+                  <a:ext uri="{0D108BD9-81ED-4DB2-BD59-A6C34878D82A}">
+                    <a16:rowId xmlns:a16="http://schemas.microsoft.com/office/drawing/2014/main" val="1977309317"/>
+                  </a:ext>
+                </a:extLst>
+              </a:tr>
+            </a:tbl>
+          </a:graphicData>
+        </a:graphic>
+      </p:graphicFrame>
+      <p:pic>
+        <p:nvPicPr>
+          <p:cNvPr id="9" name="Picture 8">
+            <a:extLst>
+              <a:ext uri="{FF2B5EF4-FFF2-40B4-BE49-F238E27FC236}">
+                <a16:creationId xmlns:a16="http://schemas.microsoft.com/office/drawing/2014/main" id="{E9FE78CF-16FE-3259-00E9-9D366C407983}"/>
+              </a:ext>
+            </a:extLst>
+          </p:cNvPr>
+          <p:cNvPicPr>
+            <a:picLocks noChangeAspect="1"/>
+          </p:cNvPicPr>
+          <p:nvPr/>
+        </p:nvPicPr>
+        <p:blipFill>
+          <a:blip r:embed="rId3"/>
+          <a:stretch>
+            <a:fillRect/>
+          </a:stretch>
+        </p:blipFill>
+        <p:spPr>
+          <a:xfrm>
+            <a:off x="1415077" y="3570406"/>
+            <a:ext cx="4656526" cy="2345364"/>
+          </a:xfrm>
+          <a:prstGeom prst="rect">
+            <a:avLst/>
+          </a:prstGeom>
+        </p:spPr>
+      </p:pic>
+      <p:pic>
+        <p:nvPicPr>
+          <p:cNvPr id="4098" name="Picture 2">
+            <a:extLst>
+              <a:ext uri="{FF2B5EF4-FFF2-40B4-BE49-F238E27FC236}">
+                <a16:creationId xmlns:a16="http://schemas.microsoft.com/office/drawing/2014/main" id="{6344B241-71B6-722C-B1F7-EA3EA7472506}"/>
+              </a:ext>
+            </a:extLst>
+          </p:cNvPr>
+          <p:cNvPicPr>
+            <a:picLocks noChangeAspect="1" noChangeArrowheads="1"/>
+          </p:cNvPicPr>
+          <p:nvPr/>
+        </p:nvPicPr>
+        <p:blipFill>
+          <a:blip r:embed="rId4">
+            <a:extLst>
+              <a:ext uri="{28A0092B-C50C-407E-A947-70E740481C1C}">
+                <a14:useLocalDpi xmlns:a14="http://schemas.microsoft.com/office/drawing/2010/main" val="0"/>
+              </a:ext>
+            </a:extLst>
+          </a:blip>
+          <a:srcRect/>
+          <a:stretch>
+            <a:fillRect/>
+          </a:stretch>
+        </p:blipFill>
+        <p:spPr bwMode="auto">
+          <a:xfrm>
+            <a:off x="6359751" y="3570406"/>
+            <a:ext cx="4656526" cy="2350251"/>
+          </a:xfrm>
+          <a:prstGeom prst="rect">
+            <a:avLst/>
+          </a:prstGeom>
+          <a:noFill/>
+          <a:extLst>
+            <a:ext uri="{909E8E84-426E-40DD-AFC4-6F175D3DCCD1}">
+              <a14:hiddenFill xmlns:a14="http://schemas.microsoft.com/office/drawing/2010/main">
+                <a:solidFill>
+                  <a:srgbClr val="FFFFFF"/>
+                </a:solidFill>
+              </a14:hiddenFill>
+            </a:ext>
+          </a:extLst>
+        </p:spPr>
+      </p:pic>
+      <p:sp>
+        <p:nvSpPr>
+          <p:cNvPr id="10" name="Title 1">
+            <a:extLst>
+              <a:ext uri="{FF2B5EF4-FFF2-40B4-BE49-F238E27FC236}">
+                <a16:creationId xmlns:a16="http://schemas.microsoft.com/office/drawing/2014/main" id="{29F3B28F-6F4A-5549-B5A2-C70B31EBD405}"/>
+              </a:ext>
+            </a:extLst>
+          </p:cNvPr>
+          <p:cNvSpPr txBox="1">
+            <a:spLocks/>
+          </p:cNvSpPr>
+          <p:nvPr/>
+        </p:nvSpPr>
+        <p:spPr>
+          <a:xfrm>
+            <a:off x="94753" y="-571193"/>
+            <a:ext cx="9601200" cy="1142385"/>
+          </a:xfrm>
+          <a:prstGeom prst="rect">
+            <a:avLst/>
+          </a:prstGeom>
+        </p:spPr>
+        <p:txBody>
+          <a:bodyPr vert="horz" lIns="91440" tIns="45720" rIns="91440" bIns="45720" rtlCol="0" anchor="b">
+            <a:normAutofit/>
+          </a:bodyPr>
+          <a:lstStyle>
+            <a:lvl1pPr algn="l" defTabSz="914400" rtl="0" eaLnBrk="1" latinLnBrk="0" hangingPunct="1">
+              <a:lnSpc>
+                <a:spcPct val="90000"/>
+              </a:lnSpc>
+              <a:spcBef>
+                <a:spcPct val="0"/>
+              </a:spcBef>
+              <a:buNone/>
+              <a:defRPr sz="3200" b="1" kern="1200">
+                <a:solidFill>
+                  <a:schemeClr val="accent1">
+                    <a:lumMod val="75000"/>
+                  </a:schemeClr>
+                </a:solidFill>
+                <a:latin typeface="+mj-lt"/>
+                <a:ea typeface="+mj-ea"/>
+                <a:cs typeface="+mj-cs"/>
+              </a:defRPr>
+            </a:lvl1pPr>
+          </a:lstStyle>
+          <a:p>
+            <a:r>
+              <a:rPr lang="en-US" dirty="0"/>
+              <a:t>3. Data Exploration</a:t>
+            </a:r>
+          </a:p>
+        </p:txBody>
+      </p:sp>
+      <p:sp>
+        <p:nvSpPr>
+          <p:cNvPr id="2" name="Content Placeholder 2">
+            <a:extLst>
+              <a:ext uri="{FF2B5EF4-FFF2-40B4-BE49-F238E27FC236}">
+                <a16:creationId xmlns:a16="http://schemas.microsoft.com/office/drawing/2014/main" id="{C30ABE52-864D-8774-6B1B-FA221FA36FF6}"/>
+              </a:ext>
+            </a:extLst>
+          </p:cNvPr>
+          <p:cNvSpPr txBox="1">
+            <a:spLocks/>
+          </p:cNvSpPr>
+          <p:nvPr/>
+        </p:nvSpPr>
+        <p:spPr>
+          <a:xfrm>
+            <a:off x="420757" y="571192"/>
+            <a:ext cx="9601200" cy="3809999"/>
+          </a:xfrm>
+          <a:prstGeom prst="rect">
+            <a:avLst/>
+          </a:prstGeom>
+        </p:spPr>
+        <p:txBody>
+          <a:bodyPr vert="horz" lIns="91440" tIns="45720" rIns="91440" bIns="45720" rtlCol="0">
+            <a:normAutofit/>
+          </a:bodyPr>
+          <a:lstStyle>
+            <a:lvl1pPr marL="228600" indent="-228600" algn="l" defTabSz="914400" rtl="0" eaLnBrk="1" latinLnBrk="0" hangingPunct="1">
+              <a:lnSpc>
+                <a:spcPct val="90000"/>
+              </a:lnSpc>
+              <a:spcBef>
+                <a:spcPts val="1800"/>
+              </a:spcBef>
+              <a:buClr>
+                <a:schemeClr val="accent1">
+                  <a:lumMod val="75000"/>
+                </a:schemeClr>
+              </a:buClr>
+              <a:buSzPct val="100000"/>
+              <a:buFont typeface="Arial" pitchFamily="34" charset="0"/>
+              <a:buChar char="▪"/>
+              <a:defRPr sz="2000" kern="1200">
+                <a:solidFill>
+                  <a:schemeClr val="tx1"/>
+                </a:solidFill>
+                <a:latin typeface="+mn-lt"/>
+                <a:ea typeface="+mn-ea"/>
+                <a:cs typeface="+mn-cs"/>
+              </a:defRPr>
+            </a:lvl1pPr>
+            <a:lvl2pPr marL="457200" indent="-182880" algn="l" defTabSz="914400" rtl="0" eaLnBrk="1" latinLnBrk="0" hangingPunct="1">
+              <a:lnSpc>
+                <a:spcPct val="90000"/>
+              </a:lnSpc>
+              <a:spcBef>
+                <a:spcPts val="1200"/>
+              </a:spcBef>
+              <a:buClr>
+                <a:schemeClr val="accent1">
+                  <a:lumMod val="75000"/>
+                </a:schemeClr>
+              </a:buClr>
+              <a:buSzPct val="100000"/>
+              <a:buFont typeface="Arial" pitchFamily="34" charset="0"/>
+              <a:buChar char="▪"/>
+              <a:defRPr sz="1800" kern="1200">
+                <a:solidFill>
+                  <a:schemeClr val="tx1"/>
+                </a:solidFill>
+                <a:latin typeface="+mn-lt"/>
+                <a:ea typeface="+mn-ea"/>
+                <a:cs typeface="+mn-cs"/>
+              </a:defRPr>
+            </a:lvl2pPr>
+            <a:lvl3pPr marL="685800" indent="-179388" algn="l" defTabSz="914400" rtl="0" eaLnBrk="1" latinLnBrk="0" hangingPunct="1">
+              <a:lnSpc>
+                <a:spcPct val="90000"/>
+              </a:lnSpc>
+              <a:spcBef>
+                <a:spcPts val="800"/>
+              </a:spcBef>
+              <a:buClr>
+                <a:schemeClr val="accent1">
+                  <a:lumMod val="75000"/>
+                </a:schemeClr>
+              </a:buClr>
+              <a:buSzPct val="100000"/>
+              <a:buFont typeface="Arial" pitchFamily="34" charset="0"/>
+              <a:buChar char="▪"/>
+              <a:defRPr sz="1600" kern="1200">
+                <a:solidFill>
+                  <a:schemeClr val="tx1"/>
+                </a:solidFill>
+                <a:latin typeface="+mn-lt"/>
+                <a:ea typeface="+mn-ea"/>
+                <a:cs typeface="+mn-cs"/>
+              </a:defRPr>
+            </a:lvl3pPr>
+            <a:lvl4pPr marL="914400" indent="-182880" algn="l" defTabSz="914400" rtl="0" eaLnBrk="1" latinLnBrk="0" hangingPunct="1">
+              <a:lnSpc>
+                <a:spcPct val="90000"/>
+              </a:lnSpc>
+              <a:spcBef>
+                <a:spcPts val="800"/>
+              </a:spcBef>
+              <a:buClr>
+                <a:schemeClr val="accent1">
+                  <a:lumMod val="75000"/>
+                </a:schemeClr>
+              </a:buClr>
+              <a:buSzPct val="100000"/>
+              <a:buFont typeface="Arial" pitchFamily="34" charset="0"/>
+              <a:buChar char="▪"/>
+              <a:defRPr sz="1400" kern="1200">
+                <a:solidFill>
+                  <a:schemeClr val="tx1"/>
+                </a:solidFill>
+                <a:latin typeface="+mn-lt"/>
+                <a:ea typeface="+mn-ea"/>
+                <a:cs typeface="+mn-cs"/>
+              </a:defRPr>
+            </a:lvl4pPr>
+            <a:lvl5pPr marL="1143000" indent="-179388" algn="l" defTabSz="914400" rtl="0" eaLnBrk="1" latinLnBrk="0" hangingPunct="1">
+              <a:lnSpc>
+                <a:spcPct val="90000"/>
+              </a:lnSpc>
+              <a:spcBef>
+                <a:spcPts val="600"/>
+              </a:spcBef>
+              <a:buClr>
+                <a:schemeClr val="accent1">
+                  <a:lumMod val="75000"/>
+                </a:schemeClr>
+              </a:buClr>
+              <a:buSzPct val="100000"/>
+              <a:buFont typeface="Arial" pitchFamily="34" charset="0"/>
+              <a:buChar char="▪"/>
+              <a:defRPr sz="1400" kern="1200">
+                <a:solidFill>
+                  <a:schemeClr val="tx1"/>
+                </a:solidFill>
+                <a:latin typeface="+mn-lt"/>
+                <a:ea typeface="+mn-ea"/>
+                <a:cs typeface="+mn-cs"/>
+              </a:defRPr>
+            </a:lvl5pPr>
+            <a:lvl6pPr marL="1371600" indent="-182880" algn="l" defTabSz="914400" rtl="0" eaLnBrk="1" latinLnBrk="0" hangingPunct="1">
+              <a:lnSpc>
+                <a:spcPct val="90000"/>
+              </a:lnSpc>
+              <a:spcBef>
+                <a:spcPts val="600"/>
+              </a:spcBef>
+              <a:buClr>
+                <a:schemeClr val="accent1">
+                  <a:lumMod val="75000"/>
+                </a:schemeClr>
+              </a:buClr>
+              <a:buSzPct val="100000"/>
+              <a:buFont typeface="Arial" pitchFamily="34" charset="0"/>
+              <a:buChar char="▪"/>
+              <a:defRPr sz="1400" kern="1200">
+                <a:solidFill>
+                  <a:schemeClr val="tx1"/>
+                </a:solidFill>
+                <a:latin typeface="+mn-lt"/>
+                <a:ea typeface="+mn-ea"/>
+                <a:cs typeface="+mn-cs"/>
+              </a:defRPr>
+            </a:lvl6pPr>
+            <a:lvl7pPr marL="1600200" indent="-179388" algn="l" defTabSz="914400" rtl="0" eaLnBrk="1" latinLnBrk="0" hangingPunct="1">
+              <a:lnSpc>
+                <a:spcPct val="90000"/>
+              </a:lnSpc>
+              <a:spcBef>
+                <a:spcPts val="600"/>
+              </a:spcBef>
+              <a:buClr>
+                <a:schemeClr val="accent1">
+                  <a:lumMod val="75000"/>
+                </a:schemeClr>
+              </a:buClr>
+              <a:buSzPct val="100000"/>
+              <a:buFont typeface="Arial" pitchFamily="34" charset="0"/>
+              <a:buChar char="▪"/>
+              <a:defRPr sz="1400" kern="1200">
+                <a:solidFill>
+                  <a:schemeClr val="tx1"/>
+                </a:solidFill>
+                <a:latin typeface="+mn-lt"/>
+                <a:ea typeface="+mn-ea"/>
+                <a:cs typeface="+mn-cs"/>
+              </a:defRPr>
+            </a:lvl7pPr>
+            <a:lvl8pPr marL="1828800" indent="-182880" algn="l" defTabSz="914400" rtl="0" eaLnBrk="1" latinLnBrk="0" hangingPunct="1">
+              <a:lnSpc>
+                <a:spcPct val="90000"/>
+              </a:lnSpc>
+              <a:spcBef>
+                <a:spcPts val="600"/>
+              </a:spcBef>
+              <a:buClr>
+                <a:schemeClr val="accent1">
+                  <a:lumMod val="75000"/>
+                </a:schemeClr>
+              </a:buClr>
+              <a:buSzPct val="100000"/>
+              <a:buFont typeface="Arial" pitchFamily="34" charset="0"/>
+              <a:buChar char="▪"/>
+              <a:defRPr sz="1400" kern="1200">
+                <a:solidFill>
+                  <a:schemeClr val="tx1"/>
+                </a:solidFill>
+                <a:latin typeface="+mn-lt"/>
+                <a:ea typeface="+mn-ea"/>
+                <a:cs typeface="+mn-cs"/>
+              </a:defRPr>
+            </a:lvl8pPr>
+            <a:lvl9pPr marL="1878012" indent="0" algn="l" defTabSz="914400" rtl="0" eaLnBrk="1" latinLnBrk="0" hangingPunct="1">
+              <a:lnSpc>
+                <a:spcPct val="90000"/>
+              </a:lnSpc>
+              <a:spcBef>
+                <a:spcPts val="600"/>
+              </a:spcBef>
+              <a:buClr>
+                <a:schemeClr val="accent1">
+                  <a:lumMod val="75000"/>
+                </a:schemeClr>
+              </a:buClr>
+              <a:buSzPct val="100000"/>
+              <a:buFont typeface="Arial" pitchFamily="34" charset="0"/>
+              <a:buNone/>
+              <a:defRPr sz="1400" kern="1200">
+                <a:solidFill>
+                  <a:schemeClr val="tx1"/>
+                </a:solidFill>
+                <a:latin typeface="+mn-lt"/>
+                <a:ea typeface="+mn-ea"/>
+                <a:cs typeface="+mn-cs"/>
+              </a:defRPr>
+            </a:lvl9pPr>
+          </a:lstStyle>
+          <a:p>
+            <a:r>
+              <a:rPr lang="en-US" b="1" dirty="0"/>
+              <a:t>Intervention time per group</a:t>
+            </a:r>
+          </a:p>
+          <a:p>
+            <a:endParaRPr lang="en-US" b="1" dirty="0"/>
+          </a:p>
+          <a:p>
+            <a:pPr lvl="1"/>
+            <a:r>
+              <a:rPr lang="en-US" dirty="0"/>
+              <a:t>Inland  and </a:t>
+            </a:r>
+            <a:r>
+              <a:rPr lang="en-US" dirty="0" err="1"/>
+              <a:t>Least_occurrences</a:t>
+            </a:r>
+            <a:r>
+              <a:rPr lang="en-US" dirty="0"/>
+              <a:t> has a higher range of values;</a:t>
+            </a:r>
+          </a:p>
+          <a:p>
+            <a:pPr lvl="1"/>
+            <a:r>
+              <a:rPr lang="en-US" dirty="0"/>
+              <a:t>Both groups appear to have similar statistics.</a:t>
+            </a:r>
+          </a:p>
+          <a:p>
+            <a:pPr marL="274320" lvl="1" indent="0">
+              <a:buFont typeface="Arial" pitchFamily="34" charset="0"/>
+              <a:buNone/>
+            </a:pPr>
+            <a:r>
+              <a:rPr lang="en-US" b="1" dirty="0"/>
+              <a:t> </a:t>
+            </a:r>
+          </a:p>
+          <a:p>
+            <a:pPr lvl="1"/>
+            <a:endParaRPr lang="en-US" dirty="0"/>
+          </a:p>
+          <a:p>
+            <a:endParaRPr lang="en-US" dirty="0"/>
+          </a:p>
+        </p:txBody>
+      </p:sp>
+    </p:spTree>
+    <p:extLst>
+      <p:ext uri="{BB962C8B-B14F-4D97-AF65-F5344CB8AC3E}">
+        <p14:creationId xmlns:p14="http://schemas.microsoft.com/office/powerpoint/2010/main" val="1023574434"/>
+      </p:ext>
+    </p:extLst>
+  </p:cSld>
+  <p:clrMapOvr>
+    <a:masterClrMapping/>
+  </p:clrMapOvr>
+  <mc:AlternateContent xmlns:mc="http://schemas.openxmlformats.org/markup-compatibility/2006" xmlns:p14="http://schemas.microsoft.com/office/powerpoint/2010/main">
+    <mc:Choice Requires="p14">
+      <p:transition spd="med" p14:dur="700">
+        <p:fade/>
+      </p:transition>
+    </mc:Choice>
+    <mc:Fallback xmlns="">
       <p:transition spd="med">
         <p:fade/>
       </p:transition>
